--- a/Aula 4/Models.pptx
+++ b/Aula 4/Models.pptx
@@ -5,26 +5,27 @@
     <p:sldMasterId id="2147483648" r:id="rId1"/>
   </p:sldMasterIdLst>
   <p:notesMasterIdLst>
-    <p:notesMasterId r:id="rId19"/>
+    <p:notesMasterId r:id="rId20"/>
   </p:notesMasterIdLst>
   <p:sldIdLst>
     <p:sldId id="257" r:id="rId2"/>
-    <p:sldId id="258" r:id="rId3"/>
-    <p:sldId id="259" r:id="rId4"/>
-    <p:sldId id="260" r:id="rId5"/>
-    <p:sldId id="261" r:id="rId6"/>
-    <p:sldId id="262" r:id="rId7"/>
-    <p:sldId id="263" r:id="rId8"/>
-    <p:sldId id="264" r:id="rId9"/>
-    <p:sldId id="265" r:id="rId10"/>
-    <p:sldId id="266" r:id="rId11"/>
-    <p:sldId id="267" r:id="rId12"/>
-    <p:sldId id="268" r:id="rId13"/>
-    <p:sldId id="270" r:id="rId14"/>
-    <p:sldId id="272" r:id="rId15"/>
-    <p:sldId id="271" r:id="rId16"/>
-    <p:sldId id="274" r:id="rId17"/>
-    <p:sldId id="275" r:id="rId18"/>
+    <p:sldId id="259" r:id="rId3"/>
+    <p:sldId id="260" r:id="rId4"/>
+    <p:sldId id="261" r:id="rId5"/>
+    <p:sldId id="262" r:id="rId6"/>
+    <p:sldId id="263" r:id="rId7"/>
+    <p:sldId id="264" r:id="rId8"/>
+    <p:sldId id="265" r:id="rId9"/>
+    <p:sldId id="266" r:id="rId10"/>
+    <p:sldId id="267" r:id="rId11"/>
+    <p:sldId id="268" r:id="rId12"/>
+    <p:sldId id="270" r:id="rId13"/>
+    <p:sldId id="272" r:id="rId14"/>
+    <p:sldId id="271" r:id="rId15"/>
+    <p:sldId id="274" r:id="rId16"/>
+    <p:sldId id="277" r:id="rId17"/>
+    <p:sldId id="276" r:id="rId18"/>
+    <p:sldId id="275" r:id="rId19"/>
   </p:sldIdLst>
   <p:sldSz cx="12192000" cy="6858000"/>
   <p:notesSz cx="6858000" cy="9144000"/>
@@ -123,6 +124,11 @@
       </a:defRPr>
     </a:lvl9pPr>
   </p:defaultTextStyle>
+  <p:extLst>
+    <p:ext uri="{EFAFB233-063F-42B5-8137-9DF3F51BA10A}">
+      <p15:sldGuideLst xmlns:p15="http://schemas.microsoft.com/office/powerpoint/2012/main"/>
+    </p:ext>
+  </p:extLst>
 </p:presentation>
 </file>
 
@@ -208,7 +214,7 @@
           <a:p>
             <a:fld id="{4440A938-EE45-4CF6-9305-556CFB7B5057}" type="datetimeFigureOut">
               <a:rPr lang="pt-BR" smtClean="0"/>
-              <a:t>18/07/2025</a:t>
+              <a:t>20/01/2026</a:t>
             </a:fld>
             <a:endParaRPr lang="pt-BR"/>
           </a:p>
@@ -475,90 +481,6 @@
 </p:notesMaster>
 </file>
 
-<file path=ppt/notesSlides/notesSlide1.xml><?xml version="1.0" encoding="utf-8"?>
-<p:notes xmlns:a="http://schemas.openxmlformats.org/drawingml/2006/main" xmlns:r="http://schemas.openxmlformats.org/officeDocument/2006/relationships" xmlns:p="http://schemas.openxmlformats.org/presentationml/2006/main">
-  <p:cSld>
-    <p:spTree>
-      <p:nvGrpSpPr>
-        <p:cNvPr id="1" name=""/>
-        <p:cNvGrpSpPr/>
-        <p:nvPr/>
-      </p:nvGrpSpPr>
-      <p:grpSpPr>
-        <a:xfrm>
-          <a:off x="0" y="0"/>
-          <a:ext cx="0" cy="0"/>
-          <a:chOff x="0" y="0"/>
-          <a:chExt cx="0" cy="0"/>
-        </a:xfrm>
-      </p:grpSpPr>
-      <p:sp>
-        <p:nvSpPr>
-          <p:cNvPr id="2" name="Espaço Reservado para Imagem de Slide 1"/>
-          <p:cNvSpPr>
-            <a:spLocks noGrp="1" noRot="1" noChangeAspect="1"/>
-          </p:cNvSpPr>
-          <p:nvPr>
-            <p:ph type="sldImg"/>
-          </p:nvPr>
-        </p:nvSpPr>
-        <p:spPr/>
-      </p:sp>
-      <p:sp>
-        <p:nvSpPr>
-          <p:cNvPr id="3" name="Espaço Reservado para Anotações 2"/>
-          <p:cNvSpPr>
-            <a:spLocks noGrp="1"/>
-          </p:cNvSpPr>
-          <p:nvPr>
-            <p:ph type="body" idx="1"/>
-          </p:nvPr>
-        </p:nvSpPr>
-        <p:spPr/>
-        <p:txBody>
-          <a:bodyPr/>
-          <a:lstStyle/>
-          <a:p>
-            <a:endParaRPr lang="pt-BR" dirty="0"/>
-          </a:p>
-        </p:txBody>
-      </p:sp>
-      <p:sp>
-        <p:nvSpPr>
-          <p:cNvPr id="4" name="Espaço Reservado para Número de Slide 3"/>
-          <p:cNvSpPr>
-            <a:spLocks noGrp="1"/>
-          </p:cNvSpPr>
-          <p:nvPr>
-            <p:ph type="sldNum" sz="quarter" idx="5"/>
-          </p:nvPr>
-        </p:nvSpPr>
-        <p:spPr/>
-        <p:txBody>
-          <a:bodyPr/>
-          <a:lstStyle/>
-          <a:p>
-            <a:fld id="{5F42E039-2C2B-455F-97AD-3DF3B59C34CF}" type="slidenum">
-              <a:rPr lang="pt-BR" smtClean="0"/>
-              <a:t>2</a:t>
-            </a:fld>
-            <a:endParaRPr lang="pt-BR"/>
-          </a:p>
-        </p:txBody>
-      </p:sp>
-    </p:spTree>
-    <p:extLst>
-      <p:ext uri="{BB962C8B-B14F-4D97-AF65-F5344CB8AC3E}">
-        <p14:creationId xmlns:p14="http://schemas.microsoft.com/office/powerpoint/2010/main" val="2000681800"/>
-      </p:ext>
-    </p:extLst>
-  </p:cSld>
-  <p:clrMapOvr>
-    <a:masterClrMapping/>
-  </p:clrMapOvr>
-</p:notes>
-</file>
-
 <file path=ppt/slideLayouts/slideLayout1.xml><?xml version="1.0" encoding="utf-8"?>
 <p:sldLayout xmlns:a="http://schemas.openxmlformats.org/drawingml/2006/main" xmlns:r="http://schemas.openxmlformats.org/officeDocument/2006/relationships" xmlns:p="http://schemas.openxmlformats.org/presentationml/2006/main" type="title" preserve="1">
   <p:cSld name="Slide de Título">
@@ -706,7 +628,7 @@
           <a:p>
             <a:fld id="{E2A3D7A4-D674-4F04-B457-5A75143D3A24}" type="datetimeFigureOut">
               <a:rPr lang="pt-BR" smtClean="0"/>
-              <a:t>18/07/2025</a:t>
+              <a:t>20/01/2026</a:t>
             </a:fld>
             <a:endParaRPr lang="pt-BR"/>
           </a:p>
@@ -904,7 +826,7 @@
           <a:p>
             <a:fld id="{E2A3D7A4-D674-4F04-B457-5A75143D3A24}" type="datetimeFigureOut">
               <a:rPr lang="pt-BR" smtClean="0"/>
-              <a:t>18/07/2025</a:t>
+              <a:t>20/01/2026</a:t>
             </a:fld>
             <a:endParaRPr lang="pt-BR"/>
           </a:p>
@@ -1112,7 +1034,7 @@
           <a:p>
             <a:fld id="{E2A3D7A4-D674-4F04-B457-5A75143D3A24}" type="datetimeFigureOut">
               <a:rPr lang="pt-BR" smtClean="0"/>
-              <a:t>18/07/2025</a:t>
+              <a:t>20/01/2026</a:t>
             </a:fld>
             <a:endParaRPr lang="pt-BR"/>
           </a:p>
@@ -1310,7 +1232,7 @@
           <a:p>
             <a:fld id="{E2A3D7A4-D674-4F04-B457-5A75143D3A24}" type="datetimeFigureOut">
               <a:rPr lang="pt-BR" smtClean="0"/>
-              <a:t>18/07/2025</a:t>
+              <a:t>20/01/2026</a:t>
             </a:fld>
             <a:endParaRPr lang="pt-BR"/>
           </a:p>
@@ -1585,7 +1507,7 @@
           <a:p>
             <a:fld id="{E2A3D7A4-D674-4F04-B457-5A75143D3A24}" type="datetimeFigureOut">
               <a:rPr lang="pt-BR" smtClean="0"/>
-              <a:t>18/07/2025</a:t>
+              <a:t>20/01/2026</a:t>
             </a:fld>
             <a:endParaRPr lang="pt-BR"/>
           </a:p>
@@ -1850,7 +1772,7 @@
           <a:p>
             <a:fld id="{E2A3D7A4-D674-4F04-B457-5A75143D3A24}" type="datetimeFigureOut">
               <a:rPr lang="pt-BR" smtClean="0"/>
-              <a:t>18/07/2025</a:t>
+              <a:t>20/01/2026</a:t>
             </a:fld>
             <a:endParaRPr lang="pt-BR"/>
           </a:p>
@@ -2262,7 +2184,7 @@
           <a:p>
             <a:fld id="{E2A3D7A4-D674-4F04-B457-5A75143D3A24}" type="datetimeFigureOut">
               <a:rPr lang="pt-BR" smtClean="0"/>
-              <a:t>18/07/2025</a:t>
+              <a:t>20/01/2026</a:t>
             </a:fld>
             <a:endParaRPr lang="pt-BR"/>
           </a:p>
@@ -2403,7 +2325,7 @@
           <a:p>
             <a:fld id="{E2A3D7A4-D674-4F04-B457-5A75143D3A24}" type="datetimeFigureOut">
               <a:rPr lang="pt-BR" smtClean="0"/>
-              <a:t>18/07/2025</a:t>
+              <a:t>20/01/2026</a:t>
             </a:fld>
             <a:endParaRPr lang="pt-BR"/>
           </a:p>
@@ -2516,7 +2438,7 @@
           <a:p>
             <a:fld id="{E2A3D7A4-D674-4F04-B457-5A75143D3A24}" type="datetimeFigureOut">
               <a:rPr lang="pt-BR" smtClean="0"/>
-              <a:t>18/07/2025</a:t>
+              <a:t>20/01/2026</a:t>
             </a:fld>
             <a:endParaRPr lang="pt-BR"/>
           </a:p>
@@ -2827,7 +2749,7 @@
           <a:p>
             <a:fld id="{E2A3D7A4-D674-4F04-B457-5A75143D3A24}" type="datetimeFigureOut">
               <a:rPr lang="pt-BR" smtClean="0"/>
-              <a:t>18/07/2025</a:t>
+              <a:t>20/01/2026</a:t>
             </a:fld>
             <a:endParaRPr lang="pt-BR"/>
           </a:p>
@@ -3115,7 +3037,7 @@
           <a:p>
             <a:fld id="{E2A3D7A4-D674-4F04-B457-5A75143D3A24}" type="datetimeFigureOut">
               <a:rPr lang="pt-BR" smtClean="0"/>
-              <a:t>18/07/2025</a:t>
+              <a:t>20/01/2026</a:t>
             </a:fld>
             <a:endParaRPr lang="pt-BR"/>
           </a:p>
@@ -3356,7 +3278,7 @@
           <a:p>
             <a:fld id="{E2A3D7A4-D674-4F04-B457-5A75143D3A24}" type="datetimeFigureOut">
               <a:rPr lang="pt-BR" smtClean="0"/>
-              <a:t>18/07/2025</a:t>
+              <a:t>20/01/2026</a:t>
             </a:fld>
             <a:endParaRPr lang="pt-BR"/>
           </a:p>
@@ -3937,6 +3859,16 @@
           </a:bodyPr>
           <a:lstStyle/>
           <a:p>
+            <a:endParaRPr lang="en-US" sz="4000" dirty="0">
+              <a:solidFill>
+                <a:schemeClr val="accent5">
+                  <a:lumMod val="60000"/>
+                  <a:lumOff val="40000"/>
+                </a:schemeClr>
+              </a:solidFill>
+            </a:endParaRPr>
+          </a:p>
+          <a:p>
             <a:r>
               <a:rPr lang="en-US" sz="4000" dirty="0">
                 <a:solidFill>
@@ -3946,7 +3878,7 @@
                   </a:schemeClr>
                 </a:solidFill>
               </a:rPr>
-              <a:t>Comando CREATE Models</a:t>
+              <a:t>Models</a:t>
             </a:r>
           </a:p>
         </p:txBody>
@@ -3965,476 +3897,6 @@
 </file>
 
 <file path=ppt/slides/slide10.xml><?xml version="1.0" encoding="utf-8"?>
-<p:sld xmlns:a="http://schemas.openxmlformats.org/drawingml/2006/main" xmlns:r="http://schemas.openxmlformats.org/officeDocument/2006/relationships" xmlns:p="http://schemas.openxmlformats.org/presentationml/2006/main">
-  <p:cSld>
-    <p:spTree>
-      <p:nvGrpSpPr>
-        <p:cNvPr id="1" name="">
-          <a:extLst>
-            <a:ext uri="{FF2B5EF4-FFF2-40B4-BE49-F238E27FC236}">
-              <a16:creationId xmlns:a16="http://schemas.microsoft.com/office/drawing/2014/main" id="{5948425F-DA5D-C2D7-2C97-DCE26EE59D41}"/>
-            </a:ext>
-          </a:extLst>
-        </p:cNvPr>
-        <p:cNvGrpSpPr/>
-        <p:nvPr/>
-      </p:nvGrpSpPr>
-      <p:grpSpPr>
-        <a:xfrm>
-          <a:off x="0" y="0"/>
-          <a:ext cx="0" cy="0"/>
-          <a:chOff x="0" y="0"/>
-          <a:chExt cx="0" cy="0"/>
-        </a:xfrm>
-      </p:grpSpPr>
-      <p:pic>
-        <p:nvPicPr>
-          <p:cNvPr id="5" name="Imagem 4">
-            <a:extLst>
-              <a:ext uri="{FF2B5EF4-FFF2-40B4-BE49-F238E27FC236}">
-                <a16:creationId xmlns:a16="http://schemas.microsoft.com/office/drawing/2014/main" id="{96F882ED-C128-B266-CAFA-3D37849FFB39}"/>
-              </a:ext>
-            </a:extLst>
-          </p:cNvPr>
-          <p:cNvPicPr>
-            <a:picLocks noChangeAspect="1"/>
-          </p:cNvPicPr>
-          <p:nvPr/>
-        </p:nvPicPr>
-        <p:blipFill>
-          <a:blip r:embed="rId2">
-            <a:extLst>
-              <a:ext uri="{28A0092B-C50C-407E-A947-70E740481C1C}">
-                <a14:useLocalDpi xmlns:a14="http://schemas.microsoft.com/office/drawing/2010/main" val="0"/>
-              </a:ext>
-            </a:extLst>
-          </a:blip>
-          <a:stretch>
-            <a:fillRect/>
-          </a:stretch>
-        </p:blipFill>
-        <p:spPr>
-          <a:xfrm>
-            <a:off x="0" y="0"/>
-            <a:ext cx="12192000" cy="6858000"/>
-          </a:xfrm>
-          <a:prstGeom prst="rect">
-            <a:avLst/>
-          </a:prstGeom>
-        </p:spPr>
-      </p:pic>
-      <p:sp>
-        <p:nvSpPr>
-          <p:cNvPr id="2" name="CaixaDeTexto 1">
-            <a:extLst>
-              <a:ext uri="{FF2B5EF4-FFF2-40B4-BE49-F238E27FC236}">
-                <a16:creationId xmlns:a16="http://schemas.microsoft.com/office/drawing/2014/main" id="{103930E5-80C5-CF41-7EA4-1D94CBB1FE6A}"/>
-              </a:ext>
-            </a:extLst>
-          </p:cNvPr>
-          <p:cNvSpPr txBox="1"/>
-          <p:nvPr/>
-        </p:nvSpPr>
-        <p:spPr>
-          <a:xfrm>
-            <a:off x="4023969" y="162426"/>
-            <a:ext cx="4144062" cy="646331"/>
-          </a:xfrm>
-          <a:prstGeom prst="rect">
-            <a:avLst/>
-          </a:prstGeom>
-          <a:noFill/>
-        </p:spPr>
-        <p:txBody>
-          <a:bodyPr wrap="square" rtlCol="0">
-            <a:spAutoFit/>
-          </a:bodyPr>
-          <a:lstStyle/>
-          <a:p>
-            <a:r>
-              <a:rPr lang="en-US" sz="3600" dirty="0" err="1"/>
-              <a:t>Relacionamento</a:t>
-            </a:r>
-            <a:r>
-              <a:rPr lang="en-US" sz="3600" dirty="0"/>
-              <a:t> 1:N</a:t>
-            </a:r>
-            <a:endParaRPr lang="pt-BR" sz="3600" dirty="0"/>
-          </a:p>
-        </p:txBody>
-      </p:sp>
-      <p:pic>
-        <p:nvPicPr>
-          <p:cNvPr id="4" name="Imagem 3">
-            <a:extLst>
-              <a:ext uri="{FF2B5EF4-FFF2-40B4-BE49-F238E27FC236}">
-                <a16:creationId xmlns:a16="http://schemas.microsoft.com/office/drawing/2014/main" id="{3419D980-8AE0-AF96-D46D-444756087199}"/>
-              </a:ext>
-            </a:extLst>
-          </p:cNvPr>
-          <p:cNvPicPr>
-            <a:picLocks noChangeAspect="1"/>
-          </p:cNvPicPr>
-          <p:nvPr/>
-        </p:nvPicPr>
-        <p:blipFill>
-          <a:blip r:embed="rId3"/>
-          <a:stretch>
-            <a:fillRect/>
-          </a:stretch>
-        </p:blipFill>
-        <p:spPr>
-          <a:xfrm>
-            <a:off x="1839692" y="2603161"/>
-            <a:ext cx="2960907" cy="2879787"/>
-          </a:xfrm>
-          <a:prstGeom prst="rect">
-            <a:avLst/>
-          </a:prstGeom>
-          <a:ln>
-            <a:noFill/>
-          </a:ln>
-          <a:effectLst>
-            <a:outerShdw blurRad="292100" dist="139700" dir="2700000" algn="tl" rotWithShape="0">
-              <a:srgbClr val="333333">
-                <a:alpha val="65000"/>
-              </a:srgbClr>
-            </a:outerShdw>
-          </a:effectLst>
-        </p:spPr>
-      </p:pic>
-      <p:pic>
-        <p:nvPicPr>
-          <p:cNvPr id="7" name="Imagem 6">
-            <a:extLst>
-              <a:ext uri="{FF2B5EF4-FFF2-40B4-BE49-F238E27FC236}">
-                <a16:creationId xmlns:a16="http://schemas.microsoft.com/office/drawing/2014/main" id="{BEE6423D-3ACE-D87B-42B9-88BA9566CD09}"/>
-              </a:ext>
-            </a:extLst>
-          </p:cNvPr>
-          <p:cNvPicPr>
-            <a:picLocks noChangeAspect="1"/>
-          </p:cNvPicPr>
-          <p:nvPr/>
-        </p:nvPicPr>
-        <p:blipFill>
-          <a:blip r:embed="rId4"/>
-          <a:stretch>
-            <a:fillRect/>
-          </a:stretch>
-        </p:blipFill>
-        <p:spPr>
-          <a:xfrm>
-            <a:off x="7348214" y="2603160"/>
-            <a:ext cx="3004094" cy="2879787"/>
-          </a:xfrm>
-          <a:prstGeom prst="rect">
-            <a:avLst/>
-          </a:prstGeom>
-          <a:ln>
-            <a:noFill/>
-          </a:ln>
-          <a:effectLst>
-            <a:outerShdw blurRad="292100" dist="139700" dir="2700000" algn="tl" rotWithShape="0">
-              <a:srgbClr val="333333">
-                <a:alpha val="65000"/>
-              </a:srgbClr>
-            </a:outerShdw>
-          </a:effectLst>
-        </p:spPr>
-      </p:pic>
-      <p:cxnSp>
-        <p:nvCxnSpPr>
-          <p:cNvPr id="9" name="Conector de Seta Reta 8">
-            <a:extLst>
-              <a:ext uri="{FF2B5EF4-FFF2-40B4-BE49-F238E27FC236}">
-                <a16:creationId xmlns:a16="http://schemas.microsoft.com/office/drawing/2014/main" id="{56350EEF-F6CB-E7CC-0D6B-7101B359CABF}"/>
-              </a:ext>
-            </a:extLst>
-          </p:cNvPr>
-          <p:cNvCxnSpPr>
-            <a:cxnSpLocks/>
-          </p:cNvCxnSpPr>
-          <p:nvPr/>
-        </p:nvCxnSpPr>
-        <p:spPr>
-          <a:xfrm flipV="1">
-            <a:off x="5143500" y="4043053"/>
-            <a:ext cx="1776046" cy="1"/>
-          </a:xfrm>
-          <a:prstGeom prst="straightConnector1">
-            <a:avLst/>
-          </a:prstGeom>
-          <a:ln>
-            <a:headEnd type="triangle"/>
-            <a:tailEnd type="triangle"/>
-          </a:ln>
-        </p:spPr>
-        <p:style>
-          <a:lnRef idx="1">
-            <a:schemeClr val="dk1"/>
-          </a:lnRef>
-          <a:fillRef idx="0">
-            <a:schemeClr val="dk1"/>
-          </a:fillRef>
-          <a:effectRef idx="0">
-            <a:schemeClr val="dk1"/>
-          </a:effectRef>
-          <a:fontRef idx="minor">
-            <a:schemeClr val="tx1"/>
-          </a:fontRef>
-        </p:style>
-      </p:cxnSp>
-      <p:sp>
-        <p:nvSpPr>
-          <p:cNvPr id="14" name="CaixaDeTexto 13">
-            <a:extLst>
-              <a:ext uri="{FF2B5EF4-FFF2-40B4-BE49-F238E27FC236}">
-                <a16:creationId xmlns:a16="http://schemas.microsoft.com/office/drawing/2014/main" id="{A6242AC3-E139-1991-AA7B-9CED04A44FD1}"/>
-              </a:ext>
-            </a:extLst>
-          </p:cNvPr>
-          <p:cNvSpPr txBox="1"/>
-          <p:nvPr/>
-        </p:nvSpPr>
-        <p:spPr>
-          <a:xfrm>
-            <a:off x="5143500" y="3613638"/>
-            <a:ext cx="430823" cy="369332"/>
-          </a:xfrm>
-          <a:prstGeom prst="rect">
-            <a:avLst/>
-          </a:prstGeom>
-          <a:noFill/>
-        </p:spPr>
-        <p:txBody>
-          <a:bodyPr wrap="square" rtlCol="0">
-            <a:spAutoFit/>
-          </a:bodyPr>
-          <a:lstStyle/>
-          <a:p>
-            <a:r>
-              <a:rPr lang="en-US" dirty="0"/>
-              <a:t>1</a:t>
-            </a:r>
-            <a:endParaRPr lang="pt-BR" dirty="0"/>
-          </a:p>
-        </p:txBody>
-      </p:sp>
-      <p:sp>
-        <p:nvSpPr>
-          <p:cNvPr id="16" name="CaixaDeTexto 15">
-            <a:extLst>
-              <a:ext uri="{FF2B5EF4-FFF2-40B4-BE49-F238E27FC236}">
-                <a16:creationId xmlns:a16="http://schemas.microsoft.com/office/drawing/2014/main" id="{E36D5E66-5AA1-CA6E-25E3-1E3F5C7A850D}"/>
-              </a:ext>
-            </a:extLst>
-          </p:cNvPr>
-          <p:cNvSpPr txBox="1"/>
-          <p:nvPr/>
-        </p:nvSpPr>
-        <p:spPr>
-          <a:xfrm>
-            <a:off x="6495318" y="4211488"/>
-            <a:ext cx="336305" cy="369332"/>
-          </a:xfrm>
-          <a:prstGeom prst="rect">
-            <a:avLst/>
-          </a:prstGeom>
-          <a:noFill/>
-        </p:spPr>
-        <p:txBody>
-          <a:bodyPr wrap="square">
-            <a:spAutoFit/>
-          </a:bodyPr>
-          <a:lstStyle/>
-          <a:p>
-            <a:r>
-              <a:rPr lang="en-US" dirty="0"/>
-              <a:t>N</a:t>
-            </a:r>
-            <a:endParaRPr lang="pt-BR" dirty="0"/>
-          </a:p>
-        </p:txBody>
-      </p:sp>
-      <p:sp>
-        <p:nvSpPr>
-          <p:cNvPr id="17" name="CaixaDeTexto 16">
-            <a:extLst>
-              <a:ext uri="{FF2B5EF4-FFF2-40B4-BE49-F238E27FC236}">
-                <a16:creationId xmlns:a16="http://schemas.microsoft.com/office/drawing/2014/main" id="{03275981-5F02-CEFA-F683-E77E127E375B}"/>
-              </a:ext>
-            </a:extLst>
-          </p:cNvPr>
-          <p:cNvSpPr txBox="1"/>
-          <p:nvPr/>
-        </p:nvSpPr>
-        <p:spPr>
-          <a:xfrm>
-            <a:off x="1817809" y="971183"/>
-            <a:ext cx="8556381" cy="830997"/>
-          </a:xfrm>
-          <a:prstGeom prst="rect">
-            <a:avLst/>
-          </a:prstGeom>
-          <a:noFill/>
-        </p:spPr>
-        <p:txBody>
-          <a:bodyPr wrap="square" rtlCol="0">
-            <a:spAutoFit/>
-          </a:bodyPr>
-          <a:lstStyle/>
-          <a:p>
-            <a:r>
-              <a:rPr lang="en-US" sz="2400" dirty="0"/>
-              <a:t>Em </a:t>
-            </a:r>
-            <a:r>
-              <a:rPr lang="en-US" sz="2400" dirty="0" err="1"/>
-              <a:t>uma</a:t>
-            </a:r>
-            <a:r>
-              <a:rPr lang="en-US" sz="2400" dirty="0"/>
-              <a:t> </a:t>
-            </a:r>
-            <a:r>
-              <a:rPr lang="en-US" sz="2400" dirty="0" err="1"/>
-              <a:t>relação</a:t>
-            </a:r>
-            <a:r>
-              <a:rPr lang="en-US" sz="2400" dirty="0"/>
-              <a:t> entre </a:t>
-            </a:r>
-            <a:r>
-              <a:rPr lang="en-US" sz="2400" dirty="0" err="1"/>
-              <a:t>Estúdio</a:t>
-            </a:r>
-            <a:r>
-              <a:rPr lang="en-US" sz="2400" dirty="0"/>
-              <a:t> e </a:t>
-            </a:r>
-            <a:r>
-              <a:rPr lang="en-US" sz="2400" dirty="0" err="1"/>
-              <a:t>Jogos</a:t>
-            </a:r>
-            <a:r>
-              <a:rPr lang="en-US" sz="2400" dirty="0"/>
-              <a:t>, </a:t>
-            </a:r>
-            <a:r>
-              <a:rPr lang="en-US" sz="2400" u="sng" dirty="0"/>
-              <a:t>1</a:t>
-            </a:r>
-            <a:r>
-              <a:rPr lang="en-US" sz="2400" dirty="0"/>
-              <a:t> </a:t>
-            </a:r>
-            <a:r>
-              <a:rPr lang="en-US" sz="2400" dirty="0" err="1"/>
-              <a:t>Estúdio</a:t>
-            </a:r>
-            <a:r>
-              <a:rPr lang="en-US" sz="2400" dirty="0"/>
-              <a:t> </a:t>
-            </a:r>
-            <a:r>
-              <a:rPr lang="en-US" sz="2400" dirty="0" err="1"/>
-              <a:t>pode</a:t>
-            </a:r>
-            <a:r>
-              <a:rPr lang="en-US" sz="2400" dirty="0"/>
-              <a:t> </a:t>
-            </a:r>
-            <a:r>
-              <a:rPr lang="en-US" sz="2400" dirty="0" err="1"/>
-              <a:t>desenvolver</a:t>
-            </a:r>
-            <a:r>
-              <a:rPr lang="en-US" sz="2400" dirty="0"/>
-              <a:t> </a:t>
-            </a:r>
-            <a:r>
-              <a:rPr lang="en-US" sz="2400" u="sng" dirty="0"/>
-              <a:t>N</a:t>
-            </a:r>
-            <a:r>
-              <a:rPr lang="en-US" sz="2400" dirty="0"/>
-              <a:t> </a:t>
-            </a:r>
-            <a:r>
-              <a:rPr lang="en-US" sz="2400" dirty="0" err="1"/>
-              <a:t>jogos</a:t>
-            </a:r>
-            <a:r>
-              <a:rPr lang="en-US" sz="2400" dirty="0"/>
-              <a:t>. Mas </a:t>
-            </a:r>
-            <a:r>
-              <a:rPr lang="en-US" sz="2400" dirty="0" err="1"/>
-              <a:t>cada</a:t>
-            </a:r>
-            <a:r>
-              <a:rPr lang="en-US" sz="2400" dirty="0"/>
-              <a:t> </a:t>
-            </a:r>
-            <a:r>
-              <a:rPr lang="en-US" sz="2400" dirty="0" err="1"/>
-              <a:t>jogo</a:t>
-            </a:r>
-            <a:r>
-              <a:rPr lang="en-US" sz="2400" dirty="0"/>
-              <a:t> </a:t>
-            </a:r>
-            <a:r>
-              <a:rPr lang="en-US" sz="2400" dirty="0" err="1"/>
-              <a:t>está</a:t>
-            </a:r>
-            <a:r>
-              <a:rPr lang="en-US" sz="2400" dirty="0"/>
-              <a:t> </a:t>
-            </a:r>
-            <a:r>
-              <a:rPr lang="en-US" sz="2400" dirty="0" err="1"/>
-              <a:t>associado</a:t>
-            </a:r>
-            <a:r>
-              <a:rPr lang="en-US" sz="2400" dirty="0"/>
-              <a:t> a um </a:t>
-            </a:r>
-            <a:r>
-              <a:rPr lang="en-US" sz="2400" dirty="0" err="1"/>
-              <a:t>estúdio</a:t>
-            </a:r>
-            <a:r>
-              <a:rPr lang="en-US" sz="2400" dirty="0"/>
-              <a:t> </a:t>
-            </a:r>
-            <a:r>
-              <a:rPr lang="en-US" sz="2400" dirty="0" err="1"/>
-              <a:t>específico</a:t>
-            </a:r>
-            <a:r>
-              <a:rPr lang="en-US" sz="2400" dirty="0"/>
-              <a:t>.</a:t>
-            </a:r>
-            <a:endParaRPr lang="pt-BR" sz="2400" dirty="0"/>
-          </a:p>
-        </p:txBody>
-      </p:sp>
-    </p:spTree>
-    <p:extLst>
-      <p:ext uri="{BB962C8B-B14F-4D97-AF65-F5344CB8AC3E}">
-        <p14:creationId xmlns:p14="http://schemas.microsoft.com/office/powerpoint/2010/main" val="3290833019"/>
-      </p:ext>
-    </p:extLst>
-  </p:cSld>
-  <p:clrMapOvr>
-    <a:masterClrMapping/>
-  </p:clrMapOvr>
-</p:sld>
-</file>
-
-<file path=ppt/slides/slide11.xml><?xml version="1.0" encoding="utf-8"?>
 <p:sld xmlns:a="http://schemas.openxmlformats.org/drawingml/2006/main" xmlns:r="http://schemas.openxmlformats.org/officeDocument/2006/relationships" xmlns:p="http://schemas.openxmlformats.org/presentationml/2006/main">
   <p:cSld>
     <p:spTree>
@@ -4685,7 +4147,7 @@
 </p:sld>
 </file>
 
-<file path=ppt/slides/slide12.xml><?xml version="1.0" encoding="utf-8"?>
+<file path=ppt/slides/slide11.xml><?xml version="1.0" encoding="utf-8"?>
 <p:sld xmlns:a="http://schemas.openxmlformats.org/drawingml/2006/main" xmlns:r="http://schemas.openxmlformats.org/officeDocument/2006/relationships" xmlns:p="http://schemas.openxmlformats.org/presentationml/2006/main">
   <p:cSld>
     <p:spTree>
@@ -5153,7 +4615,7 @@
 </p:sld>
 </file>
 
-<file path=ppt/slides/slide13.xml><?xml version="1.0" encoding="utf-8"?>
+<file path=ppt/slides/slide12.xml><?xml version="1.0" encoding="utf-8"?>
 <p:sld xmlns:a="http://schemas.openxmlformats.org/drawingml/2006/main" xmlns:r="http://schemas.openxmlformats.org/officeDocument/2006/relationships" xmlns:p="http://schemas.openxmlformats.org/presentationml/2006/main">
   <p:cSld>
     <p:spTree>
@@ -5579,7 +5041,7 @@
 </p:sld>
 </file>
 
-<file path=ppt/slides/slide14.xml><?xml version="1.0" encoding="utf-8"?>
+<file path=ppt/slides/slide13.xml><?xml version="1.0" encoding="utf-8"?>
 <p:sld xmlns:a="http://schemas.openxmlformats.org/drawingml/2006/main" xmlns:r="http://schemas.openxmlformats.org/officeDocument/2006/relationships" xmlns:p="http://schemas.openxmlformats.org/presentationml/2006/main">
   <p:cSld>
     <p:spTree>
@@ -5681,7 +5143,7 @@
 </p:sld>
 </file>
 
-<file path=ppt/slides/slide15.xml><?xml version="1.0" encoding="utf-8"?>
+<file path=ppt/slides/slide14.xml><?xml version="1.0" encoding="utf-8"?>
 <p:sld xmlns:a="http://schemas.openxmlformats.org/drawingml/2006/main" xmlns:r="http://schemas.openxmlformats.org/officeDocument/2006/relationships" xmlns:p="http://schemas.openxmlformats.org/presentationml/2006/main">
   <p:cSld>
     <p:spTree>
@@ -5783,7 +5245,7 @@
 </p:sld>
 </file>
 
-<file path=ppt/slides/slide16.xml><?xml version="1.0" encoding="utf-8"?>
+<file path=ppt/slides/slide15.xml><?xml version="1.0" encoding="utf-8"?>
 <p:sld xmlns:a="http://schemas.openxmlformats.org/drawingml/2006/main" xmlns:r="http://schemas.openxmlformats.org/officeDocument/2006/relationships" xmlns:p="http://schemas.openxmlformats.org/presentationml/2006/main">
   <p:cSld>
     <p:spTree>
@@ -5858,8 +5320,8 @@
         </p:nvSpPr>
         <p:spPr bwMode="auto">
           <a:xfrm>
-            <a:off x="378070" y="455144"/>
-            <a:ext cx="11342076" cy="5755422"/>
+            <a:off x="378070" y="-37288"/>
+            <a:ext cx="11342076" cy="6740307"/>
           </a:xfrm>
           <a:prstGeom prst="rect">
             <a:avLst/>
@@ -5938,507 +5400,355 @@
             </a:r>
           </a:p>
           <a:p>
-            <a:pPr marL="0" marR="0" lvl="0" indent="0" algn="l" defTabSz="914400" rtl="0" eaLnBrk="0" fontAlgn="base" latinLnBrk="0" hangingPunct="0">
-              <a:lnSpc>
-                <a:spcPct val="100000"/>
-              </a:lnSpc>
+            <a:pPr lvl="0" eaLnBrk="0" fontAlgn="base" hangingPunct="0">
               <a:spcBef>
                 <a:spcPct val="0"/>
               </a:spcBef>
               <a:spcAft>
                 <a:spcPct val="0"/>
               </a:spcAft>
-              <a:buClrTx/>
-              <a:buSzTx/>
-              <a:buFontTx/>
-              <a:buNone/>
-              <a:tabLst/>
             </a:pPr>
             <a:r>
-              <a:rPr kumimoji="0" lang="pt-BR" altLang="pt-BR" sz="1600" b="0" i="0" u="none" strike="noStrike" cap="none" normalizeH="0" baseline="0" dirty="0">
-                <a:ln>
-                  <a:noFill/>
-                </a:ln>
-                <a:solidFill>
-                  <a:schemeClr val="tx1"/>
-                </a:solidFill>
-                <a:effectLst/>
-                <a:latin typeface="Arial" panose="020B0604020202020204" pitchFamily="34" charset="0"/>
-              </a:rPr>
-              <a:t>No reino de </a:t>
-            </a:r>
-            <a:r>
-              <a:rPr kumimoji="0" lang="pt-BR" altLang="pt-BR" sz="1600" b="0" i="0" u="none" strike="noStrike" cap="none" normalizeH="0" baseline="0" dirty="0" err="1">
-                <a:ln>
-                  <a:noFill/>
-                </a:ln>
-                <a:solidFill>
-                  <a:schemeClr val="tx1"/>
-                </a:solidFill>
-                <a:effectLst/>
-                <a:latin typeface="Arial" panose="020B0604020202020204" pitchFamily="34" charset="0"/>
-              </a:rPr>
-              <a:t>Hyrule</a:t>
-            </a:r>
-            <a:r>
-              <a:rPr kumimoji="0" lang="pt-BR" altLang="pt-BR" sz="1600" b="0" i="0" u="none" strike="noStrike" cap="none" normalizeH="0" baseline="0" dirty="0">
-                <a:ln>
-                  <a:noFill/>
-                </a:ln>
-                <a:solidFill>
-                  <a:schemeClr val="tx1"/>
-                </a:solidFill>
-                <a:effectLst/>
-                <a:latin typeface="Arial" panose="020B0604020202020204" pitchFamily="34" charset="0"/>
-              </a:rPr>
-              <a:t>, onde Link já salvou a princesa Zelda inúmeras vezes de </a:t>
-            </a:r>
-            <a:r>
-              <a:rPr kumimoji="0" lang="pt-BR" altLang="pt-BR" sz="1600" b="0" i="0" u="none" strike="noStrike" cap="none" normalizeH="0" baseline="0" dirty="0" err="1">
-                <a:ln>
-                  <a:noFill/>
-                </a:ln>
-                <a:solidFill>
-                  <a:schemeClr val="tx1"/>
-                </a:solidFill>
-                <a:effectLst/>
-                <a:latin typeface="Arial" panose="020B0604020202020204" pitchFamily="34" charset="0"/>
-              </a:rPr>
-              <a:t>Ganondorf</a:t>
-            </a:r>
-            <a:r>
-              <a:rPr kumimoji="0" lang="pt-BR" altLang="pt-BR" sz="1600" b="0" i="0" u="none" strike="noStrike" cap="none" normalizeH="0" baseline="0" dirty="0">
-                <a:ln>
-                  <a:noFill/>
-                </a:ln>
-                <a:solidFill>
-                  <a:schemeClr val="tx1"/>
-                </a:solidFill>
-                <a:effectLst/>
-                <a:latin typeface="Arial" panose="020B0604020202020204" pitchFamily="34" charset="0"/>
-              </a:rPr>
-              <a:t>, um novo empreendimento está surgindo. Inspirado pelas aventuras do herói e pela constante necessidade de itens mágicos pelos aventureiros, Link decide se aposentar temporariamente das batalhas épicas para se envolver com o comércio de itens mágicos em </a:t>
-            </a:r>
-            <a:r>
-              <a:rPr kumimoji="0" lang="pt-BR" altLang="pt-BR" sz="1600" b="0" i="0" u="none" strike="noStrike" cap="none" normalizeH="0" baseline="0" dirty="0" err="1">
-                <a:ln>
-                  <a:noFill/>
-                </a:ln>
-                <a:solidFill>
-                  <a:schemeClr val="tx1"/>
-                </a:solidFill>
-                <a:effectLst/>
-                <a:latin typeface="Arial" panose="020B0604020202020204" pitchFamily="34" charset="0"/>
-              </a:rPr>
-              <a:t>Hyrule</a:t>
-            </a:r>
-            <a:r>
-              <a:rPr kumimoji="0" lang="pt-BR" altLang="pt-BR" sz="1600" b="0" i="0" u="none" strike="noStrike" cap="none" normalizeH="0" baseline="0" dirty="0">
-                <a:ln>
-                  <a:noFill/>
-                </a:ln>
-                <a:solidFill>
-                  <a:schemeClr val="tx1"/>
-                </a:solidFill>
-                <a:effectLst/>
-                <a:latin typeface="Arial" panose="020B0604020202020204" pitchFamily="34" charset="0"/>
-              </a:rPr>
-              <a:t>. • Ele precisa modelar o banco de dados da sua futura loja de itens (mercado mágico), a HYRULE SHOP. As informações necessárias para a modelagem do banco de dados estão descritas a seguir:</a:t>
-            </a:r>
-          </a:p>
-          <a:p>
-            <a:pPr marL="0" marR="0" lvl="0" indent="0" algn="l" defTabSz="914400" rtl="0" eaLnBrk="0" fontAlgn="base" latinLnBrk="0" hangingPunct="0">
-              <a:lnSpc>
-                <a:spcPct val="100000"/>
-              </a:lnSpc>
+              <a:rPr lang="pt-BR" sz="1600" dirty="0"/>
+              <a:t>No competitivo setor do varejo, a rede </a:t>
+            </a:r>
+            <a:r>
+              <a:rPr lang="pt-BR" sz="1600" b="1" dirty="0"/>
+              <a:t>Mercado Mendes</a:t>
+            </a:r>
+            <a:r>
+              <a:rPr lang="pt-BR" sz="1600" dirty="0"/>
+              <a:t> decidiu digitalizar suas operações para bater de frente com os grandes do mercado. Eles precisam de um sistema robusto para gerenciar produtos, unidades físicas, clientes e logística de entrega.</a:t>
+            </a:r>
+          </a:p>
+          <a:p>
+            <a:pPr lvl="0" eaLnBrk="0" fontAlgn="base" hangingPunct="0">
               <a:spcBef>
                 <a:spcPct val="0"/>
               </a:spcBef>
               <a:spcAft>
                 <a:spcPct val="0"/>
               </a:spcAft>
-              <a:buClrTx/>
-              <a:buSzTx/>
-              <a:buFontTx/>
-              <a:buNone/>
-              <a:tabLst/>
             </a:pPr>
-            <a:r>
-              <a:rPr kumimoji="0" lang="pt-BR" altLang="pt-BR" sz="1600" b="0" i="0" u="none" strike="noStrike" cap="none" normalizeH="0" baseline="0" dirty="0">
-                <a:ln>
-                  <a:noFill/>
-                </a:ln>
-                <a:solidFill>
-                  <a:schemeClr val="tx1"/>
-                </a:solidFill>
-                <a:effectLst/>
-                <a:latin typeface="Arial" panose="020B0604020202020204" pitchFamily="34" charset="0"/>
-              </a:rPr>
-              <a:t>• Deve-se guardar estas informações de um </a:t>
-            </a:r>
-            <a:r>
-              <a:rPr kumimoji="0" lang="pt-BR" altLang="pt-BR" sz="1600" b="1" i="0" u="none" strike="noStrike" cap="none" normalizeH="0" baseline="0" dirty="0">
-                <a:ln>
-                  <a:noFill/>
-                </a:ln>
-                <a:solidFill>
-                  <a:schemeClr val="tx1"/>
-                </a:solidFill>
-                <a:effectLst/>
-                <a:latin typeface="Arial" panose="020B0604020202020204" pitchFamily="34" charset="0"/>
-              </a:rPr>
-              <a:t>item</a:t>
-            </a:r>
-            <a:r>
-              <a:rPr kumimoji="0" lang="pt-BR" altLang="pt-BR" sz="1600" b="0" i="0" u="none" strike="noStrike" cap="none" normalizeH="0" baseline="0" dirty="0">
-                <a:ln>
-                  <a:noFill/>
-                </a:ln>
-                <a:solidFill>
-                  <a:schemeClr val="tx1"/>
-                </a:solidFill>
-                <a:effectLst/>
-                <a:latin typeface="Arial" panose="020B0604020202020204" pitchFamily="34" charset="0"/>
-              </a:rPr>
-              <a:t>: cada item deve ter uma identificação única, um nome, uma categoria (armas, escudos, armaduras, poções, etc.), o seu preço em rupias e a quantidade disponível no estoque.</a:t>
-            </a:r>
-          </a:p>
-          <a:p>
-            <a:pPr marL="0" marR="0" lvl="0" indent="0" algn="l" defTabSz="914400" rtl="0" eaLnBrk="0" fontAlgn="base" latinLnBrk="0" hangingPunct="0">
-              <a:lnSpc>
-                <a:spcPct val="100000"/>
-              </a:lnSpc>
+            <a:endParaRPr lang="pt-BR" sz="1600" dirty="0"/>
+          </a:p>
+          <a:p>
+            <a:pPr marL="342900" lvl="0" indent="-342900" eaLnBrk="0" fontAlgn="base" hangingPunct="0">
               <a:spcBef>
                 <a:spcPct val="0"/>
               </a:spcBef>
               <a:spcAft>
                 <a:spcPct val="0"/>
               </a:spcAft>
-              <a:buClrTx/>
-              <a:buSzTx/>
-              <a:buFontTx/>
-              <a:buNone/>
-              <a:tabLst/>
+              <a:buAutoNum type="arabicPeriod"/>
             </a:pPr>
             <a:r>
-              <a:rPr kumimoji="0" lang="pt-BR" altLang="pt-BR" sz="1600" b="0" i="0" u="none" strike="noStrike" cap="none" normalizeH="0" baseline="0" dirty="0">
-                <a:ln>
-                  <a:noFill/>
-                </a:ln>
-                <a:solidFill>
-                  <a:schemeClr val="tx1"/>
-                </a:solidFill>
-                <a:effectLst/>
-                <a:latin typeface="Arial" panose="020B0604020202020204" pitchFamily="34" charset="0"/>
-              </a:rPr>
-              <a:t>• Deve-se guardar estas informações de uma </a:t>
-            </a:r>
-            <a:r>
-              <a:rPr kumimoji="0" lang="pt-BR" altLang="pt-BR" sz="1600" b="1" i="0" u="none" strike="noStrike" cap="none" normalizeH="0" baseline="0" dirty="0">
-                <a:ln>
-                  <a:noFill/>
-                </a:ln>
-                <a:solidFill>
-                  <a:schemeClr val="tx1"/>
-                </a:solidFill>
-                <a:effectLst/>
-                <a:latin typeface="Arial" panose="020B0604020202020204" pitchFamily="34" charset="0"/>
-              </a:rPr>
-              <a:t>loja</a:t>
-            </a:r>
-            <a:r>
-              <a:rPr kumimoji="0" lang="pt-BR" altLang="pt-BR" sz="1600" b="0" i="0" u="none" strike="noStrike" cap="none" normalizeH="0" baseline="0" dirty="0">
-                <a:ln>
-                  <a:noFill/>
-                </a:ln>
-                <a:solidFill>
-                  <a:schemeClr val="tx1"/>
-                </a:solidFill>
-                <a:effectLst/>
-                <a:latin typeface="Arial" panose="020B0604020202020204" pitchFamily="34" charset="0"/>
-              </a:rPr>
-              <a:t>: cada loja deve ter uma identificação única, um nome, uma localização (Vila </a:t>
-            </a:r>
-            <a:r>
-              <a:rPr kumimoji="0" lang="pt-BR" altLang="pt-BR" sz="1600" b="0" i="0" u="none" strike="noStrike" cap="none" normalizeH="0" baseline="0" dirty="0" err="1">
-                <a:ln>
-                  <a:noFill/>
-                </a:ln>
-                <a:solidFill>
-                  <a:schemeClr val="tx1"/>
-                </a:solidFill>
-                <a:effectLst/>
-                <a:latin typeface="Arial" panose="020B0604020202020204" pitchFamily="34" charset="0"/>
-              </a:rPr>
-              <a:t>Kakariko</a:t>
-            </a:r>
-            <a:r>
-              <a:rPr kumimoji="0" lang="pt-BR" altLang="pt-BR" sz="1600" b="0" i="0" u="none" strike="noStrike" cap="none" normalizeH="0" baseline="0" dirty="0">
-                <a:ln>
-                  <a:noFill/>
-                </a:ln>
-                <a:solidFill>
-                  <a:schemeClr val="tx1"/>
-                </a:solidFill>
-                <a:effectLst/>
-                <a:latin typeface="Arial" panose="020B0604020202020204" pitchFamily="34" charset="0"/>
-              </a:rPr>
-              <a:t>, Castelo de </a:t>
-            </a:r>
-            <a:r>
-              <a:rPr kumimoji="0" lang="pt-BR" altLang="pt-BR" sz="1600" b="0" i="0" u="none" strike="noStrike" cap="none" normalizeH="0" baseline="0" dirty="0" err="1">
-                <a:ln>
-                  <a:noFill/>
-                </a:ln>
-                <a:solidFill>
-                  <a:schemeClr val="tx1"/>
-                </a:solidFill>
-                <a:effectLst/>
-                <a:latin typeface="Arial" panose="020B0604020202020204" pitchFamily="34" charset="0"/>
-              </a:rPr>
-              <a:t>Hyrule</a:t>
-            </a:r>
-            <a:r>
-              <a:rPr kumimoji="0" lang="pt-BR" altLang="pt-BR" sz="1600" b="0" i="0" u="none" strike="noStrike" cap="none" normalizeH="0" baseline="0" dirty="0">
-                <a:ln>
-                  <a:noFill/>
-                </a:ln>
-                <a:solidFill>
-                  <a:schemeClr val="tx1"/>
-                </a:solidFill>
-                <a:effectLst/>
-                <a:latin typeface="Arial" panose="020B0604020202020204" pitchFamily="34" charset="0"/>
-              </a:rPr>
-              <a:t>, etc.), um responsável e a informação opcional de especialidade mágica. Um item é vendido por várias lojas diferentes e uma única loja vende um ou mais itens distintos.</a:t>
-            </a:r>
-          </a:p>
-          <a:p>
-            <a:pPr marL="0" marR="0" lvl="0" indent="0" algn="l" defTabSz="914400" rtl="0" eaLnBrk="0" fontAlgn="base" latinLnBrk="0" hangingPunct="0">
-              <a:lnSpc>
-                <a:spcPct val="100000"/>
-              </a:lnSpc>
+              <a:rPr lang="pt-BR" sz="1600" dirty="0"/>
+              <a:t>Produto :</a:t>
+            </a:r>
+          </a:p>
+          <a:p>
+            <a:pPr marL="342900" lvl="0" indent="-342900" eaLnBrk="0" fontAlgn="base" hangingPunct="0">
               <a:spcBef>
                 <a:spcPct val="0"/>
               </a:spcBef>
               <a:spcAft>
                 <a:spcPct val="0"/>
               </a:spcAft>
-              <a:buClrTx/>
-              <a:buSzTx/>
-              <a:buFontTx/>
-              <a:buNone/>
-              <a:tabLst/>
+              <a:buAutoNum type="arabicPeriod"/>
             </a:pPr>
-            <a:r>
-              <a:rPr kumimoji="0" lang="pt-BR" altLang="pt-BR" sz="1600" b="0" i="0" u="none" strike="noStrike" cap="none" normalizeH="0" baseline="0" dirty="0">
-                <a:ln>
-                  <a:noFill/>
-                </a:ln>
-                <a:solidFill>
-                  <a:schemeClr val="tx1"/>
-                </a:solidFill>
-                <a:effectLst/>
-                <a:latin typeface="Arial" panose="020B0604020202020204" pitchFamily="34" charset="0"/>
-              </a:rPr>
-              <a:t>• Deve-se guardar estas informações de um </a:t>
-            </a:r>
-            <a:r>
-              <a:rPr kumimoji="0" lang="pt-BR" altLang="pt-BR" sz="1600" b="1" i="0" u="none" strike="noStrike" cap="none" normalizeH="0" baseline="0" dirty="0">
-                <a:ln>
-                  <a:noFill/>
-                </a:ln>
-                <a:solidFill>
-                  <a:schemeClr val="tx1"/>
-                </a:solidFill>
-                <a:effectLst/>
-                <a:latin typeface="Arial" panose="020B0604020202020204" pitchFamily="34" charset="0"/>
-              </a:rPr>
-              <a:t>cliente</a:t>
-            </a:r>
-            <a:r>
-              <a:rPr kumimoji="0" lang="pt-BR" altLang="pt-BR" sz="1600" b="0" i="0" u="none" strike="noStrike" cap="none" normalizeH="0" baseline="0" dirty="0">
-                <a:ln>
-                  <a:noFill/>
-                </a:ln>
-                <a:solidFill>
-                  <a:schemeClr val="tx1"/>
-                </a:solidFill>
-                <a:effectLst/>
-                <a:latin typeface="Arial" panose="020B0604020202020204" pitchFamily="34" charset="0"/>
-              </a:rPr>
-              <a:t>: cada cliente deve ter um código de herói para identificação única, um nome, a sua região de origem (apenas texto), um cristal de comunicação mágico, uma senha única (aceita runas, números e símbolos especiais), e a informação opcional de classe de aventureiro.</a:t>
-            </a:r>
-          </a:p>
-          <a:p>
-            <a:pPr marL="0" marR="0" lvl="0" indent="0" algn="l" defTabSz="914400" rtl="0" eaLnBrk="0" fontAlgn="base" latinLnBrk="0" hangingPunct="0">
-              <a:lnSpc>
-                <a:spcPct val="100000"/>
-              </a:lnSpc>
+            <a:endParaRPr lang="pt-BR" sz="1600" dirty="0"/>
+          </a:p>
+          <a:p>
+            <a:pPr marL="285750" lvl="0" indent="-285750" eaLnBrk="0" fontAlgn="base" hangingPunct="0">
               <a:spcBef>
                 <a:spcPct val="0"/>
               </a:spcBef>
               <a:spcAft>
                 <a:spcPct val="0"/>
               </a:spcAft>
-              <a:buClrTx/>
-              <a:buSzTx/>
-              <a:buFontTx/>
-              <a:buNone/>
-              <a:tabLst/>
+              <a:buFont typeface="Arial" panose="020B0604020202020204" pitchFamily="34" charset="0"/>
+              <a:buChar char="•"/>
             </a:pPr>
             <a:r>
-              <a:rPr kumimoji="0" lang="pt-BR" altLang="pt-BR" sz="1600" b="0" i="0" u="none" strike="noStrike" cap="none" normalizeH="0" baseline="0" dirty="0">
-                <a:ln>
-                  <a:noFill/>
-                </a:ln>
-                <a:solidFill>
-                  <a:schemeClr val="tx1"/>
-                </a:solidFill>
-                <a:effectLst/>
-                <a:latin typeface="Arial" panose="020B0604020202020204" pitchFamily="34" charset="0"/>
-              </a:rPr>
-              <a:t>• Um cliente pode comprar vários itens assim como um item é comprado por muitos clientes. Toda </a:t>
-            </a:r>
-            <a:r>
-              <a:rPr kumimoji="0" lang="pt-BR" altLang="pt-BR" sz="1600" b="1" i="0" u="none" strike="noStrike" cap="none" normalizeH="0" baseline="0" dirty="0">
-                <a:ln>
-                  <a:noFill/>
-                </a:ln>
-                <a:solidFill>
-                  <a:schemeClr val="tx1"/>
-                </a:solidFill>
-                <a:effectLst/>
-                <a:latin typeface="Arial" panose="020B0604020202020204" pitchFamily="34" charset="0"/>
-              </a:rPr>
-              <a:t>compra</a:t>
-            </a:r>
-            <a:r>
-              <a:rPr kumimoji="0" lang="pt-BR" altLang="pt-BR" sz="1600" b="0" i="0" u="none" strike="noStrike" cap="none" normalizeH="0" baseline="0" dirty="0">
-                <a:ln>
-                  <a:noFill/>
-                </a:ln>
-                <a:solidFill>
-                  <a:schemeClr val="tx1"/>
-                </a:solidFill>
-                <a:effectLst/>
-                <a:latin typeface="Arial" panose="020B0604020202020204" pitchFamily="34" charset="0"/>
-              </a:rPr>
-              <a:t> possui um valor total (aceita centavos de rupia), um tipo de pagamento (rupias físicas ou cristal mágico, por exemplo) e um código de rastreamento único.</a:t>
-            </a:r>
-          </a:p>
-          <a:p>
-            <a:pPr marL="0" marR="0" lvl="0" indent="0" algn="l" defTabSz="914400" rtl="0" eaLnBrk="0" fontAlgn="base" latinLnBrk="0" hangingPunct="0">
-              <a:lnSpc>
-                <a:spcPct val="100000"/>
-              </a:lnSpc>
+              <a:rPr lang="pt-BR" sz="1600" dirty="0"/>
+              <a:t>Cada Produto deve ter uma identificação única (ID);</a:t>
+            </a:r>
+          </a:p>
+          <a:p>
+            <a:pPr marL="285750" lvl="0" indent="-285750" eaLnBrk="0" fontAlgn="base" hangingPunct="0">
               <a:spcBef>
                 <a:spcPct val="0"/>
               </a:spcBef>
               <a:spcAft>
                 <a:spcPct val="0"/>
               </a:spcAft>
-              <a:buClrTx/>
-              <a:buSzTx/>
-              <a:buFontTx/>
-              <a:buNone/>
-              <a:tabLst/>
+              <a:buFont typeface="Arial" panose="020B0604020202020204" pitchFamily="34" charset="0"/>
+              <a:buChar char="•"/>
             </a:pPr>
             <a:r>
-              <a:rPr kumimoji="0" lang="pt-BR" altLang="pt-BR" sz="1600" b="0" i="0" u="none" strike="noStrike" cap="none" normalizeH="0" baseline="0" dirty="0">
-                <a:ln>
-                  <a:noFill/>
-                </a:ln>
-                <a:solidFill>
-                  <a:schemeClr val="tx1"/>
-                </a:solidFill>
-                <a:effectLst/>
-                <a:latin typeface="Arial" panose="020B0604020202020204" pitchFamily="34" charset="0"/>
-              </a:rPr>
-              <a:t>• Deve-se guardar estas informações do </a:t>
-            </a:r>
-            <a:r>
-              <a:rPr kumimoji="0" lang="pt-BR" altLang="pt-BR" sz="1600" b="1" i="0" u="none" strike="noStrike" cap="none" normalizeH="0" baseline="0" dirty="0">
-                <a:ln>
-                  <a:noFill/>
-                </a:ln>
-                <a:solidFill>
-                  <a:schemeClr val="tx1"/>
-                </a:solidFill>
-                <a:effectLst/>
-                <a:latin typeface="Arial" panose="020B0604020202020204" pitchFamily="34" charset="0"/>
-              </a:rPr>
-              <a:t>serviço de entrega</a:t>
-            </a:r>
-            <a:r>
-              <a:rPr kumimoji="0" lang="pt-BR" altLang="pt-BR" sz="1600" b="0" i="0" u="none" strike="noStrike" cap="none" normalizeH="0" baseline="0" dirty="0">
-                <a:ln>
-                  <a:noFill/>
-                </a:ln>
-                <a:solidFill>
-                  <a:schemeClr val="tx1"/>
-                </a:solidFill>
-                <a:effectLst/>
-                <a:latin typeface="Arial" panose="020B0604020202020204" pitchFamily="34" charset="0"/>
-              </a:rPr>
-              <a:t>: o serviço de entrega deve possuir um código de identificação único, o prazo de entrega dos itens (quantidade de dias) e o valor do frete calculado (aceita centavos de rupia). Um único serviço de entrega é responsável pela entrega de todas as compras e cada compra é entregue por apenas esse serviço.</a:t>
-            </a:r>
-          </a:p>
-          <a:p>
-            <a:pPr marL="0" marR="0" lvl="0" indent="0" algn="l" defTabSz="914400" rtl="0" eaLnBrk="0" fontAlgn="base" latinLnBrk="0" hangingPunct="0">
-              <a:lnSpc>
-                <a:spcPct val="100000"/>
-              </a:lnSpc>
+              <a:rPr lang="pt-BR" sz="1600" dirty="0"/>
+              <a:t>Nome;</a:t>
+            </a:r>
+          </a:p>
+          <a:p>
+            <a:pPr marL="285750" lvl="0" indent="-285750" eaLnBrk="0" fontAlgn="base" hangingPunct="0">
               <a:spcBef>
                 <a:spcPct val="0"/>
               </a:spcBef>
               <a:spcAft>
                 <a:spcPct val="0"/>
               </a:spcAft>
-              <a:buClrTx/>
-              <a:buSzTx/>
-              <a:buFontTx/>
-              <a:buNone/>
-              <a:tabLst/>
+              <a:buFont typeface="Arial" panose="020B0604020202020204" pitchFamily="34" charset="0"/>
+              <a:buChar char="•"/>
             </a:pPr>
             <a:r>
-              <a:rPr kumimoji="0" lang="pt-BR" altLang="pt-BR" sz="1600" b="0" i="0" u="none" strike="noStrike" cap="none" normalizeH="0" baseline="0" dirty="0">
-                <a:ln>
-                  <a:noFill/>
-                </a:ln>
-                <a:solidFill>
-                  <a:schemeClr val="tx1"/>
-                </a:solidFill>
-                <a:effectLst/>
-                <a:latin typeface="Arial" panose="020B0604020202020204" pitchFamily="34" charset="0"/>
-              </a:rPr>
-              <a:t>• Após a entrega, um cliente pode avaliar diversos itens e cada item pode ser avaliado por vários clientes. Toda </a:t>
-            </a:r>
-            <a:r>
-              <a:rPr kumimoji="0" lang="pt-BR" altLang="pt-BR" sz="1600" b="1" i="0" u="none" strike="noStrike" cap="none" normalizeH="0" baseline="0" dirty="0">
-                <a:ln>
-                  <a:noFill/>
-                </a:ln>
-                <a:solidFill>
-                  <a:schemeClr val="tx1"/>
-                </a:solidFill>
-                <a:effectLst/>
-                <a:latin typeface="Arial" panose="020B0604020202020204" pitchFamily="34" charset="0"/>
-              </a:rPr>
-              <a:t>avaliação</a:t>
-            </a:r>
-            <a:r>
-              <a:rPr kumimoji="0" lang="pt-BR" altLang="pt-BR" sz="1600" b="0" i="0" u="none" strike="noStrike" cap="none" normalizeH="0" baseline="0" dirty="0">
-                <a:ln>
-                  <a:noFill/>
-                </a:ln>
-                <a:solidFill>
-                  <a:schemeClr val="tx1"/>
-                </a:solidFill>
-                <a:effectLst/>
-                <a:latin typeface="Arial" panose="020B0604020202020204" pitchFamily="34" charset="0"/>
-              </a:rPr>
-              <a:t> feita pelo cliente deve possuir uma nota de um a cinco corações. O cliente tem a opção de escrever um comentário para esclarecer a nota destinada ao item.</a:t>
-            </a:r>
+              <a:rPr lang="pt-BR" sz="1600" dirty="0"/>
+              <a:t>Categoria(Higiene, Hortifrúti, Laticínios, Padaria, etc.);</a:t>
+            </a:r>
+          </a:p>
+          <a:p>
+            <a:pPr marL="285750" lvl="0" indent="-285750" eaLnBrk="0" fontAlgn="base" hangingPunct="0">
+              <a:spcBef>
+                <a:spcPct val="0"/>
+              </a:spcBef>
+              <a:spcAft>
+                <a:spcPct val="0"/>
+              </a:spcAft>
+              <a:buFont typeface="Arial" panose="020B0604020202020204" pitchFamily="34" charset="0"/>
+              <a:buChar char="•"/>
+            </a:pPr>
+            <a:r>
+              <a:rPr lang="pt-BR" sz="1600" dirty="0"/>
+              <a:t>Preço de Venda (Em Reais);</a:t>
+            </a:r>
+          </a:p>
+          <a:p>
+            <a:pPr marL="285750" lvl="0" indent="-285750" eaLnBrk="0" fontAlgn="base" hangingPunct="0">
+              <a:spcBef>
+                <a:spcPct val="0"/>
+              </a:spcBef>
+              <a:spcAft>
+                <a:spcPct val="0"/>
+              </a:spcAft>
+              <a:buFont typeface="Arial" panose="020B0604020202020204" pitchFamily="34" charset="0"/>
+              <a:buChar char="•"/>
+            </a:pPr>
+            <a:r>
+              <a:rPr lang="pt-BR" sz="1600" dirty="0"/>
+              <a:t>Quantidade disponível em estoque.</a:t>
+            </a:r>
+          </a:p>
+          <a:p>
+            <a:pPr marL="285750" lvl="0" indent="-285750" eaLnBrk="0" fontAlgn="base" hangingPunct="0">
+              <a:spcBef>
+                <a:spcPct val="0"/>
+              </a:spcBef>
+              <a:spcAft>
+                <a:spcPct val="0"/>
+              </a:spcAft>
+              <a:buFont typeface="Arial" panose="020B0604020202020204" pitchFamily="34" charset="0"/>
+              <a:buChar char="•"/>
+            </a:pPr>
+            <a:endParaRPr lang="pt-BR" sz="1600" dirty="0"/>
+          </a:p>
+          <a:p>
+            <a:pPr lvl="0" eaLnBrk="0" fontAlgn="base" hangingPunct="0">
+              <a:spcBef>
+                <a:spcPct val="0"/>
+              </a:spcBef>
+              <a:spcAft>
+                <a:spcPct val="0"/>
+              </a:spcAft>
+            </a:pPr>
+            <a:r>
+              <a:rPr lang="pt-BR" sz="1600" dirty="0"/>
+              <a:t>2. Informações das Unidades (Lojas):</a:t>
+            </a:r>
+          </a:p>
+          <a:p>
+            <a:pPr lvl="0" eaLnBrk="0" fontAlgn="base" hangingPunct="0">
+              <a:spcBef>
+                <a:spcPct val="0"/>
+              </a:spcBef>
+              <a:spcAft>
+                <a:spcPct val="0"/>
+              </a:spcAft>
+            </a:pPr>
+            <a:endParaRPr lang="pt-BR" sz="1600" dirty="0"/>
+          </a:p>
+          <a:p>
+            <a:pPr marL="285750" lvl="0" indent="-285750" eaLnBrk="0" fontAlgn="base" hangingPunct="0">
+              <a:spcBef>
+                <a:spcPct val="0"/>
+              </a:spcBef>
+              <a:spcAft>
+                <a:spcPct val="0"/>
+              </a:spcAft>
+              <a:buFont typeface="Arial" panose="020B0604020202020204" pitchFamily="34" charset="0"/>
+              <a:buChar char="•"/>
+            </a:pPr>
+            <a:r>
+              <a:rPr lang="pt-BR" sz="1600" dirty="0"/>
+              <a:t>Cada Loja deve ter um identificador único (ID);</a:t>
+            </a:r>
+          </a:p>
+          <a:p>
+            <a:pPr marL="285750" lvl="0" indent="-285750" eaLnBrk="0" fontAlgn="base" hangingPunct="0">
+              <a:spcBef>
+                <a:spcPct val="0"/>
+              </a:spcBef>
+              <a:spcAft>
+                <a:spcPct val="0"/>
+              </a:spcAft>
+              <a:buFont typeface="Arial" panose="020B0604020202020204" pitchFamily="34" charset="0"/>
+              <a:buChar char="•"/>
+            </a:pPr>
+            <a:r>
+              <a:rPr lang="pt-BR" sz="1600" dirty="0"/>
+              <a:t>Nome da Unidade (Ex.: Unidade Centro, Unidade Oeste);</a:t>
+            </a:r>
+          </a:p>
+          <a:p>
+            <a:pPr marL="285750" lvl="0" indent="-285750" eaLnBrk="0" fontAlgn="base" hangingPunct="0">
+              <a:spcBef>
+                <a:spcPct val="0"/>
+              </a:spcBef>
+              <a:spcAft>
+                <a:spcPct val="0"/>
+              </a:spcAft>
+              <a:buFont typeface="Arial" panose="020B0604020202020204" pitchFamily="34" charset="0"/>
+              <a:buChar char="•"/>
+            </a:pPr>
+            <a:r>
+              <a:rPr lang="pt-BR" sz="1600" dirty="0"/>
+              <a:t>Localização (Endereço ou Bairro);</a:t>
+            </a:r>
+          </a:p>
+          <a:p>
+            <a:pPr marL="285750" lvl="0" indent="-285750" eaLnBrk="0" fontAlgn="base" hangingPunct="0">
+              <a:spcBef>
+                <a:spcPct val="0"/>
+              </a:spcBef>
+              <a:spcAft>
+                <a:spcPct val="0"/>
+              </a:spcAft>
+              <a:buFont typeface="Arial" panose="020B0604020202020204" pitchFamily="34" charset="0"/>
+              <a:buChar char="•"/>
+            </a:pPr>
+            <a:r>
+              <a:rPr lang="pt-BR" sz="1600" dirty="0"/>
+              <a:t>Nome do Gerente Responsável;</a:t>
+            </a:r>
+          </a:p>
+          <a:p>
+            <a:pPr marL="285750" lvl="0" indent="-285750" eaLnBrk="0" fontAlgn="base" hangingPunct="0">
+              <a:spcBef>
+                <a:spcPct val="0"/>
+              </a:spcBef>
+              <a:spcAft>
+                <a:spcPct val="0"/>
+              </a:spcAft>
+              <a:buFont typeface="Arial" panose="020B0604020202020204" pitchFamily="34" charset="0"/>
+              <a:buChar char="•"/>
+            </a:pPr>
+            <a:r>
+              <a:rPr lang="pt-BR" sz="1600" dirty="0"/>
+              <a:t>Informação </a:t>
+            </a:r>
+            <a:r>
+              <a:rPr lang="pt-BR" sz="1600" u="sng" dirty="0"/>
+              <a:t>opcional</a:t>
+            </a:r>
+            <a:r>
+              <a:rPr lang="pt-BR" sz="1600" dirty="0"/>
+              <a:t> se tem Selo de Sustentabilidade.</a:t>
+            </a:r>
+          </a:p>
+          <a:p>
+            <a:pPr marL="285750" lvl="0" indent="-285750" eaLnBrk="0" fontAlgn="base" hangingPunct="0">
+              <a:spcBef>
+                <a:spcPct val="0"/>
+              </a:spcBef>
+              <a:spcAft>
+                <a:spcPct val="0"/>
+              </a:spcAft>
+              <a:buFont typeface="Arial" panose="020B0604020202020204" pitchFamily="34" charset="0"/>
+              <a:buChar char="•"/>
+            </a:pPr>
+            <a:endParaRPr lang="pt-BR" sz="1600" dirty="0"/>
+          </a:p>
+          <a:p>
+            <a:pPr lvl="0" eaLnBrk="0" fontAlgn="base" hangingPunct="0">
+              <a:spcBef>
+                <a:spcPct val="0"/>
+              </a:spcBef>
+              <a:spcAft>
+                <a:spcPct val="0"/>
+              </a:spcAft>
+            </a:pPr>
+            <a:r>
+              <a:rPr lang="pt-BR" sz="1600" dirty="0"/>
+              <a:t>Um produto é vendido por várias lojas diferentes e uma única loja vende um ou mais produtos distintos.</a:t>
+            </a:r>
+          </a:p>
+          <a:p>
+            <a:pPr lvl="0" eaLnBrk="0" fontAlgn="base" hangingPunct="0">
+              <a:spcBef>
+                <a:spcPct val="0"/>
+              </a:spcBef>
+              <a:spcAft>
+                <a:spcPct val="0"/>
+              </a:spcAft>
+            </a:pPr>
+            <a:endParaRPr lang="pt-BR" sz="1600" dirty="0"/>
+          </a:p>
+          <a:p>
+            <a:pPr lvl="0" eaLnBrk="0" fontAlgn="base" hangingPunct="0">
+              <a:spcBef>
+                <a:spcPct val="0"/>
+              </a:spcBef>
+              <a:spcAft>
+                <a:spcPct val="0"/>
+              </a:spcAft>
+            </a:pPr>
+            <a:endParaRPr lang="pt-BR" sz="1600" dirty="0"/>
+          </a:p>
+          <a:p>
+            <a:pPr lvl="0" eaLnBrk="0" fontAlgn="base" hangingPunct="0">
+              <a:spcBef>
+                <a:spcPct val="0"/>
+              </a:spcBef>
+              <a:spcAft>
+                <a:spcPct val="0"/>
+              </a:spcAft>
+            </a:pPr>
+            <a:endParaRPr lang="pt-BR" sz="1600" dirty="0"/>
+          </a:p>
+          <a:p>
+            <a:pPr lvl="0" eaLnBrk="0" fontAlgn="base" hangingPunct="0">
+              <a:spcBef>
+                <a:spcPct val="0"/>
+              </a:spcBef>
+              <a:spcAft>
+                <a:spcPct val="0"/>
+              </a:spcAft>
+            </a:pPr>
+            <a:r>
+              <a:rPr lang="pt-BR" sz="1600" dirty="0"/>
+              <a:t> </a:t>
+            </a:r>
+          </a:p>
+          <a:p>
+            <a:pPr lvl="0" eaLnBrk="0" fontAlgn="base" hangingPunct="0">
+              <a:spcBef>
+                <a:spcPct val="0"/>
+              </a:spcBef>
+              <a:spcAft>
+                <a:spcPct val="0"/>
+              </a:spcAft>
+            </a:pPr>
+            <a:endParaRPr lang="pt-BR" sz="1600" dirty="0"/>
           </a:p>
         </p:txBody>
       </p:sp>
@@ -6455,7 +5765,7 @@
 </p:sld>
 </file>
 
-<file path=ppt/slides/slide17.xml><?xml version="1.0" encoding="utf-8"?>
+<file path=ppt/slides/slide16.xml><?xml version="1.0" encoding="utf-8"?>
 <p:sld xmlns:a="http://schemas.openxmlformats.org/drawingml/2006/main" xmlns:r="http://schemas.openxmlformats.org/officeDocument/2006/relationships" xmlns:p="http://schemas.openxmlformats.org/presentationml/2006/main">
   <p:cSld>
     <p:spTree>
@@ -6463,1051 +5773,7 @@
         <p:cNvPr id="1" name="">
           <a:extLst>
             <a:ext uri="{FF2B5EF4-FFF2-40B4-BE49-F238E27FC236}">
-              <a16:creationId xmlns:a16="http://schemas.microsoft.com/office/drawing/2014/main" id="{A9F73D6E-FC32-50DA-1CBC-9FDC465B155C}"/>
-            </a:ext>
-          </a:extLst>
-        </p:cNvPr>
-        <p:cNvGrpSpPr/>
-        <p:nvPr/>
-      </p:nvGrpSpPr>
-      <p:grpSpPr>
-        <a:xfrm>
-          <a:off x="0" y="0"/>
-          <a:ext cx="0" cy="0"/>
-          <a:chOff x="0" y="0"/>
-          <a:chExt cx="0" cy="0"/>
-        </a:xfrm>
-      </p:grpSpPr>
-      <p:sp>
-        <p:nvSpPr>
-          <p:cNvPr id="2" name="Título 1">
-            <a:extLst>
-              <a:ext uri="{FF2B5EF4-FFF2-40B4-BE49-F238E27FC236}">
-                <a16:creationId xmlns:a16="http://schemas.microsoft.com/office/drawing/2014/main" id="{7D33F163-C736-9349-5711-22D353FEFD1A}"/>
-              </a:ext>
-            </a:extLst>
-          </p:cNvPr>
-          <p:cNvSpPr>
-            <a:spLocks noGrp="1"/>
-          </p:cNvSpPr>
-          <p:nvPr>
-            <p:ph type="title"/>
-          </p:nvPr>
-        </p:nvSpPr>
-        <p:spPr/>
-        <p:txBody>
-          <a:bodyPr/>
-          <a:lstStyle/>
-          <a:p>
-            <a:endParaRPr lang="pt-BR"/>
-          </a:p>
-        </p:txBody>
-      </p:sp>
-      <p:sp>
-        <p:nvSpPr>
-          <p:cNvPr id="3" name="Espaço Reservado para Conteúdo 2">
-            <a:extLst>
-              <a:ext uri="{FF2B5EF4-FFF2-40B4-BE49-F238E27FC236}">
-                <a16:creationId xmlns:a16="http://schemas.microsoft.com/office/drawing/2014/main" id="{13625611-E7FA-1D72-494A-0AFBC3CF9FB2}"/>
-              </a:ext>
-            </a:extLst>
-          </p:cNvPr>
-          <p:cNvSpPr>
-            <a:spLocks noGrp="1"/>
-          </p:cNvSpPr>
-          <p:nvPr>
-            <p:ph idx="1"/>
-          </p:nvPr>
-        </p:nvSpPr>
-        <p:spPr/>
-        <p:txBody>
-          <a:bodyPr/>
-          <a:lstStyle/>
-          <a:p>
-            <a:endParaRPr lang="pt-BR"/>
-          </a:p>
-        </p:txBody>
-      </p:sp>
-      <p:pic>
-        <p:nvPicPr>
-          <p:cNvPr id="4" name="Imagem 3">
-            <a:extLst>
-              <a:ext uri="{FF2B5EF4-FFF2-40B4-BE49-F238E27FC236}">
-                <a16:creationId xmlns:a16="http://schemas.microsoft.com/office/drawing/2014/main" id="{743371B3-3339-12F0-DD89-453EBF0A0ED8}"/>
-              </a:ext>
-            </a:extLst>
-          </p:cNvPr>
-          <p:cNvPicPr>
-            <a:picLocks noChangeAspect="1"/>
-          </p:cNvPicPr>
-          <p:nvPr/>
-        </p:nvPicPr>
-        <p:blipFill>
-          <a:blip r:embed="rId2">
-            <a:extLst>
-              <a:ext uri="{28A0092B-C50C-407E-A947-70E740481C1C}">
-                <a14:useLocalDpi xmlns:a14="http://schemas.microsoft.com/office/drawing/2010/main" val="0"/>
-              </a:ext>
-            </a:extLst>
-          </a:blip>
-          <a:stretch>
-            <a:fillRect/>
-          </a:stretch>
-        </p:blipFill>
-        <p:spPr>
-          <a:xfrm>
-            <a:off x="0" y="0"/>
-            <a:ext cx="12192000" cy="6858000"/>
-          </a:xfrm>
-          <a:prstGeom prst="rect">
-            <a:avLst/>
-          </a:prstGeom>
-        </p:spPr>
-      </p:pic>
-      <p:sp>
-        <p:nvSpPr>
-          <p:cNvPr id="5" name="CaixaDeTexto 4">
-            <a:extLst>
-              <a:ext uri="{FF2B5EF4-FFF2-40B4-BE49-F238E27FC236}">
-                <a16:creationId xmlns:a16="http://schemas.microsoft.com/office/drawing/2014/main" id="{C30338DA-9061-D8D4-B5A5-66A14A047FD4}"/>
-              </a:ext>
-            </a:extLst>
-          </p:cNvPr>
-          <p:cNvSpPr txBox="1"/>
-          <p:nvPr/>
-        </p:nvSpPr>
-        <p:spPr>
-          <a:xfrm>
-            <a:off x="3924300" y="2413337"/>
-            <a:ext cx="4343400" cy="1938992"/>
-          </a:xfrm>
-          <a:prstGeom prst="rect">
-            <a:avLst/>
-          </a:prstGeom>
-          <a:noFill/>
-        </p:spPr>
-        <p:txBody>
-          <a:bodyPr wrap="square" rtlCol="0">
-            <a:spAutoFit/>
-          </a:bodyPr>
-          <a:lstStyle/>
-          <a:p>
-            <a:pPr algn="ctr"/>
-            <a:r>
-              <a:rPr lang="en-US" sz="6000" dirty="0">
-                <a:solidFill>
-                  <a:schemeClr val="accent5">
-                    <a:lumMod val="75000"/>
-                  </a:schemeClr>
-                </a:solidFill>
-              </a:rPr>
-              <a:t>AULA CONCLUÍDA!</a:t>
-            </a:r>
-            <a:endParaRPr lang="pt-BR" sz="6000" dirty="0">
-              <a:solidFill>
-                <a:schemeClr val="accent5">
-                  <a:lumMod val="75000"/>
-                </a:schemeClr>
-              </a:solidFill>
-            </a:endParaRPr>
-          </a:p>
-        </p:txBody>
-      </p:sp>
-    </p:spTree>
-    <p:extLst>
-      <p:ext uri="{BB962C8B-B14F-4D97-AF65-F5344CB8AC3E}">
-        <p14:creationId xmlns:p14="http://schemas.microsoft.com/office/powerpoint/2010/main" val="3532846639"/>
-      </p:ext>
-    </p:extLst>
-  </p:cSld>
-  <p:clrMapOvr>
-    <a:masterClrMapping/>
-  </p:clrMapOvr>
-</p:sld>
-</file>
-
-<file path=ppt/slides/slide2.xml><?xml version="1.0" encoding="utf-8"?>
-<p:sld xmlns:a="http://schemas.openxmlformats.org/drawingml/2006/main" xmlns:r="http://schemas.openxmlformats.org/officeDocument/2006/relationships" xmlns:p="http://schemas.openxmlformats.org/presentationml/2006/main">
-  <p:cSld>
-    <p:spTree>
-      <p:nvGrpSpPr>
-        <p:cNvPr id="1" name=""/>
-        <p:cNvGrpSpPr/>
-        <p:nvPr/>
-      </p:nvGrpSpPr>
-      <p:grpSpPr>
-        <a:xfrm>
-          <a:off x="0" y="0"/>
-          <a:ext cx="0" cy="0"/>
-          <a:chOff x="0" y="0"/>
-          <a:chExt cx="0" cy="0"/>
-        </a:xfrm>
-      </p:grpSpPr>
-      <p:pic>
-        <p:nvPicPr>
-          <p:cNvPr id="5" name="Imagem 4">
-            <a:extLst>
-              <a:ext uri="{FF2B5EF4-FFF2-40B4-BE49-F238E27FC236}">
-                <a16:creationId xmlns:a16="http://schemas.microsoft.com/office/drawing/2014/main" id="{778719FF-F7CE-4325-97A0-FF41192BC7AC}"/>
-              </a:ext>
-            </a:extLst>
-          </p:cNvPr>
-          <p:cNvPicPr>
-            <a:picLocks noChangeAspect="1"/>
-          </p:cNvPicPr>
-          <p:nvPr/>
-        </p:nvPicPr>
-        <p:blipFill>
-          <a:blip r:embed="rId3">
-            <a:extLst>
-              <a:ext uri="{28A0092B-C50C-407E-A947-70E740481C1C}">
-                <a14:useLocalDpi xmlns:a14="http://schemas.microsoft.com/office/drawing/2010/main" val="0"/>
-              </a:ext>
-            </a:extLst>
-          </a:blip>
-          <a:stretch>
-            <a:fillRect/>
-          </a:stretch>
-        </p:blipFill>
-        <p:spPr>
-          <a:xfrm>
-            <a:off x="-2" y="0"/>
-            <a:ext cx="12192000" cy="6858000"/>
-          </a:xfrm>
-          <a:prstGeom prst="rect">
-            <a:avLst/>
-          </a:prstGeom>
-        </p:spPr>
-      </p:pic>
-      <p:sp>
-        <p:nvSpPr>
-          <p:cNvPr id="6" name="CaixaDeTexto 5">
-            <a:extLst>
-              <a:ext uri="{FF2B5EF4-FFF2-40B4-BE49-F238E27FC236}">
-                <a16:creationId xmlns:a16="http://schemas.microsoft.com/office/drawing/2014/main" id="{39BBF6BF-6C28-843E-8D7C-54E5E79316A6}"/>
-              </a:ext>
-            </a:extLst>
-          </p:cNvPr>
-          <p:cNvSpPr txBox="1"/>
-          <p:nvPr/>
-        </p:nvSpPr>
-        <p:spPr>
-          <a:xfrm>
-            <a:off x="4279106" y="162426"/>
-            <a:ext cx="3633787" cy="646331"/>
-          </a:xfrm>
-          <a:prstGeom prst="rect">
-            <a:avLst/>
-          </a:prstGeom>
-          <a:noFill/>
-        </p:spPr>
-        <p:txBody>
-          <a:bodyPr wrap="square" rtlCol="0">
-            <a:spAutoFit/>
-          </a:bodyPr>
-          <a:lstStyle/>
-          <a:p>
-            <a:r>
-              <a:rPr lang="en-US" sz="3600" dirty="0"/>
-              <a:t>Comando CREATE</a:t>
-            </a:r>
-            <a:endParaRPr lang="pt-BR" sz="3600" dirty="0"/>
-          </a:p>
-        </p:txBody>
-      </p:sp>
-      <p:pic>
-        <p:nvPicPr>
-          <p:cNvPr id="8" name="Imagem 7">
-            <a:extLst>
-              <a:ext uri="{FF2B5EF4-FFF2-40B4-BE49-F238E27FC236}">
-                <a16:creationId xmlns:a16="http://schemas.microsoft.com/office/drawing/2014/main" id="{79C9AB27-9D6C-BFEE-3BFE-E3D84FCE42B2}"/>
-              </a:ext>
-            </a:extLst>
-          </p:cNvPr>
-          <p:cNvPicPr>
-            <a:picLocks noChangeAspect="1"/>
-          </p:cNvPicPr>
-          <p:nvPr/>
-        </p:nvPicPr>
-        <p:blipFill>
-          <a:blip r:embed="rId4"/>
-          <a:stretch>
-            <a:fillRect/>
-          </a:stretch>
-        </p:blipFill>
-        <p:spPr>
-          <a:xfrm>
-            <a:off x="2855266" y="1343658"/>
-            <a:ext cx="6481468" cy="2085342"/>
-          </a:xfrm>
-          <a:prstGeom prst="rect">
-            <a:avLst/>
-          </a:prstGeom>
-        </p:spPr>
-      </p:pic>
-      <p:pic>
-        <p:nvPicPr>
-          <p:cNvPr id="10" name="Imagem 9">
-            <a:extLst>
-              <a:ext uri="{FF2B5EF4-FFF2-40B4-BE49-F238E27FC236}">
-                <a16:creationId xmlns:a16="http://schemas.microsoft.com/office/drawing/2014/main" id="{1BF6E00B-9005-2186-FDAD-2F4834F595BF}"/>
-              </a:ext>
-            </a:extLst>
-          </p:cNvPr>
-          <p:cNvPicPr>
-            <a:picLocks noChangeAspect="1"/>
-          </p:cNvPicPr>
-          <p:nvPr/>
-        </p:nvPicPr>
-        <p:blipFill>
-          <a:blip r:embed="rId5"/>
-          <a:stretch>
-            <a:fillRect/>
-          </a:stretch>
-        </p:blipFill>
-        <p:spPr>
-          <a:xfrm>
-            <a:off x="1588171" y="3429000"/>
-            <a:ext cx="9015655" cy="657612"/>
-          </a:xfrm>
-          <a:prstGeom prst="rect">
-            <a:avLst/>
-          </a:prstGeom>
-        </p:spPr>
-      </p:pic>
-      <p:cxnSp>
-        <p:nvCxnSpPr>
-          <p:cNvPr id="12" name="Conector de Seta Reta 11">
-            <a:extLst>
-              <a:ext uri="{FF2B5EF4-FFF2-40B4-BE49-F238E27FC236}">
-                <a16:creationId xmlns:a16="http://schemas.microsoft.com/office/drawing/2014/main" id="{F2ADEBE6-B192-E25D-FBDE-E8F8065A0A74}"/>
-              </a:ext>
-            </a:extLst>
-          </p:cNvPr>
-          <p:cNvCxnSpPr>
-            <a:cxnSpLocks/>
-          </p:cNvCxnSpPr>
-          <p:nvPr/>
-        </p:nvCxnSpPr>
-        <p:spPr>
-          <a:xfrm flipH="1">
-            <a:off x="1441938" y="4018085"/>
-            <a:ext cx="852854" cy="754573"/>
-          </a:xfrm>
-          <a:prstGeom prst="straightConnector1">
-            <a:avLst/>
-          </a:prstGeom>
-          <a:ln>
-            <a:tailEnd type="triangle"/>
-          </a:ln>
-        </p:spPr>
-        <p:style>
-          <a:lnRef idx="1">
-            <a:schemeClr val="dk1"/>
-          </a:lnRef>
-          <a:fillRef idx="0">
-            <a:schemeClr val="dk1"/>
-          </a:fillRef>
-          <a:effectRef idx="0">
-            <a:schemeClr val="dk1"/>
-          </a:effectRef>
-          <a:fontRef idx="minor">
-            <a:schemeClr val="tx1"/>
-          </a:fontRef>
-        </p:style>
-      </p:cxnSp>
-      <p:cxnSp>
-        <p:nvCxnSpPr>
-          <p:cNvPr id="15" name="Conector de Seta Reta 14">
-            <a:extLst>
-              <a:ext uri="{FF2B5EF4-FFF2-40B4-BE49-F238E27FC236}">
-                <a16:creationId xmlns:a16="http://schemas.microsoft.com/office/drawing/2014/main" id="{3727BA92-63A0-F1BC-74DE-05A5AF25B4D7}"/>
-              </a:ext>
-            </a:extLst>
-          </p:cNvPr>
-          <p:cNvCxnSpPr>
-            <a:cxnSpLocks/>
-          </p:cNvCxnSpPr>
-          <p:nvPr/>
-        </p:nvCxnSpPr>
-        <p:spPr>
-          <a:xfrm flipH="1">
-            <a:off x="3226777" y="4086612"/>
-            <a:ext cx="79131" cy="928494"/>
-          </a:xfrm>
-          <a:prstGeom prst="straightConnector1">
-            <a:avLst/>
-          </a:prstGeom>
-          <a:ln>
-            <a:tailEnd type="triangle"/>
-          </a:ln>
-        </p:spPr>
-        <p:style>
-          <a:lnRef idx="1">
-            <a:schemeClr val="dk1"/>
-          </a:lnRef>
-          <a:fillRef idx="0">
-            <a:schemeClr val="dk1"/>
-          </a:fillRef>
-          <a:effectRef idx="0">
-            <a:schemeClr val="dk1"/>
-          </a:effectRef>
-          <a:fontRef idx="minor">
-            <a:schemeClr val="tx1"/>
-          </a:fontRef>
-        </p:style>
-      </p:cxnSp>
-      <p:cxnSp>
-        <p:nvCxnSpPr>
-          <p:cNvPr id="18" name="Conector de Seta Reta 17">
-            <a:extLst>
-              <a:ext uri="{FF2B5EF4-FFF2-40B4-BE49-F238E27FC236}">
-                <a16:creationId xmlns:a16="http://schemas.microsoft.com/office/drawing/2014/main" id="{B7DCBB4D-2820-209B-44C8-5BE88C126B99}"/>
-              </a:ext>
-            </a:extLst>
-          </p:cNvPr>
-          <p:cNvCxnSpPr>
-            <a:cxnSpLocks/>
-          </p:cNvCxnSpPr>
-          <p:nvPr/>
-        </p:nvCxnSpPr>
-        <p:spPr>
-          <a:xfrm>
-            <a:off x="4563208" y="4018085"/>
-            <a:ext cx="0" cy="997021"/>
-          </a:xfrm>
-          <a:prstGeom prst="straightConnector1">
-            <a:avLst/>
-          </a:prstGeom>
-          <a:ln>
-            <a:tailEnd type="triangle"/>
-          </a:ln>
-        </p:spPr>
-        <p:style>
-          <a:lnRef idx="1">
-            <a:schemeClr val="dk1"/>
-          </a:lnRef>
-          <a:fillRef idx="0">
-            <a:schemeClr val="dk1"/>
-          </a:fillRef>
-          <a:effectRef idx="0">
-            <a:schemeClr val="dk1"/>
-          </a:effectRef>
-          <a:fontRef idx="minor">
-            <a:schemeClr val="tx1"/>
-          </a:fontRef>
-        </p:style>
-      </p:cxnSp>
-      <p:cxnSp>
-        <p:nvCxnSpPr>
-          <p:cNvPr id="21" name="Conector de Seta Reta 20">
-            <a:extLst>
-              <a:ext uri="{FF2B5EF4-FFF2-40B4-BE49-F238E27FC236}">
-                <a16:creationId xmlns:a16="http://schemas.microsoft.com/office/drawing/2014/main" id="{A129D181-5AFE-1228-DF99-673156D75A82}"/>
-              </a:ext>
-            </a:extLst>
-          </p:cNvPr>
-          <p:cNvCxnSpPr>
-            <a:cxnSpLocks/>
-          </p:cNvCxnSpPr>
-          <p:nvPr/>
-        </p:nvCxnSpPr>
-        <p:spPr>
-          <a:xfrm>
-            <a:off x="6638193" y="4086612"/>
-            <a:ext cx="0" cy="928494"/>
-          </a:xfrm>
-          <a:prstGeom prst="straightConnector1">
-            <a:avLst/>
-          </a:prstGeom>
-          <a:ln>
-            <a:tailEnd type="triangle"/>
-          </a:ln>
-        </p:spPr>
-        <p:style>
-          <a:lnRef idx="1">
-            <a:schemeClr val="dk1"/>
-          </a:lnRef>
-          <a:fillRef idx="0">
-            <a:schemeClr val="dk1"/>
-          </a:fillRef>
-          <a:effectRef idx="0">
-            <a:schemeClr val="dk1"/>
-          </a:effectRef>
-          <a:fontRef idx="minor">
-            <a:schemeClr val="tx1"/>
-          </a:fontRef>
-        </p:style>
-      </p:cxnSp>
-      <p:cxnSp>
-        <p:nvCxnSpPr>
-          <p:cNvPr id="24" name="Conector de Seta Reta 23">
-            <a:extLst>
-              <a:ext uri="{FF2B5EF4-FFF2-40B4-BE49-F238E27FC236}">
-                <a16:creationId xmlns:a16="http://schemas.microsoft.com/office/drawing/2014/main" id="{74CC7A68-586D-A3BF-4331-42C01F368DFB}"/>
-              </a:ext>
-            </a:extLst>
-          </p:cNvPr>
-          <p:cNvCxnSpPr>
-            <a:cxnSpLocks/>
-          </p:cNvCxnSpPr>
-          <p:nvPr/>
-        </p:nvCxnSpPr>
-        <p:spPr>
-          <a:xfrm>
-            <a:off x="9336734" y="4018085"/>
-            <a:ext cx="0" cy="997021"/>
-          </a:xfrm>
-          <a:prstGeom prst="straightConnector1">
-            <a:avLst/>
-          </a:prstGeom>
-          <a:ln>
-            <a:tailEnd type="triangle"/>
-          </a:ln>
-        </p:spPr>
-        <p:style>
-          <a:lnRef idx="1">
-            <a:schemeClr val="dk1"/>
-          </a:lnRef>
-          <a:fillRef idx="0">
-            <a:schemeClr val="dk1"/>
-          </a:fillRef>
-          <a:effectRef idx="0">
-            <a:schemeClr val="dk1"/>
-          </a:effectRef>
-          <a:fontRef idx="minor">
-            <a:schemeClr val="tx1"/>
-          </a:fontRef>
-        </p:style>
-      </p:cxnSp>
-      <p:sp>
-        <p:nvSpPr>
-          <p:cNvPr id="26" name="CaixaDeTexto 25">
-            <a:extLst>
-              <a:ext uri="{FF2B5EF4-FFF2-40B4-BE49-F238E27FC236}">
-                <a16:creationId xmlns:a16="http://schemas.microsoft.com/office/drawing/2014/main" id="{4E55AD1B-D3AD-923B-0703-62D260DDE8C4}"/>
-              </a:ext>
-            </a:extLst>
-          </p:cNvPr>
-          <p:cNvSpPr txBox="1"/>
-          <p:nvPr/>
-        </p:nvSpPr>
-        <p:spPr>
-          <a:xfrm>
-            <a:off x="647233" y="4849323"/>
-            <a:ext cx="1060711" cy="646331"/>
-          </a:xfrm>
-          <a:prstGeom prst="rect">
-            <a:avLst/>
-          </a:prstGeom>
-          <a:noFill/>
-        </p:spPr>
-        <p:txBody>
-          <a:bodyPr wrap="square" rtlCol="0">
-            <a:spAutoFit/>
-          </a:bodyPr>
-          <a:lstStyle/>
-          <a:p>
-            <a:r>
-              <a:rPr lang="en-US" dirty="0"/>
-              <a:t>Nome do </a:t>
-            </a:r>
-            <a:r>
-              <a:rPr lang="en-US" dirty="0" err="1"/>
-              <a:t>Atributo</a:t>
-            </a:r>
-            <a:endParaRPr lang="pt-BR" dirty="0"/>
-          </a:p>
-        </p:txBody>
-      </p:sp>
-      <p:sp>
-        <p:nvSpPr>
-          <p:cNvPr id="27" name="CaixaDeTexto 26">
-            <a:extLst>
-              <a:ext uri="{FF2B5EF4-FFF2-40B4-BE49-F238E27FC236}">
-                <a16:creationId xmlns:a16="http://schemas.microsoft.com/office/drawing/2014/main" id="{F775F0BE-8064-6993-10C1-38805A4389C3}"/>
-              </a:ext>
-            </a:extLst>
-          </p:cNvPr>
-          <p:cNvSpPr txBox="1"/>
-          <p:nvPr/>
-        </p:nvSpPr>
-        <p:spPr>
-          <a:xfrm>
-            <a:off x="2696421" y="5146111"/>
-            <a:ext cx="1060711" cy="646331"/>
-          </a:xfrm>
-          <a:prstGeom prst="rect">
-            <a:avLst/>
-          </a:prstGeom>
-          <a:noFill/>
-        </p:spPr>
-        <p:txBody>
-          <a:bodyPr wrap="square" rtlCol="0">
-            <a:spAutoFit/>
-          </a:bodyPr>
-          <a:lstStyle/>
-          <a:p>
-            <a:r>
-              <a:rPr lang="en-US" dirty="0"/>
-              <a:t>Tipo do </a:t>
-            </a:r>
-            <a:r>
-              <a:rPr lang="en-US" dirty="0" err="1"/>
-              <a:t>Atributo</a:t>
-            </a:r>
-            <a:endParaRPr lang="pt-BR" dirty="0"/>
-          </a:p>
-        </p:txBody>
-      </p:sp>
-      <p:sp>
-        <p:nvSpPr>
-          <p:cNvPr id="28" name="CaixaDeTexto 27">
-            <a:extLst>
-              <a:ext uri="{FF2B5EF4-FFF2-40B4-BE49-F238E27FC236}">
-                <a16:creationId xmlns:a16="http://schemas.microsoft.com/office/drawing/2014/main" id="{F73AE8B8-376E-7DB2-EB08-98211C63B96E}"/>
-              </a:ext>
-            </a:extLst>
-          </p:cNvPr>
-          <p:cNvSpPr txBox="1"/>
-          <p:nvPr/>
-        </p:nvSpPr>
-        <p:spPr>
-          <a:xfrm>
-            <a:off x="3947746" y="5172488"/>
-            <a:ext cx="1371597" cy="1477328"/>
-          </a:xfrm>
-          <a:prstGeom prst="rect">
-            <a:avLst/>
-          </a:prstGeom>
-          <a:noFill/>
-        </p:spPr>
-        <p:txBody>
-          <a:bodyPr wrap="square" rtlCol="0">
-            <a:spAutoFit/>
-          </a:bodyPr>
-          <a:lstStyle/>
-          <a:p>
-            <a:pPr algn="ctr"/>
-            <a:r>
-              <a:rPr lang="en-US" dirty="0"/>
-              <a:t>Indica que o </a:t>
-            </a:r>
-            <a:r>
-              <a:rPr lang="en-US" dirty="0" err="1"/>
-              <a:t>Atributo</a:t>
-            </a:r>
-            <a:r>
-              <a:rPr lang="en-US" dirty="0"/>
-              <a:t> </a:t>
-            </a:r>
-            <a:r>
-              <a:rPr lang="en-US" u="sng" dirty="0" err="1"/>
-              <a:t>não</a:t>
-            </a:r>
-            <a:r>
-              <a:rPr lang="en-US" u="sng" dirty="0"/>
-              <a:t> </a:t>
-            </a:r>
-            <a:r>
-              <a:rPr lang="en-US" u="sng" dirty="0" err="1"/>
-              <a:t>pode</a:t>
-            </a:r>
-            <a:r>
-              <a:rPr lang="en-US" u="sng" dirty="0"/>
-              <a:t> ser </a:t>
-            </a:r>
-            <a:r>
-              <a:rPr lang="en-US" u="sng" dirty="0" err="1"/>
-              <a:t>nulo</a:t>
-            </a:r>
-            <a:r>
-              <a:rPr lang="en-US" dirty="0"/>
-              <a:t> (NOT NULL)</a:t>
-            </a:r>
-            <a:endParaRPr lang="pt-BR" dirty="0"/>
-          </a:p>
-        </p:txBody>
-      </p:sp>
-      <p:sp>
-        <p:nvSpPr>
-          <p:cNvPr id="29" name="CaixaDeTexto 28">
-            <a:extLst>
-              <a:ext uri="{FF2B5EF4-FFF2-40B4-BE49-F238E27FC236}">
-                <a16:creationId xmlns:a16="http://schemas.microsoft.com/office/drawing/2014/main" id="{AD911C3A-F14B-D6C5-5E59-858CCEC673FE}"/>
-              </a:ext>
-            </a:extLst>
-          </p:cNvPr>
-          <p:cNvSpPr txBox="1"/>
-          <p:nvPr/>
-        </p:nvSpPr>
-        <p:spPr>
-          <a:xfrm>
-            <a:off x="5459965" y="5103674"/>
-            <a:ext cx="2514599" cy="1754326"/>
-          </a:xfrm>
-          <a:prstGeom prst="rect">
-            <a:avLst/>
-          </a:prstGeom>
-          <a:noFill/>
-        </p:spPr>
-        <p:txBody>
-          <a:bodyPr wrap="square" rtlCol="0">
-            <a:spAutoFit/>
-          </a:bodyPr>
-          <a:lstStyle/>
-          <a:p>
-            <a:pPr algn="ctr"/>
-            <a:r>
-              <a:rPr lang="en-US" dirty="0"/>
-              <a:t>Para </a:t>
-            </a:r>
-            <a:r>
-              <a:rPr lang="en-US" dirty="0" err="1"/>
-              <a:t>Atributos</a:t>
-            </a:r>
-            <a:r>
-              <a:rPr lang="en-US" dirty="0"/>
-              <a:t> </a:t>
-            </a:r>
-            <a:r>
-              <a:rPr lang="en-US" dirty="0" err="1"/>
-              <a:t>numéricos</a:t>
-            </a:r>
-            <a:r>
-              <a:rPr lang="en-US" dirty="0"/>
-              <a:t>, </a:t>
-            </a:r>
-            <a:r>
-              <a:rPr lang="en-US" dirty="0" err="1"/>
-              <a:t>esse</a:t>
-            </a:r>
-            <a:r>
-              <a:rPr lang="en-US" dirty="0"/>
-              <a:t> </a:t>
-            </a:r>
-            <a:r>
-              <a:rPr lang="en-US" dirty="0" err="1"/>
-              <a:t>modificador</a:t>
-            </a:r>
-            <a:r>
-              <a:rPr lang="en-US" dirty="0"/>
-              <a:t> </a:t>
-            </a:r>
-            <a:r>
-              <a:rPr lang="en-US" dirty="0" err="1"/>
-              <a:t>incrementa</a:t>
-            </a:r>
-            <a:r>
-              <a:rPr lang="en-US" dirty="0"/>
-              <a:t> </a:t>
-            </a:r>
-            <a:r>
-              <a:rPr lang="en-US" dirty="0" err="1"/>
-              <a:t>em</a:t>
-            </a:r>
-            <a:r>
-              <a:rPr lang="en-US" dirty="0"/>
-              <a:t> 1 no </a:t>
-            </a:r>
-            <a:r>
-              <a:rPr lang="en-US" dirty="0" err="1"/>
-              <a:t>último</a:t>
-            </a:r>
-            <a:r>
-              <a:rPr lang="en-US" dirty="0"/>
-              <a:t> </a:t>
-            </a:r>
-            <a:r>
-              <a:rPr lang="en-US" dirty="0" err="1"/>
-              <a:t>inserido</a:t>
-            </a:r>
-            <a:r>
-              <a:rPr lang="en-US" dirty="0"/>
-              <a:t>, </a:t>
-            </a:r>
-            <a:r>
-              <a:rPr lang="en-US" dirty="0" err="1"/>
-              <a:t>sem</a:t>
-            </a:r>
-            <a:r>
-              <a:rPr lang="en-US" dirty="0"/>
-              <a:t> a </a:t>
-            </a:r>
-            <a:r>
-              <a:rPr lang="en-US" dirty="0" err="1"/>
-              <a:t>necessidade</a:t>
-            </a:r>
-            <a:r>
-              <a:rPr lang="en-US" dirty="0"/>
-              <a:t> de </a:t>
-            </a:r>
-            <a:r>
-              <a:rPr lang="en-US" dirty="0" err="1"/>
-              <a:t>inserir</a:t>
-            </a:r>
-            <a:r>
-              <a:rPr lang="en-US" dirty="0"/>
-              <a:t> </a:t>
-            </a:r>
-            <a:r>
-              <a:rPr lang="en-US" dirty="0" err="1"/>
-              <a:t>manualmente</a:t>
-            </a:r>
-            <a:endParaRPr lang="pt-BR" dirty="0"/>
-          </a:p>
-        </p:txBody>
-      </p:sp>
-      <p:sp>
-        <p:nvSpPr>
-          <p:cNvPr id="30" name="CaixaDeTexto 29">
-            <a:extLst>
-              <a:ext uri="{FF2B5EF4-FFF2-40B4-BE49-F238E27FC236}">
-                <a16:creationId xmlns:a16="http://schemas.microsoft.com/office/drawing/2014/main" id="{1CAC4345-3181-A751-F1B8-E5E633F729D3}"/>
-              </a:ext>
-            </a:extLst>
-          </p:cNvPr>
-          <p:cNvSpPr txBox="1"/>
-          <p:nvPr/>
-        </p:nvSpPr>
-        <p:spPr>
-          <a:xfrm>
-            <a:off x="8563708" y="5266592"/>
-            <a:ext cx="1740876" cy="1477328"/>
-          </a:xfrm>
-          <a:prstGeom prst="rect">
-            <a:avLst/>
-          </a:prstGeom>
-          <a:noFill/>
-        </p:spPr>
-        <p:txBody>
-          <a:bodyPr wrap="square" rtlCol="0">
-            <a:spAutoFit/>
-          </a:bodyPr>
-          <a:lstStyle/>
-          <a:p>
-            <a:pPr algn="ctr"/>
-            <a:r>
-              <a:rPr lang="en-US" dirty="0"/>
-              <a:t>Indica que </a:t>
-            </a:r>
-            <a:r>
-              <a:rPr lang="en-US" dirty="0" err="1"/>
-              <a:t>este</a:t>
-            </a:r>
-            <a:r>
-              <a:rPr lang="en-US" dirty="0"/>
-              <a:t> é um </a:t>
-            </a:r>
-            <a:r>
-              <a:rPr lang="en-US" dirty="0" err="1"/>
-              <a:t>Atributo</a:t>
-            </a:r>
-            <a:r>
-              <a:rPr lang="en-US" dirty="0"/>
-              <a:t> </a:t>
-            </a:r>
-            <a:r>
-              <a:rPr lang="en-US" dirty="0" err="1"/>
-              <a:t>chave</a:t>
-            </a:r>
-            <a:r>
-              <a:rPr lang="en-US" dirty="0"/>
-              <a:t> para a </a:t>
-            </a:r>
-            <a:r>
-              <a:rPr lang="en-US" dirty="0" err="1"/>
-              <a:t>tabela</a:t>
-            </a:r>
-            <a:r>
-              <a:rPr lang="en-US" dirty="0"/>
-              <a:t> </a:t>
-            </a:r>
-            <a:r>
-              <a:rPr lang="en-US" dirty="0" err="1"/>
-              <a:t>em</a:t>
-            </a:r>
-            <a:r>
-              <a:rPr lang="en-US" dirty="0"/>
-              <a:t> </a:t>
-            </a:r>
-            <a:r>
-              <a:rPr lang="en-US" dirty="0" err="1"/>
-              <a:t>questão</a:t>
-            </a:r>
-            <a:endParaRPr lang="pt-BR" dirty="0"/>
-          </a:p>
-        </p:txBody>
-      </p:sp>
-      <p:pic>
-        <p:nvPicPr>
-          <p:cNvPr id="32" name="Imagem 31">
-            <a:extLst>
-              <a:ext uri="{FF2B5EF4-FFF2-40B4-BE49-F238E27FC236}">
-                <a16:creationId xmlns:a16="http://schemas.microsoft.com/office/drawing/2014/main" id="{B2B0B117-7EBB-8952-6EFE-5DB3655D4B42}"/>
-              </a:ext>
-            </a:extLst>
-          </p:cNvPr>
-          <p:cNvPicPr>
-            <a:picLocks noChangeAspect="1"/>
-          </p:cNvPicPr>
-          <p:nvPr/>
-        </p:nvPicPr>
-        <p:blipFill>
-          <a:blip r:embed="rId6"/>
-          <a:stretch>
-            <a:fillRect/>
-          </a:stretch>
-        </p:blipFill>
-        <p:spPr>
-          <a:xfrm>
-            <a:off x="424813" y="485591"/>
-            <a:ext cx="1714739" cy="238158"/>
-          </a:xfrm>
-          <a:prstGeom prst="rect">
-            <a:avLst/>
-          </a:prstGeom>
-        </p:spPr>
-      </p:pic>
-      <p:pic>
-        <p:nvPicPr>
-          <p:cNvPr id="34" name="Imagem 33">
-            <a:extLst>
-              <a:ext uri="{FF2B5EF4-FFF2-40B4-BE49-F238E27FC236}">
-                <a16:creationId xmlns:a16="http://schemas.microsoft.com/office/drawing/2014/main" id="{4DA609A2-196C-8450-5FEB-881EF59C4F53}"/>
-              </a:ext>
-            </a:extLst>
-          </p:cNvPr>
-          <p:cNvPicPr>
-            <a:picLocks noChangeAspect="1"/>
-          </p:cNvPicPr>
-          <p:nvPr/>
-        </p:nvPicPr>
-        <p:blipFill>
-          <a:blip r:embed="rId7"/>
-          <a:stretch>
-            <a:fillRect/>
-          </a:stretch>
-        </p:blipFill>
-        <p:spPr>
-          <a:xfrm>
-            <a:off x="8251932" y="485591"/>
-            <a:ext cx="3781953" cy="428685"/>
-          </a:xfrm>
-          <a:prstGeom prst="rect">
-            <a:avLst/>
-          </a:prstGeom>
-        </p:spPr>
-      </p:pic>
-      <p:cxnSp>
-        <p:nvCxnSpPr>
-          <p:cNvPr id="36" name="Conector: Angulado 35">
-            <a:extLst>
-              <a:ext uri="{FF2B5EF4-FFF2-40B4-BE49-F238E27FC236}">
-                <a16:creationId xmlns:a16="http://schemas.microsoft.com/office/drawing/2014/main" id="{32F501D2-20E4-B124-FB9B-309440F6DF6E}"/>
-              </a:ext>
-            </a:extLst>
-          </p:cNvPr>
-          <p:cNvCxnSpPr>
-            <a:cxnSpLocks/>
-          </p:cNvCxnSpPr>
-          <p:nvPr/>
-        </p:nvCxnSpPr>
-        <p:spPr>
-          <a:xfrm flipV="1">
-            <a:off x="4070838" y="1101436"/>
-            <a:ext cx="562706" cy="334541"/>
-          </a:xfrm>
-          <a:prstGeom prst="bentConnector3">
-            <a:avLst>
-              <a:gd name="adj1" fmla="val -3125"/>
-            </a:avLst>
-          </a:prstGeom>
-          <a:ln>
-            <a:tailEnd type="triangle"/>
-          </a:ln>
-        </p:spPr>
-        <p:style>
-          <a:lnRef idx="1">
-            <a:schemeClr val="accent2"/>
-          </a:lnRef>
-          <a:fillRef idx="0">
-            <a:schemeClr val="accent2"/>
-          </a:fillRef>
-          <a:effectRef idx="0">
-            <a:schemeClr val="accent2"/>
-          </a:effectRef>
-          <a:fontRef idx="minor">
-            <a:schemeClr val="tx1"/>
-          </a:fontRef>
-        </p:style>
-      </p:cxnSp>
-      <p:sp>
-        <p:nvSpPr>
-          <p:cNvPr id="43" name="CaixaDeTexto 42">
-            <a:extLst>
-              <a:ext uri="{FF2B5EF4-FFF2-40B4-BE49-F238E27FC236}">
-                <a16:creationId xmlns:a16="http://schemas.microsoft.com/office/drawing/2014/main" id="{B8226EE7-7817-7E0C-CE39-EA396CFA9162}"/>
-              </a:ext>
-            </a:extLst>
-          </p:cNvPr>
-          <p:cNvSpPr txBox="1"/>
-          <p:nvPr/>
-        </p:nvSpPr>
-        <p:spPr>
-          <a:xfrm>
-            <a:off x="4633544" y="930042"/>
-            <a:ext cx="975946" cy="369332"/>
-          </a:xfrm>
-          <a:prstGeom prst="rect">
-            <a:avLst/>
-          </a:prstGeom>
-          <a:noFill/>
-        </p:spPr>
-        <p:txBody>
-          <a:bodyPr wrap="square" rtlCol="0">
-            <a:spAutoFit/>
-          </a:bodyPr>
-          <a:lstStyle/>
-          <a:p>
-            <a:r>
-              <a:rPr lang="en-US" dirty="0" err="1">
-                <a:solidFill>
-                  <a:srgbClr val="FF0000"/>
-                </a:solidFill>
-              </a:rPr>
-              <a:t>Cláusula</a:t>
-            </a:r>
-            <a:endParaRPr lang="pt-BR" dirty="0">
-              <a:solidFill>
-                <a:srgbClr val="FF0000"/>
-              </a:solidFill>
-            </a:endParaRPr>
-          </a:p>
-        </p:txBody>
-      </p:sp>
-    </p:spTree>
-    <p:extLst>
-      <p:ext uri="{BB962C8B-B14F-4D97-AF65-F5344CB8AC3E}">
-        <p14:creationId xmlns:p14="http://schemas.microsoft.com/office/powerpoint/2010/main" val="3456320147"/>
-      </p:ext>
-    </p:extLst>
-  </p:cSld>
-  <p:clrMapOvr>
-    <a:masterClrMapping/>
-  </p:clrMapOvr>
-</p:sld>
-</file>
-
-<file path=ppt/slides/slide3.xml><?xml version="1.0" encoding="utf-8"?>
-<p:sld xmlns:a="http://schemas.openxmlformats.org/drawingml/2006/main" xmlns:r="http://schemas.openxmlformats.org/officeDocument/2006/relationships" xmlns:p="http://schemas.openxmlformats.org/presentationml/2006/main">
-  <p:cSld>
-    <p:spTree>
-      <p:nvGrpSpPr>
-        <p:cNvPr id="1" name="">
-          <a:extLst>
-            <a:ext uri="{FF2B5EF4-FFF2-40B4-BE49-F238E27FC236}">
-              <a16:creationId xmlns:a16="http://schemas.microsoft.com/office/drawing/2014/main" id="{934F8D7A-1642-EB06-BDDB-8B60A5E42751}"/>
+              <a16:creationId xmlns:a16="http://schemas.microsoft.com/office/drawing/2014/main" id="{D962CE3A-F8B7-E786-247A-436813E90CC3}"/>
             </a:ext>
           </a:extLst>
         </p:cNvPr>
@@ -7527,7 +5793,7 @@
           <p:cNvPr id="5" name="Imagem 4">
             <a:extLst>
               <a:ext uri="{FF2B5EF4-FFF2-40B4-BE49-F238E27FC236}">
-                <a16:creationId xmlns:a16="http://schemas.microsoft.com/office/drawing/2014/main" id="{970FE71D-7DA1-A4C0-5066-914290DC9619}"/>
+                <a16:creationId xmlns:a16="http://schemas.microsoft.com/office/drawing/2014/main" id="{B42806E5-AF47-0474-5074-CF108216CB1D}"/>
               </a:ext>
             </a:extLst>
           </p:cNvPr>
@@ -7560,778 +5826,10 @@
       </p:pic>
       <p:sp>
         <p:nvSpPr>
-          <p:cNvPr id="2" name="CaixaDeTexto 1">
-            <a:extLst>
-              <a:ext uri="{FF2B5EF4-FFF2-40B4-BE49-F238E27FC236}">
-                <a16:creationId xmlns:a16="http://schemas.microsoft.com/office/drawing/2014/main" id="{6CCE830C-6392-38AE-A9B0-95660C8D02BB}"/>
-              </a:ext>
-            </a:extLst>
-          </p:cNvPr>
-          <p:cNvSpPr txBox="1"/>
-          <p:nvPr/>
-        </p:nvSpPr>
-        <p:spPr>
-          <a:xfrm>
-            <a:off x="4279106" y="162426"/>
-            <a:ext cx="3176771" cy="646331"/>
-          </a:xfrm>
-          <a:prstGeom prst="rect">
-            <a:avLst/>
-          </a:prstGeom>
-          <a:noFill/>
-        </p:spPr>
-        <p:txBody>
-          <a:bodyPr wrap="square" rtlCol="0">
-            <a:spAutoFit/>
-          </a:bodyPr>
-          <a:lstStyle/>
-          <a:p>
-            <a:r>
-              <a:rPr lang="en-US" sz="3600" dirty="0" err="1"/>
-              <a:t>Criando</a:t>
-            </a:r>
-            <a:r>
-              <a:rPr lang="en-US" sz="3600" dirty="0"/>
-              <a:t> Models</a:t>
-            </a:r>
-            <a:endParaRPr lang="pt-BR" sz="3600" dirty="0"/>
-          </a:p>
-        </p:txBody>
-      </p:sp>
-      <p:pic>
-        <p:nvPicPr>
-          <p:cNvPr id="4" name="Imagem 3">
-            <a:extLst>
-              <a:ext uri="{FF2B5EF4-FFF2-40B4-BE49-F238E27FC236}">
-                <a16:creationId xmlns:a16="http://schemas.microsoft.com/office/drawing/2014/main" id="{45978079-0B6A-F01B-9C3A-D405CAD8BCA7}"/>
-              </a:ext>
-            </a:extLst>
-          </p:cNvPr>
-          <p:cNvPicPr>
-            <a:picLocks noChangeAspect="1"/>
-          </p:cNvPicPr>
-          <p:nvPr/>
-        </p:nvPicPr>
-        <p:blipFill>
-          <a:blip r:embed="rId3"/>
-          <a:stretch>
-            <a:fillRect/>
-          </a:stretch>
-        </p:blipFill>
-        <p:spPr>
-          <a:xfrm>
-            <a:off x="380202" y="1119583"/>
-            <a:ext cx="11431595" cy="4829849"/>
-          </a:xfrm>
-          <a:prstGeom prst="rect">
-            <a:avLst/>
-          </a:prstGeom>
-        </p:spPr>
-      </p:pic>
-      <p:sp>
-        <p:nvSpPr>
-          <p:cNvPr id="8" name="Sinal de Multiplicação 7">
-            <a:extLst>
-              <a:ext uri="{FF2B5EF4-FFF2-40B4-BE49-F238E27FC236}">
-                <a16:creationId xmlns:a16="http://schemas.microsoft.com/office/drawing/2014/main" id="{5D429E30-D399-C6FB-B2F6-A660F9C25C6A}"/>
-              </a:ext>
-            </a:extLst>
-          </p:cNvPr>
-          <p:cNvSpPr/>
-          <p:nvPr/>
-        </p:nvSpPr>
-        <p:spPr>
-          <a:xfrm>
-            <a:off x="3903783" y="2883876"/>
-            <a:ext cx="553916" cy="386862"/>
-          </a:xfrm>
-          <a:prstGeom prst="mathMultiply">
-            <a:avLst/>
-          </a:prstGeom>
-          <a:solidFill>
-            <a:schemeClr val="accent6">
-              <a:alpha val="50000"/>
-            </a:schemeClr>
-          </a:solidFill>
-          <a:ln>
-            <a:noFill/>
-          </a:ln>
-        </p:spPr>
-        <p:style>
-          <a:lnRef idx="0">
-            <a:scrgbClr r="0" g="0" b="0"/>
-          </a:lnRef>
-          <a:fillRef idx="0">
-            <a:scrgbClr r="0" g="0" b="0"/>
-          </a:fillRef>
-          <a:effectRef idx="0">
-            <a:scrgbClr r="0" g="0" b="0"/>
-          </a:effectRef>
-          <a:fontRef idx="minor">
-            <a:schemeClr val="lt1"/>
-          </a:fontRef>
-        </p:style>
-        <p:txBody>
-          <a:bodyPr rtlCol="0" anchor="ctr"/>
-          <a:lstStyle/>
-          <a:p>
-            <a:pPr algn="ctr"/>
-            <a:endParaRPr lang="pt-BR"/>
-          </a:p>
-        </p:txBody>
-      </p:sp>
-    </p:spTree>
-    <p:extLst>
-      <p:ext uri="{BB962C8B-B14F-4D97-AF65-F5344CB8AC3E}">
-        <p14:creationId xmlns:p14="http://schemas.microsoft.com/office/powerpoint/2010/main" val="1027495640"/>
-      </p:ext>
-    </p:extLst>
-  </p:cSld>
-  <p:clrMapOvr>
-    <a:masterClrMapping/>
-  </p:clrMapOvr>
-</p:sld>
-</file>
-
-<file path=ppt/slides/slide4.xml><?xml version="1.0" encoding="utf-8"?>
-<p:sld xmlns:a="http://schemas.openxmlformats.org/drawingml/2006/main" xmlns:r="http://schemas.openxmlformats.org/officeDocument/2006/relationships" xmlns:p="http://schemas.openxmlformats.org/presentationml/2006/main">
-  <p:cSld>
-    <p:spTree>
-      <p:nvGrpSpPr>
-        <p:cNvPr id="1" name="">
-          <a:extLst>
-            <a:ext uri="{FF2B5EF4-FFF2-40B4-BE49-F238E27FC236}">
-              <a16:creationId xmlns:a16="http://schemas.microsoft.com/office/drawing/2014/main" id="{E28391FF-8D9F-8F31-0DF4-6FFAA0DB4A93}"/>
-            </a:ext>
-          </a:extLst>
-        </p:cNvPr>
-        <p:cNvGrpSpPr/>
-        <p:nvPr/>
-      </p:nvGrpSpPr>
-      <p:grpSpPr>
-        <a:xfrm>
-          <a:off x="0" y="0"/>
-          <a:ext cx="0" cy="0"/>
-          <a:chOff x="0" y="0"/>
-          <a:chExt cx="0" cy="0"/>
-        </a:xfrm>
-      </p:grpSpPr>
-      <p:pic>
-        <p:nvPicPr>
-          <p:cNvPr id="5" name="Imagem 4">
-            <a:extLst>
-              <a:ext uri="{FF2B5EF4-FFF2-40B4-BE49-F238E27FC236}">
-                <a16:creationId xmlns:a16="http://schemas.microsoft.com/office/drawing/2014/main" id="{05D0FB5C-151B-24B2-EBEC-73887B8C374B}"/>
-              </a:ext>
-            </a:extLst>
-          </p:cNvPr>
-          <p:cNvPicPr>
-            <a:picLocks noChangeAspect="1"/>
-          </p:cNvPicPr>
-          <p:nvPr/>
-        </p:nvPicPr>
-        <p:blipFill>
-          <a:blip r:embed="rId2">
-            <a:extLst>
-              <a:ext uri="{28A0092B-C50C-407E-A947-70E740481C1C}">
-                <a14:useLocalDpi xmlns:a14="http://schemas.microsoft.com/office/drawing/2010/main" val="0"/>
-              </a:ext>
-            </a:extLst>
-          </a:blip>
-          <a:stretch>
-            <a:fillRect/>
-          </a:stretch>
-        </p:blipFill>
-        <p:spPr>
-          <a:xfrm>
-            <a:off x="0" y="0"/>
-            <a:ext cx="12192000" cy="6858000"/>
-          </a:xfrm>
-          <a:prstGeom prst="rect">
-            <a:avLst/>
-          </a:prstGeom>
-        </p:spPr>
-      </p:pic>
-      <p:sp>
-        <p:nvSpPr>
-          <p:cNvPr id="2" name="CaixaDeTexto 1">
-            <a:extLst>
-              <a:ext uri="{FF2B5EF4-FFF2-40B4-BE49-F238E27FC236}">
-                <a16:creationId xmlns:a16="http://schemas.microsoft.com/office/drawing/2014/main" id="{F01EBD84-9055-F213-8378-27D0A0308941}"/>
-              </a:ext>
-            </a:extLst>
-          </p:cNvPr>
-          <p:cNvSpPr txBox="1"/>
-          <p:nvPr/>
-        </p:nvSpPr>
-        <p:spPr>
-          <a:xfrm>
-            <a:off x="4279106" y="162426"/>
-            <a:ext cx="3176771" cy="646331"/>
-          </a:xfrm>
-          <a:prstGeom prst="rect">
-            <a:avLst/>
-          </a:prstGeom>
-          <a:noFill/>
-        </p:spPr>
-        <p:txBody>
-          <a:bodyPr wrap="square" rtlCol="0">
-            <a:spAutoFit/>
-          </a:bodyPr>
-          <a:lstStyle/>
-          <a:p>
-            <a:r>
-              <a:rPr lang="en-US" sz="3600" dirty="0" err="1"/>
-              <a:t>Criando</a:t>
-            </a:r>
-            <a:r>
-              <a:rPr lang="en-US" sz="3600" dirty="0"/>
-              <a:t> Models</a:t>
-            </a:r>
-            <a:endParaRPr lang="pt-BR" sz="3600" dirty="0"/>
-          </a:p>
-        </p:txBody>
-      </p:sp>
-      <p:pic>
-        <p:nvPicPr>
-          <p:cNvPr id="6" name="Imagem 5">
-            <a:extLst>
-              <a:ext uri="{FF2B5EF4-FFF2-40B4-BE49-F238E27FC236}">
-                <a16:creationId xmlns:a16="http://schemas.microsoft.com/office/drawing/2014/main" id="{75468AA0-5626-93A7-D117-11B2A85FC6D0}"/>
-              </a:ext>
-            </a:extLst>
-          </p:cNvPr>
-          <p:cNvPicPr>
-            <a:picLocks noChangeAspect="1"/>
-          </p:cNvPicPr>
-          <p:nvPr/>
-        </p:nvPicPr>
-        <p:blipFill>
-          <a:blip r:embed="rId3"/>
-          <a:stretch>
-            <a:fillRect/>
-          </a:stretch>
-        </p:blipFill>
-        <p:spPr>
-          <a:xfrm>
-            <a:off x="2332892" y="3158270"/>
-            <a:ext cx="7360310" cy="2653445"/>
-          </a:xfrm>
-          <a:prstGeom prst="rect">
-            <a:avLst/>
-          </a:prstGeom>
-        </p:spPr>
-      </p:pic>
-      <p:sp>
-        <p:nvSpPr>
-          <p:cNvPr id="7" name="CaixaDeTexto 6">
-            <a:extLst>
-              <a:ext uri="{FF2B5EF4-FFF2-40B4-BE49-F238E27FC236}">
-                <a16:creationId xmlns:a16="http://schemas.microsoft.com/office/drawing/2014/main" id="{E4468860-37F1-AFE7-8A4F-131916F2AEC4}"/>
-              </a:ext>
-            </a:extLst>
-          </p:cNvPr>
-          <p:cNvSpPr txBox="1"/>
-          <p:nvPr/>
-        </p:nvSpPr>
-        <p:spPr>
-          <a:xfrm>
-            <a:off x="2987473" y="1317525"/>
-            <a:ext cx="6217053" cy="523220"/>
-          </a:xfrm>
-          <a:prstGeom prst="rect">
-            <a:avLst/>
-          </a:prstGeom>
-          <a:noFill/>
-        </p:spPr>
-        <p:txBody>
-          <a:bodyPr wrap="square" rtlCol="0">
-            <a:spAutoFit/>
-          </a:bodyPr>
-          <a:lstStyle/>
-          <a:p>
-            <a:r>
-              <a:rPr lang="en-US" sz="2800" dirty="0"/>
-              <a:t>Basta </a:t>
-            </a:r>
-            <a:r>
-              <a:rPr lang="en-US" sz="2800" dirty="0" err="1"/>
-              <a:t>clicar</a:t>
-            </a:r>
-            <a:r>
-              <a:rPr lang="en-US" sz="2800" dirty="0"/>
-              <a:t> duas </a:t>
-            </a:r>
-            <a:r>
-              <a:rPr lang="en-US" sz="2800" dirty="0" err="1"/>
-              <a:t>vezes</a:t>
-            </a:r>
-            <a:r>
-              <a:rPr lang="en-US" sz="2800" dirty="0"/>
-              <a:t> </a:t>
-            </a:r>
-            <a:r>
-              <a:rPr lang="en-US" sz="2800" dirty="0" err="1"/>
-              <a:t>em</a:t>
-            </a:r>
-            <a:r>
-              <a:rPr lang="en-US" sz="2800" dirty="0"/>
-              <a:t> “Add Diagram”</a:t>
-            </a:r>
-            <a:endParaRPr lang="pt-BR" sz="2800" dirty="0"/>
-          </a:p>
-        </p:txBody>
-      </p:sp>
-      <p:sp>
-        <p:nvSpPr>
-          <p:cNvPr id="8" name="Sinal de Multiplicação 7">
-            <a:extLst>
-              <a:ext uri="{FF2B5EF4-FFF2-40B4-BE49-F238E27FC236}">
-                <a16:creationId xmlns:a16="http://schemas.microsoft.com/office/drawing/2014/main" id="{6F7BB526-C888-6A3D-0311-882302902616}"/>
-              </a:ext>
-            </a:extLst>
-          </p:cNvPr>
-          <p:cNvSpPr/>
-          <p:nvPr/>
-        </p:nvSpPr>
-        <p:spPr>
-          <a:xfrm>
-            <a:off x="6095999" y="4541228"/>
-            <a:ext cx="1529862" cy="1195753"/>
-          </a:xfrm>
-          <a:prstGeom prst="mathMultiply">
-            <a:avLst/>
-          </a:prstGeom>
-          <a:solidFill>
-            <a:schemeClr val="accent6">
-              <a:alpha val="50000"/>
-            </a:schemeClr>
-          </a:solidFill>
-          <a:ln>
-            <a:noFill/>
-          </a:ln>
-        </p:spPr>
-        <p:style>
-          <a:lnRef idx="0">
-            <a:scrgbClr r="0" g="0" b="0"/>
-          </a:lnRef>
-          <a:fillRef idx="0">
-            <a:scrgbClr r="0" g="0" b="0"/>
-          </a:fillRef>
-          <a:effectRef idx="0">
-            <a:scrgbClr r="0" g="0" b="0"/>
-          </a:effectRef>
-          <a:fontRef idx="minor">
-            <a:schemeClr val="lt1"/>
-          </a:fontRef>
-        </p:style>
-        <p:txBody>
-          <a:bodyPr rtlCol="0" anchor="ctr"/>
-          <a:lstStyle/>
-          <a:p>
-            <a:pPr algn="ctr"/>
-            <a:endParaRPr lang="pt-BR"/>
-          </a:p>
-        </p:txBody>
-      </p:sp>
-    </p:spTree>
-    <p:extLst>
-      <p:ext uri="{BB962C8B-B14F-4D97-AF65-F5344CB8AC3E}">
-        <p14:creationId xmlns:p14="http://schemas.microsoft.com/office/powerpoint/2010/main" val="3689559770"/>
-      </p:ext>
-    </p:extLst>
-  </p:cSld>
-  <p:clrMapOvr>
-    <a:masterClrMapping/>
-  </p:clrMapOvr>
-</p:sld>
-</file>
-
-<file path=ppt/slides/slide5.xml><?xml version="1.0" encoding="utf-8"?>
-<p:sld xmlns:a="http://schemas.openxmlformats.org/drawingml/2006/main" xmlns:r="http://schemas.openxmlformats.org/officeDocument/2006/relationships" xmlns:p="http://schemas.openxmlformats.org/presentationml/2006/main">
-  <p:cSld>
-    <p:spTree>
-      <p:nvGrpSpPr>
-        <p:cNvPr id="1" name="">
-          <a:extLst>
-            <a:ext uri="{FF2B5EF4-FFF2-40B4-BE49-F238E27FC236}">
-              <a16:creationId xmlns:a16="http://schemas.microsoft.com/office/drawing/2014/main" id="{CD223532-CEA2-0128-15E4-9827C4AB206D}"/>
-            </a:ext>
-          </a:extLst>
-        </p:cNvPr>
-        <p:cNvGrpSpPr/>
-        <p:nvPr/>
-      </p:nvGrpSpPr>
-      <p:grpSpPr>
-        <a:xfrm>
-          <a:off x="0" y="0"/>
-          <a:ext cx="0" cy="0"/>
-          <a:chOff x="0" y="0"/>
-          <a:chExt cx="0" cy="0"/>
-        </a:xfrm>
-      </p:grpSpPr>
-      <p:pic>
-        <p:nvPicPr>
-          <p:cNvPr id="5" name="Imagem 4">
-            <a:extLst>
-              <a:ext uri="{FF2B5EF4-FFF2-40B4-BE49-F238E27FC236}">
-                <a16:creationId xmlns:a16="http://schemas.microsoft.com/office/drawing/2014/main" id="{ED4BE225-DAD7-57AF-3D57-9462839767DF}"/>
-              </a:ext>
-            </a:extLst>
-          </p:cNvPr>
-          <p:cNvPicPr>
-            <a:picLocks noChangeAspect="1"/>
-          </p:cNvPicPr>
-          <p:nvPr/>
-        </p:nvPicPr>
-        <p:blipFill>
-          <a:blip r:embed="rId2">
-            <a:extLst>
-              <a:ext uri="{28A0092B-C50C-407E-A947-70E740481C1C}">
-                <a14:useLocalDpi xmlns:a14="http://schemas.microsoft.com/office/drawing/2010/main" val="0"/>
-              </a:ext>
-            </a:extLst>
-          </a:blip>
-          <a:stretch>
-            <a:fillRect/>
-          </a:stretch>
-        </p:blipFill>
-        <p:spPr>
-          <a:xfrm>
-            <a:off x="0" y="0"/>
-            <a:ext cx="12192000" cy="6858000"/>
-          </a:xfrm>
-          <a:prstGeom prst="rect">
-            <a:avLst/>
-          </a:prstGeom>
-        </p:spPr>
-      </p:pic>
-      <p:sp>
-        <p:nvSpPr>
-          <p:cNvPr id="2" name="CaixaDeTexto 1">
-            <a:extLst>
-              <a:ext uri="{FF2B5EF4-FFF2-40B4-BE49-F238E27FC236}">
-                <a16:creationId xmlns:a16="http://schemas.microsoft.com/office/drawing/2014/main" id="{FECE3A78-DACB-84EA-9079-0437F0310D3C}"/>
-              </a:ext>
-            </a:extLst>
-          </p:cNvPr>
-          <p:cNvSpPr txBox="1"/>
-          <p:nvPr/>
-        </p:nvSpPr>
-        <p:spPr>
-          <a:xfrm>
-            <a:off x="4279106" y="162426"/>
-            <a:ext cx="3176771" cy="646331"/>
-          </a:xfrm>
-          <a:prstGeom prst="rect">
-            <a:avLst/>
-          </a:prstGeom>
-          <a:noFill/>
-        </p:spPr>
-        <p:txBody>
-          <a:bodyPr wrap="square" rtlCol="0">
-            <a:spAutoFit/>
-          </a:bodyPr>
-          <a:lstStyle/>
-          <a:p>
-            <a:r>
-              <a:rPr lang="en-US" sz="3600" dirty="0" err="1"/>
-              <a:t>Criando</a:t>
-            </a:r>
-            <a:r>
-              <a:rPr lang="en-US" sz="3600" dirty="0"/>
-              <a:t> Models</a:t>
-            </a:r>
-            <a:endParaRPr lang="pt-BR" sz="3600" dirty="0"/>
-          </a:p>
-        </p:txBody>
-      </p:sp>
-      <p:pic>
-        <p:nvPicPr>
-          <p:cNvPr id="4" name="Imagem 3">
-            <a:extLst>
-              <a:ext uri="{FF2B5EF4-FFF2-40B4-BE49-F238E27FC236}">
-                <a16:creationId xmlns:a16="http://schemas.microsoft.com/office/drawing/2014/main" id="{4313C9DF-AABC-E648-6EFD-B98D207AF9F7}"/>
-              </a:ext>
-            </a:extLst>
-          </p:cNvPr>
-          <p:cNvPicPr>
-            <a:picLocks noChangeAspect="1"/>
-          </p:cNvPicPr>
-          <p:nvPr/>
-        </p:nvPicPr>
-        <p:blipFill>
-          <a:blip r:embed="rId3"/>
-          <a:stretch>
-            <a:fillRect/>
-          </a:stretch>
-        </p:blipFill>
-        <p:spPr>
-          <a:xfrm>
-            <a:off x="799361" y="1156970"/>
-            <a:ext cx="10593278" cy="4777838"/>
-          </a:xfrm>
-          <a:prstGeom prst="rect">
-            <a:avLst/>
-          </a:prstGeom>
-        </p:spPr>
-      </p:pic>
-    </p:spTree>
-    <p:extLst>
-      <p:ext uri="{BB962C8B-B14F-4D97-AF65-F5344CB8AC3E}">
-        <p14:creationId xmlns:p14="http://schemas.microsoft.com/office/powerpoint/2010/main" val="2655663410"/>
-      </p:ext>
-    </p:extLst>
-  </p:cSld>
-  <p:clrMapOvr>
-    <a:masterClrMapping/>
-  </p:clrMapOvr>
-</p:sld>
-</file>
-
-<file path=ppt/slides/slide6.xml><?xml version="1.0" encoding="utf-8"?>
-<p:sld xmlns:a="http://schemas.openxmlformats.org/drawingml/2006/main" xmlns:r="http://schemas.openxmlformats.org/officeDocument/2006/relationships" xmlns:p="http://schemas.openxmlformats.org/presentationml/2006/main">
-  <p:cSld>
-    <p:spTree>
-      <p:nvGrpSpPr>
-        <p:cNvPr id="1" name="">
-          <a:extLst>
-            <a:ext uri="{FF2B5EF4-FFF2-40B4-BE49-F238E27FC236}">
-              <a16:creationId xmlns:a16="http://schemas.microsoft.com/office/drawing/2014/main" id="{579E879A-11AD-0503-9B6C-A9C3078FA3CA}"/>
-            </a:ext>
-          </a:extLst>
-        </p:cNvPr>
-        <p:cNvGrpSpPr/>
-        <p:nvPr/>
-      </p:nvGrpSpPr>
-      <p:grpSpPr>
-        <a:xfrm>
-          <a:off x="0" y="0"/>
-          <a:ext cx="0" cy="0"/>
-          <a:chOff x="0" y="0"/>
-          <a:chExt cx="0" cy="0"/>
-        </a:xfrm>
-      </p:grpSpPr>
-      <p:pic>
-        <p:nvPicPr>
-          <p:cNvPr id="5" name="Imagem 4">
-            <a:extLst>
-              <a:ext uri="{FF2B5EF4-FFF2-40B4-BE49-F238E27FC236}">
-                <a16:creationId xmlns:a16="http://schemas.microsoft.com/office/drawing/2014/main" id="{848280F9-0022-CCAA-06B8-5C84FED028E8}"/>
-              </a:ext>
-            </a:extLst>
-          </p:cNvPr>
-          <p:cNvPicPr>
-            <a:picLocks noChangeAspect="1"/>
-          </p:cNvPicPr>
-          <p:nvPr/>
-        </p:nvPicPr>
-        <p:blipFill>
-          <a:blip r:embed="rId2">
-            <a:extLst>
-              <a:ext uri="{28A0092B-C50C-407E-A947-70E740481C1C}">
-                <a14:useLocalDpi xmlns:a14="http://schemas.microsoft.com/office/drawing/2010/main" val="0"/>
-              </a:ext>
-            </a:extLst>
-          </a:blip>
-          <a:stretch>
-            <a:fillRect/>
-          </a:stretch>
-        </p:blipFill>
-        <p:spPr>
-          <a:xfrm>
-            <a:off x="0" y="0"/>
-            <a:ext cx="12192000" cy="6858000"/>
-          </a:xfrm>
-          <a:prstGeom prst="rect">
-            <a:avLst/>
-          </a:prstGeom>
-        </p:spPr>
-      </p:pic>
-      <p:sp>
-        <p:nvSpPr>
-          <p:cNvPr id="2" name="CaixaDeTexto 1">
-            <a:extLst>
-              <a:ext uri="{FF2B5EF4-FFF2-40B4-BE49-F238E27FC236}">
-                <a16:creationId xmlns:a16="http://schemas.microsoft.com/office/drawing/2014/main" id="{8DADA21E-821B-06E1-C714-A62F16F1F7AA}"/>
-              </a:ext>
-            </a:extLst>
-          </p:cNvPr>
-          <p:cNvSpPr txBox="1"/>
-          <p:nvPr/>
-        </p:nvSpPr>
-        <p:spPr>
-          <a:xfrm>
-            <a:off x="4279106" y="162426"/>
-            <a:ext cx="3176771" cy="646331"/>
-          </a:xfrm>
-          <a:prstGeom prst="rect">
-            <a:avLst/>
-          </a:prstGeom>
-          <a:noFill/>
-        </p:spPr>
-        <p:txBody>
-          <a:bodyPr wrap="square" rtlCol="0">
-            <a:spAutoFit/>
-          </a:bodyPr>
-          <a:lstStyle/>
-          <a:p>
-            <a:r>
-              <a:rPr lang="en-US" sz="3600" dirty="0" err="1"/>
-              <a:t>Criando</a:t>
-            </a:r>
-            <a:r>
-              <a:rPr lang="en-US" sz="3600" dirty="0"/>
-              <a:t> Models</a:t>
-            </a:r>
-            <a:endParaRPr lang="pt-BR" sz="3600" dirty="0"/>
-          </a:p>
-        </p:txBody>
-      </p:sp>
-      <p:pic>
-        <p:nvPicPr>
-          <p:cNvPr id="4" name="Imagem 3">
-            <a:extLst>
-              <a:ext uri="{FF2B5EF4-FFF2-40B4-BE49-F238E27FC236}">
-                <a16:creationId xmlns:a16="http://schemas.microsoft.com/office/drawing/2014/main" id="{014D1385-7E01-0CC1-9435-06F3622CB190}"/>
-              </a:ext>
-            </a:extLst>
-          </p:cNvPr>
-          <p:cNvPicPr>
-            <a:picLocks noChangeAspect="1"/>
-          </p:cNvPicPr>
-          <p:nvPr/>
-        </p:nvPicPr>
-        <p:blipFill>
-          <a:blip r:embed="rId3"/>
-          <a:stretch>
-            <a:fillRect/>
-          </a:stretch>
-        </p:blipFill>
-        <p:spPr>
-          <a:xfrm>
-            <a:off x="1875836" y="1051690"/>
-            <a:ext cx="8440328" cy="5563376"/>
-          </a:xfrm>
-          <a:prstGeom prst="rect">
-            <a:avLst/>
-          </a:prstGeom>
-        </p:spPr>
-      </p:pic>
-    </p:spTree>
-    <p:extLst>
-      <p:ext uri="{BB962C8B-B14F-4D97-AF65-F5344CB8AC3E}">
-        <p14:creationId xmlns:p14="http://schemas.microsoft.com/office/powerpoint/2010/main" val="1379814034"/>
-      </p:ext>
-    </p:extLst>
-  </p:cSld>
-  <p:clrMapOvr>
-    <a:masterClrMapping/>
-  </p:clrMapOvr>
-</p:sld>
-</file>
-
-<file path=ppt/slides/slide7.xml><?xml version="1.0" encoding="utf-8"?>
-<p:sld xmlns:a="http://schemas.openxmlformats.org/drawingml/2006/main" xmlns:r="http://schemas.openxmlformats.org/officeDocument/2006/relationships" xmlns:p="http://schemas.openxmlformats.org/presentationml/2006/main">
-  <p:cSld>
-    <p:spTree>
-      <p:nvGrpSpPr>
-        <p:cNvPr id="1" name="">
-          <a:extLst>
-            <a:ext uri="{FF2B5EF4-FFF2-40B4-BE49-F238E27FC236}">
-              <a16:creationId xmlns:a16="http://schemas.microsoft.com/office/drawing/2014/main" id="{6CA8BECA-4C3C-99DF-E28B-6B3F90978087}"/>
-            </a:ext>
-          </a:extLst>
-        </p:cNvPr>
-        <p:cNvGrpSpPr/>
-        <p:nvPr/>
-      </p:nvGrpSpPr>
-      <p:grpSpPr>
-        <a:xfrm>
-          <a:off x="0" y="0"/>
-          <a:ext cx="0" cy="0"/>
-          <a:chOff x="0" y="0"/>
-          <a:chExt cx="0" cy="0"/>
-        </a:xfrm>
-      </p:grpSpPr>
-      <p:pic>
-        <p:nvPicPr>
-          <p:cNvPr id="5" name="Imagem 4">
-            <a:extLst>
-              <a:ext uri="{FF2B5EF4-FFF2-40B4-BE49-F238E27FC236}">
-                <a16:creationId xmlns:a16="http://schemas.microsoft.com/office/drawing/2014/main" id="{87CB8BAB-D6EB-CE4A-1CF1-B58D0C090EEA}"/>
-              </a:ext>
-            </a:extLst>
-          </p:cNvPr>
-          <p:cNvPicPr>
-            <a:picLocks noChangeAspect="1"/>
-          </p:cNvPicPr>
-          <p:nvPr/>
-        </p:nvPicPr>
-        <p:blipFill>
-          <a:blip r:embed="rId2">
-            <a:extLst>
-              <a:ext uri="{28A0092B-C50C-407E-A947-70E740481C1C}">
-                <a14:useLocalDpi xmlns:a14="http://schemas.microsoft.com/office/drawing/2010/main" val="0"/>
-              </a:ext>
-            </a:extLst>
-          </a:blip>
-          <a:stretch>
-            <a:fillRect/>
-          </a:stretch>
-        </p:blipFill>
-        <p:spPr>
-          <a:xfrm>
-            <a:off x="0" y="0"/>
-            <a:ext cx="12192000" cy="6858000"/>
-          </a:xfrm>
-          <a:prstGeom prst="rect">
-            <a:avLst/>
-          </a:prstGeom>
-        </p:spPr>
-      </p:pic>
-      <p:sp>
-        <p:nvSpPr>
-          <p:cNvPr id="2" name="CaixaDeTexto 1">
-            <a:extLst>
-              <a:ext uri="{FF2B5EF4-FFF2-40B4-BE49-F238E27FC236}">
-                <a16:creationId xmlns:a16="http://schemas.microsoft.com/office/drawing/2014/main" id="{DD962760-3318-0812-BCDC-A2440EDDB981}"/>
-              </a:ext>
-            </a:extLst>
-          </p:cNvPr>
-          <p:cNvSpPr txBox="1"/>
-          <p:nvPr/>
-        </p:nvSpPr>
-        <p:spPr>
-          <a:xfrm>
-            <a:off x="4410899" y="162426"/>
-            <a:ext cx="3370202" cy="646331"/>
-          </a:xfrm>
-          <a:prstGeom prst="rect">
-            <a:avLst/>
-          </a:prstGeom>
-          <a:noFill/>
-        </p:spPr>
-        <p:txBody>
-          <a:bodyPr wrap="square" rtlCol="0">
-            <a:spAutoFit/>
-          </a:bodyPr>
-          <a:lstStyle/>
-          <a:p>
-            <a:r>
-              <a:rPr lang="en-US" sz="3600" dirty="0" err="1"/>
-              <a:t>Relacionamentos</a:t>
-            </a:r>
-            <a:endParaRPr lang="pt-BR" sz="3600" dirty="0"/>
-          </a:p>
-        </p:txBody>
-      </p:sp>
-      <p:sp>
-        <p:nvSpPr>
-          <p:cNvPr id="6" name="Rectangle 1">
-            <a:extLst>
-              <a:ext uri="{FF2B5EF4-FFF2-40B4-BE49-F238E27FC236}">
-                <a16:creationId xmlns:a16="http://schemas.microsoft.com/office/drawing/2014/main" id="{13E55CD4-CA99-B00F-6B80-E3BE9FF4F0A5}"/>
+          <p:cNvPr id="3" name="Rectangle 1">
+            <a:extLst>
+              <a:ext uri="{FF2B5EF4-FFF2-40B4-BE49-F238E27FC236}">
+                <a16:creationId xmlns:a16="http://schemas.microsoft.com/office/drawing/2014/main" id="{D294FA2D-A038-7E73-345C-DC73529EA68D}"/>
               </a:ext>
             </a:extLst>
           </p:cNvPr>
@@ -8342,8 +5840,8 @@
         </p:nvSpPr>
         <p:spPr bwMode="auto">
           <a:xfrm>
-            <a:off x="196361" y="1058914"/>
-            <a:ext cx="11799277" cy="3416320"/>
+            <a:off x="378070" y="85827"/>
+            <a:ext cx="11342076" cy="6494085"/>
           </a:xfrm>
           <a:prstGeom prst="rect">
             <a:avLst/>
@@ -8408,6 +5906,2133 @@
               <a:tabLst/>
             </a:pPr>
             <a:r>
+              <a:rPr kumimoji="0" lang="pt-BR" altLang="pt-BR" sz="1600" b="1" i="0" u="none" strike="noStrike" cap="none" normalizeH="0" baseline="0" dirty="0">
+                <a:ln>
+                  <a:noFill/>
+                </a:ln>
+                <a:solidFill>
+                  <a:schemeClr val="tx1"/>
+                </a:solidFill>
+                <a:effectLst/>
+                <a:latin typeface="Arial" panose="020B0604020202020204" pitchFamily="34" charset="0"/>
+              </a:rPr>
+              <a:t>Exercício</a:t>
+            </a:r>
+          </a:p>
+          <a:p>
+            <a:pPr lvl="0" eaLnBrk="0" fontAlgn="base" hangingPunct="0">
+              <a:spcBef>
+                <a:spcPct val="0"/>
+              </a:spcBef>
+              <a:spcAft>
+                <a:spcPct val="0"/>
+              </a:spcAft>
+            </a:pPr>
+            <a:r>
+              <a:rPr lang="pt-BR" sz="1600" dirty="0"/>
+              <a:t>No competitivo setor do varejo, a rede </a:t>
+            </a:r>
+            <a:r>
+              <a:rPr lang="pt-BR" sz="1600" b="1" dirty="0"/>
+              <a:t>Mercado Mendes</a:t>
+            </a:r>
+            <a:r>
+              <a:rPr lang="pt-BR" sz="1600" dirty="0"/>
+              <a:t> decidiu digitalizar suas operações para bater de frente com os grandes do mercado. Eles precisam de um sistema robusto para gerenciar produtos, unidades físicas, clientes e logística de entrega.</a:t>
+            </a:r>
+          </a:p>
+          <a:p>
+            <a:pPr lvl="0" eaLnBrk="0" fontAlgn="base" hangingPunct="0">
+              <a:spcBef>
+                <a:spcPct val="0"/>
+              </a:spcBef>
+              <a:spcAft>
+                <a:spcPct val="0"/>
+              </a:spcAft>
+            </a:pPr>
+            <a:endParaRPr lang="pt-BR" sz="1600" dirty="0"/>
+          </a:p>
+          <a:p>
+            <a:pPr lvl="0" eaLnBrk="0" fontAlgn="base" hangingPunct="0">
+              <a:spcBef>
+                <a:spcPct val="0"/>
+              </a:spcBef>
+              <a:spcAft>
+                <a:spcPct val="0"/>
+              </a:spcAft>
+            </a:pPr>
+            <a:r>
+              <a:rPr lang="pt-BR" sz="1600" dirty="0"/>
+              <a:t>3. Clientes:</a:t>
+            </a:r>
+          </a:p>
+          <a:p>
+            <a:pPr lvl="0" eaLnBrk="0" fontAlgn="base" hangingPunct="0">
+              <a:spcBef>
+                <a:spcPct val="0"/>
+              </a:spcBef>
+              <a:spcAft>
+                <a:spcPct val="0"/>
+              </a:spcAft>
+            </a:pPr>
+            <a:endParaRPr lang="pt-BR" sz="1600" dirty="0"/>
+          </a:p>
+          <a:p>
+            <a:pPr marL="285750" lvl="0" indent="-285750" eaLnBrk="0" fontAlgn="base" hangingPunct="0">
+              <a:spcBef>
+                <a:spcPct val="0"/>
+              </a:spcBef>
+              <a:spcAft>
+                <a:spcPct val="0"/>
+              </a:spcAft>
+              <a:buFont typeface="Arial" panose="020B0604020202020204" pitchFamily="34" charset="0"/>
+              <a:buChar char="•"/>
+            </a:pPr>
+            <a:r>
+              <a:rPr lang="pt-BR" sz="1600" dirty="0"/>
+              <a:t>CPF;</a:t>
+            </a:r>
+          </a:p>
+          <a:p>
+            <a:pPr marL="285750" lvl="0" indent="-285750" eaLnBrk="0" fontAlgn="base" hangingPunct="0">
+              <a:spcBef>
+                <a:spcPct val="0"/>
+              </a:spcBef>
+              <a:spcAft>
+                <a:spcPct val="0"/>
+              </a:spcAft>
+              <a:buFont typeface="Arial" panose="020B0604020202020204" pitchFamily="34" charset="0"/>
+              <a:buChar char="•"/>
+            </a:pPr>
+            <a:r>
+              <a:rPr lang="pt-BR" sz="1600" dirty="0"/>
+              <a:t>Nome Completo;</a:t>
+            </a:r>
+          </a:p>
+          <a:p>
+            <a:pPr marL="285750" lvl="0" indent="-285750" eaLnBrk="0" fontAlgn="base" hangingPunct="0">
+              <a:spcBef>
+                <a:spcPct val="0"/>
+              </a:spcBef>
+              <a:spcAft>
+                <a:spcPct val="0"/>
+              </a:spcAft>
+              <a:buFont typeface="Arial" panose="020B0604020202020204" pitchFamily="34" charset="0"/>
+              <a:buChar char="•"/>
+            </a:pPr>
+            <a:r>
+              <a:rPr lang="pt-BR" sz="1600" dirty="0"/>
+              <a:t>Região de Residência;</a:t>
+            </a:r>
+          </a:p>
+          <a:p>
+            <a:pPr marL="285750" lvl="0" indent="-285750" eaLnBrk="0" fontAlgn="base" hangingPunct="0">
+              <a:spcBef>
+                <a:spcPct val="0"/>
+              </a:spcBef>
+              <a:spcAft>
+                <a:spcPct val="0"/>
+              </a:spcAft>
+              <a:buFont typeface="Arial" panose="020B0604020202020204" pitchFamily="34" charset="0"/>
+              <a:buChar char="•"/>
+            </a:pPr>
+            <a:r>
+              <a:rPr lang="pt-BR" sz="1600" dirty="0"/>
+              <a:t>E-mail de contato (notificação de ofertas);</a:t>
+            </a:r>
+          </a:p>
+          <a:p>
+            <a:pPr marL="285750" lvl="0" indent="-285750" eaLnBrk="0" fontAlgn="base" hangingPunct="0">
+              <a:spcBef>
+                <a:spcPct val="0"/>
+              </a:spcBef>
+              <a:spcAft>
+                <a:spcPct val="0"/>
+              </a:spcAft>
+              <a:buFont typeface="Arial" panose="020B0604020202020204" pitchFamily="34" charset="0"/>
+              <a:buChar char="•"/>
+            </a:pPr>
+            <a:r>
+              <a:rPr lang="pt-BR" sz="1600" dirty="0"/>
+              <a:t>Nível de Fidelidade(1 a 10).</a:t>
+            </a:r>
+          </a:p>
+          <a:p>
+            <a:pPr marL="285750" lvl="0" indent="-285750" eaLnBrk="0" fontAlgn="base" hangingPunct="0">
+              <a:spcBef>
+                <a:spcPct val="0"/>
+              </a:spcBef>
+              <a:spcAft>
+                <a:spcPct val="0"/>
+              </a:spcAft>
+              <a:buFont typeface="Arial" panose="020B0604020202020204" pitchFamily="34" charset="0"/>
+              <a:buChar char="•"/>
+            </a:pPr>
+            <a:endParaRPr lang="pt-BR" sz="1600" dirty="0"/>
+          </a:p>
+          <a:p>
+            <a:pPr lvl="0" eaLnBrk="0" fontAlgn="base" hangingPunct="0">
+              <a:spcBef>
+                <a:spcPct val="0"/>
+              </a:spcBef>
+              <a:spcAft>
+                <a:spcPct val="0"/>
+              </a:spcAft>
+            </a:pPr>
+            <a:r>
+              <a:rPr lang="pt-BR" sz="1600" dirty="0"/>
+              <a:t>4. Compras:</a:t>
+            </a:r>
+          </a:p>
+          <a:p>
+            <a:pPr lvl="0" eaLnBrk="0" fontAlgn="base" hangingPunct="0">
+              <a:spcBef>
+                <a:spcPct val="0"/>
+              </a:spcBef>
+              <a:spcAft>
+                <a:spcPct val="0"/>
+              </a:spcAft>
+            </a:pPr>
+            <a:endParaRPr lang="pt-BR" sz="1600" dirty="0"/>
+          </a:p>
+          <a:p>
+            <a:pPr lvl="0" eaLnBrk="0" fontAlgn="base" hangingPunct="0">
+              <a:spcBef>
+                <a:spcPct val="0"/>
+              </a:spcBef>
+              <a:spcAft>
+                <a:spcPct val="0"/>
+              </a:spcAft>
+            </a:pPr>
+            <a:r>
+              <a:rPr lang="pt-BR" sz="1600" dirty="0"/>
+              <a:t>Um cliente pode realizar várias compras, assim como cada produto pode ser comprado por muitos clientes distintos.</a:t>
+            </a:r>
+          </a:p>
+          <a:p>
+            <a:pPr lvl="0" eaLnBrk="0" fontAlgn="base" hangingPunct="0">
+              <a:spcBef>
+                <a:spcPct val="0"/>
+              </a:spcBef>
+              <a:spcAft>
+                <a:spcPct val="0"/>
+              </a:spcAft>
+            </a:pPr>
+            <a:endParaRPr lang="pt-BR" sz="1600" dirty="0"/>
+          </a:p>
+          <a:p>
+            <a:pPr marL="285750" lvl="0" indent="-285750" eaLnBrk="0" fontAlgn="base" hangingPunct="0">
+              <a:spcBef>
+                <a:spcPct val="0"/>
+              </a:spcBef>
+              <a:spcAft>
+                <a:spcPct val="0"/>
+              </a:spcAft>
+              <a:buFont typeface="Arial" panose="020B0604020202020204" pitchFamily="34" charset="0"/>
+              <a:buChar char="•"/>
+            </a:pPr>
+            <a:r>
+              <a:rPr lang="pt-BR" sz="1600" dirty="0"/>
+              <a:t>Toda compra possui um valor total;</a:t>
+            </a:r>
+          </a:p>
+          <a:p>
+            <a:pPr marL="285750" lvl="0" indent="-285750" eaLnBrk="0" fontAlgn="base" hangingPunct="0">
+              <a:spcBef>
+                <a:spcPct val="0"/>
+              </a:spcBef>
+              <a:spcAft>
+                <a:spcPct val="0"/>
+              </a:spcAft>
+              <a:buFont typeface="Arial" panose="020B0604020202020204" pitchFamily="34" charset="0"/>
+              <a:buChar char="•"/>
+            </a:pPr>
+            <a:r>
+              <a:rPr lang="pt-BR" sz="1600" dirty="0"/>
+              <a:t>Tipo de Pagamento(Cartão, Pix, Dinheiro);</a:t>
+            </a:r>
+          </a:p>
+          <a:p>
+            <a:pPr marL="285750" lvl="0" indent="-285750" eaLnBrk="0" fontAlgn="base" hangingPunct="0">
+              <a:spcBef>
+                <a:spcPct val="0"/>
+              </a:spcBef>
+              <a:spcAft>
+                <a:spcPct val="0"/>
+              </a:spcAft>
+              <a:buFont typeface="Arial" panose="020B0604020202020204" pitchFamily="34" charset="0"/>
+              <a:buChar char="•"/>
+            </a:pPr>
+            <a:r>
+              <a:rPr lang="pt-BR" sz="1600" dirty="0"/>
+              <a:t>Código de Rastreamento Único do pedido.</a:t>
+            </a:r>
+          </a:p>
+          <a:p>
+            <a:pPr lvl="0" eaLnBrk="0" fontAlgn="base" hangingPunct="0">
+              <a:spcBef>
+                <a:spcPct val="0"/>
+              </a:spcBef>
+              <a:spcAft>
+                <a:spcPct val="0"/>
+              </a:spcAft>
+            </a:pPr>
+            <a:endParaRPr lang="pt-BR" sz="1600" dirty="0"/>
+          </a:p>
+          <a:p>
+            <a:pPr lvl="0" eaLnBrk="0" fontAlgn="base" hangingPunct="0">
+              <a:spcBef>
+                <a:spcPct val="0"/>
+              </a:spcBef>
+              <a:spcAft>
+                <a:spcPct val="0"/>
+              </a:spcAft>
+            </a:pPr>
+            <a:r>
+              <a:rPr lang="pt-BR" sz="1600" dirty="0"/>
+              <a:t>5. Logística (Entrega):</a:t>
+            </a:r>
+          </a:p>
+          <a:p>
+            <a:pPr lvl="0" eaLnBrk="0" fontAlgn="base" hangingPunct="0">
+              <a:spcBef>
+                <a:spcPct val="0"/>
+              </a:spcBef>
+              <a:spcAft>
+                <a:spcPct val="0"/>
+              </a:spcAft>
+            </a:pPr>
+            <a:endParaRPr lang="pt-BR" sz="1600" dirty="0"/>
+          </a:p>
+          <a:p>
+            <a:pPr marL="285750" lvl="0" indent="-285750" eaLnBrk="0" fontAlgn="base" hangingPunct="0">
+              <a:spcBef>
+                <a:spcPct val="0"/>
+              </a:spcBef>
+              <a:spcAft>
+                <a:spcPct val="0"/>
+              </a:spcAft>
+              <a:buFont typeface="Arial" panose="020B0604020202020204" pitchFamily="34" charset="0"/>
+              <a:buChar char="•"/>
+            </a:pPr>
+            <a:r>
+              <a:rPr lang="pt-BR" sz="1600" dirty="0"/>
+              <a:t>Código de Identificação Único da Transportadora</a:t>
+            </a:r>
+          </a:p>
+          <a:p>
+            <a:pPr marL="285750" lvl="0" indent="-285750" eaLnBrk="0" fontAlgn="base" hangingPunct="0">
+              <a:spcBef>
+                <a:spcPct val="0"/>
+              </a:spcBef>
+              <a:spcAft>
+                <a:spcPct val="0"/>
+              </a:spcAft>
+              <a:buFont typeface="Arial" panose="020B0604020202020204" pitchFamily="34" charset="0"/>
+              <a:buChar char="•"/>
+            </a:pPr>
+            <a:r>
+              <a:rPr lang="pt-BR" sz="1600" dirty="0"/>
+              <a:t>Prazo de Entrega (Data);</a:t>
+            </a:r>
+          </a:p>
+          <a:p>
+            <a:pPr marL="285750" lvl="0" indent="-285750" eaLnBrk="0" fontAlgn="base" hangingPunct="0">
+              <a:spcBef>
+                <a:spcPct val="0"/>
+              </a:spcBef>
+              <a:spcAft>
+                <a:spcPct val="0"/>
+              </a:spcAft>
+              <a:buFont typeface="Arial" panose="020B0604020202020204" pitchFamily="34" charset="0"/>
+              <a:buChar char="•"/>
+            </a:pPr>
+            <a:r>
+              <a:rPr lang="pt-BR" sz="1600" dirty="0"/>
+              <a:t>Valor do Frete Calculado (aceita centavos).</a:t>
+            </a:r>
+          </a:p>
+          <a:p>
+            <a:pPr marL="285750" lvl="0" indent="-285750" eaLnBrk="0" fontAlgn="base" hangingPunct="0">
+              <a:spcBef>
+                <a:spcPct val="0"/>
+              </a:spcBef>
+              <a:spcAft>
+                <a:spcPct val="0"/>
+              </a:spcAft>
+              <a:buFont typeface="Arial" panose="020B0604020202020204" pitchFamily="34" charset="0"/>
+              <a:buChar char="•"/>
+            </a:pPr>
+            <a:endParaRPr lang="pt-BR" sz="1600" dirty="0"/>
+          </a:p>
+        </p:txBody>
+      </p:sp>
+    </p:spTree>
+    <p:extLst>
+      <p:ext uri="{BB962C8B-B14F-4D97-AF65-F5344CB8AC3E}">
+        <p14:creationId xmlns:p14="http://schemas.microsoft.com/office/powerpoint/2010/main" val="1091971057"/>
+      </p:ext>
+    </p:extLst>
+  </p:cSld>
+  <p:clrMapOvr>
+    <a:masterClrMapping/>
+  </p:clrMapOvr>
+</p:sld>
+</file>
+
+<file path=ppt/slides/slide17.xml><?xml version="1.0" encoding="utf-8"?>
+<p:sld xmlns:a="http://schemas.openxmlformats.org/drawingml/2006/main" xmlns:r="http://schemas.openxmlformats.org/officeDocument/2006/relationships" xmlns:p="http://schemas.openxmlformats.org/presentationml/2006/main">
+  <p:cSld>
+    <p:spTree>
+      <p:nvGrpSpPr>
+        <p:cNvPr id="1" name="">
+          <a:extLst>
+            <a:ext uri="{FF2B5EF4-FFF2-40B4-BE49-F238E27FC236}">
+              <a16:creationId xmlns:a16="http://schemas.microsoft.com/office/drawing/2014/main" id="{64265D06-9466-1E93-95B2-6ED64631F028}"/>
+            </a:ext>
+          </a:extLst>
+        </p:cNvPr>
+        <p:cNvGrpSpPr/>
+        <p:nvPr/>
+      </p:nvGrpSpPr>
+      <p:grpSpPr>
+        <a:xfrm>
+          <a:off x="0" y="0"/>
+          <a:ext cx="0" cy="0"/>
+          <a:chOff x="0" y="0"/>
+          <a:chExt cx="0" cy="0"/>
+        </a:xfrm>
+      </p:grpSpPr>
+      <p:pic>
+        <p:nvPicPr>
+          <p:cNvPr id="5" name="Imagem 4">
+            <a:extLst>
+              <a:ext uri="{FF2B5EF4-FFF2-40B4-BE49-F238E27FC236}">
+                <a16:creationId xmlns:a16="http://schemas.microsoft.com/office/drawing/2014/main" id="{C956E436-977C-D3D6-7779-7A651B269AA5}"/>
+              </a:ext>
+            </a:extLst>
+          </p:cNvPr>
+          <p:cNvPicPr>
+            <a:picLocks noChangeAspect="1"/>
+          </p:cNvPicPr>
+          <p:nvPr/>
+        </p:nvPicPr>
+        <p:blipFill>
+          <a:blip r:embed="rId2">
+            <a:extLst>
+              <a:ext uri="{28A0092B-C50C-407E-A947-70E740481C1C}">
+                <a14:useLocalDpi xmlns:a14="http://schemas.microsoft.com/office/drawing/2010/main" val="0"/>
+              </a:ext>
+            </a:extLst>
+          </a:blip>
+          <a:stretch>
+            <a:fillRect/>
+          </a:stretch>
+        </p:blipFill>
+        <p:spPr>
+          <a:xfrm>
+            <a:off x="0" y="0"/>
+            <a:ext cx="12192000" cy="6858000"/>
+          </a:xfrm>
+          <a:prstGeom prst="rect">
+            <a:avLst/>
+          </a:prstGeom>
+        </p:spPr>
+      </p:pic>
+      <p:sp>
+        <p:nvSpPr>
+          <p:cNvPr id="3" name="Rectangle 1">
+            <a:extLst>
+              <a:ext uri="{FF2B5EF4-FFF2-40B4-BE49-F238E27FC236}">
+                <a16:creationId xmlns:a16="http://schemas.microsoft.com/office/drawing/2014/main" id="{6EE4C973-0C7D-2226-1C01-0ABA7B2CD01A}"/>
+              </a:ext>
+            </a:extLst>
+          </p:cNvPr>
+          <p:cNvSpPr>
+            <a:spLocks noChangeArrowheads="1"/>
+          </p:cNvSpPr>
+          <p:nvPr/>
+        </p:nvSpPr>
+        <p:spPr bwMode="auto">
+          <a:xfrm>
+            <a:off x="378070" y="85832"/>
+            <a:ext cx="11342076" cy="6494085"/>
+          </a:xfrm>
+          <a:prstGeom prst="rect">
+            <a:avLst/>
+          </a:prstGeom>
+          <a:noFill/>
+          <a:ln>
+            <a:noFill/>
+          </a:ln>
+          <a:effectLst/>
+          <a:extLst>
+            <a:ext uri="{909E8E84-426E-40DD-AFC4-6F175D3DCCD1}">
+              <a14:hiddenFill xmlns:a14="http://schemas.microsoft.com/office/drawing/2010/main">
+                <a:solidFill>
+                  <a:schemeClr val="accent1"/>
+                </a:solidFill>
+              </a14:hiddenFill>
+            </a:ext>
+            <a:ext uri="{91240B29-F687-4F45-9708-019B960494DF}">
+              <a14:hiddenLine xmlns:a14="http://schemas.microsoft.com/office/drawing/2010/main" w="9525">
+                <a:solidFill>
+                  <a:schemeClr val="tx1"/>
+                </a:solidFill>
+                <a:miter lim="800000"/>
+                <a:headEnd/>
+                <a:tailEnd/>
+              </a14:hiddenLine>
+            </a:ext>
+            <a:ext uri="{AF507438-7753-43E0-B8FC-AC1667EBCBE1}">
+              <a14:hiddenEffects xmlns:a14="http://schemas.microsoft.com/office/drawing/2010/main">
+                <a:effectLst>
+                  <a:outerShdw dist="35921" dir="2700000" algn="ctr" rotWithShape="0">
+                    <a:schemeClr val="bg2"/>
+                  </a:outerShdw>
+                </a:effectLst>
+              </a14:hiddenEffects>
+            </a:ext>
+          </a:extLst>
+        </p:spPr>
+        <p:txBody>
+          <a:bodyPr vert="horz" wrap="square" lIns="91440" tIns="45720" rIns="91440" bIns="45720" numCol="1" anchor="ctr" anchorCtr="0" compatLnSpc="1">
+            <a:prstTxWarp prst="textNoShape">
+              <a:avLst/>
+            </a:prstTxWarp>
+            <a:spAutoFit/>
+          </a:bodyPr>
+          <a:lstStyle/>
+          <a:p>
+            <a:pPr marL="0" marR="0" lvl="0" indent="0" algn="l" defTabSz="914400" rtl="0" eaLnBrk="0" fontAlgn="base" latinLnBrk="0" hangingPunct="0">
+              <a:lnSpc>
+                <a:spcPct val="100000"/>
+              </a:lnSpc>
+              <a:spcBef>
+                <a:spcPct val="0"/>
+              </a:spcBef>
+              <a:spcAft>
+                <a:spcPct val="0"/>
+              </a:spcAft>
+              <a:buClrTx/>
+              <a:buSzTx/>
+              <a:buFontTx/>
+              <a:buNone/>
+              <a:tabLst/>
+            </a:pPr>
+            <a:r>
+              <a:rPr kumimoji="0" lang="pt-BR" altLang="pt-BR" sz="1600" b="1" i="0" u="none" strike="noStrike" cap="none" normalizeH="0" baseline="0" dirty="0">
+                <a:ln>
+                  <a:noFill/>
+                </a:ln>
+                <a:solidFill>
+                  <a:schemeClr val="tx1"/>
+                </a:solidFill>
+                <a:effectLst/>
+                <a:latin typeface="Arial" panose="020B0604020202020204" pitchFamily="34" charset="0"/>
+              </a:rPr>
+              <a:t>Exercício</a:t>
+            </a:r>
+          </a:p>
+          <a:p>
+            <a:pPr lvl="0" eaLnBrk="0" fontAlgn="base" hangingPunct="0">
+              <a:spcBef>
+                <a:spcPct val="0"/>
+              </a:spcBef>
+              <a:spcAft>
+                <a:spcPct val="0"/>
+              </a:spcAft>
+            </a:pPr>
+            <a:r>
+              <a:rPr lang="pt-BR" sz="1600" dirty="0"/>
+              <a:t>No competitivo setor do varejo, a rede </a:t>
+            </a:r>
+            <a:r>
+              <a:rPr lang="pt-BR" sz="1600" b="1" dirty="0"/>
+              <a:t>Mercado Mendes</a:t>
+            </a:r>
+            <a:r>
+              <a:rPr lang="pt-BR" sz="1600" dirty="0"/>
+              <a:t> decidiu digitalizar suas operações para bater de frente com os grandes do mercado. Eles precisam de um sistema robusto para gerenciar produtos, unidades físicas, clientes e logística de entrega.</a:t>
+            </a:r>
+          </a:p>
+          <a:p>
+            <a:pPr lvl="0" eaLnBrk="0" fontAlgn="base" hangingPunct="0">
+              <a:spcBef>
+                <a:spcPct val="0"/>
+              </a:spcBef>
+              <a:spcAft>
+                <a:spcPct val="0"/>
+              </a:spcAft>
+            </a:pPr>
+            <a:endParaRPr lang="pt-BR" sz="1600" dirty="0"/>
+          </a:p>
+          <a:p>
+            <a:pPr eaLnBrk="0" fontAlgn="base" hangingPunct="0">
+              <a:spcBef>
+                <a:spcPct val="0"/>
+              </a:spcBef>
+              <a:spcAft>
+                <a:spcPct val="0"/>
+              </a:spcAft>
+            </a:pPr>
+            <a:r>
+              <a:rPr lang="pt-BR" sz="1600" dirty="0"/>
+              <a:t>Um único serviço de logística é responsável por despachar todas as compras da rede, e cada compra é entregue exclusivamente por este serviço.</a:t>
+            </a:r>
+          </a:p>
+          <a:p>
+            <a:pPr lvl="0" eaLnBrk="0" fontAlgn="base" hangingPunct="0">
+              <a:spcBef>
+                <a:spcPct val="0"/>
+              </a:spcBef>
+              <a:spcAft>
+                <a:spcPct val="0"/>
+              </a:spcAft>
+            </a:pPr>
+            <a:endParaRPr lang="pt-BR" sz="1600" dirty="0"/>
+          </a:p>
+          <a:p>
+            <a:pPr lvl="0" eaLnBrk="0" fontAlgn="base" hangingPunct="0">
+              <a:spcBef>
+                <a:spcPct val="0"/>
+              </a:spcBef>
+              <a:spcAft>
+                <a:spcPct val="0"/>
+              </a:spcAft>
+            </a:pPr>
+            <a:r>
+              <a:rPr lang="pt-BR" sz="1600" dirty="0"/>
+              <a:t>6. Avaliações dos Clientes:</a:t>
+            </a:r>
+          </a:p>
+          <a:p>
+            <a:pPr lvl="0" eaLnBrk="0" fontAlgn="base" hangingPunct="0">
+              <a:spcBef>
+                <a:spcPct val="0"/>
+              </a:spcBef>
+              <a:spcAft>
+                <a:spcPct val="0"/>
+              </a:spcAft>
+            </a:pPr>
+            <a:r>
+              <a:rPr lang="pt-BR" sz="1600" dirty="0"/>
+              <a:t>Após receber a compra, um cliente pode avaliar os produtos recebidos.</a:t>
+            </a:r>
+          </a:p>
+          <a:p>
+            <a:pPr marL="285750" lvl="0" indent="-285750" eaLnBrk="0" fontAlgn="base" hangingPunct="0">
+              <a:spcBef>
+                <a:spcPct val="0"/>
+              </a:spcBef>
+              <a:spcAft>
+                <a:spcPct val="0"/>
+              </a:spcAft>
+              <a:buFont typeface="Arial" panose="020B0604020202020204" pitchFamily="34" charset="0"/>
+              <a:buChar char="•"/>
+            </a:pPr>
+            <a:r>
+              <a:rPr lang="pt-BR" sz="1600" dirty="0"/>
+              <a:t>Toda avaliação feita deve possuir uma nota de uma a cinco estrelas;</a:t>
+            </a:r>
+          </a:p>
+          <a:p>
+            <a:pPr marL="285750" lvl="0" indent="-285750" eaLnBrk="0" fontAlgn="base" hangingPunct="0">
+              <a:spcBef>
+                <a:spcPct val="0"/>
+              </a:spcBef>
+              <a:spcAft>
+                <a:spcPct val="0"/>
+              </a:spcAft>
+              <a:buFont typeface="Arial" panose="020B0604020202020204" pitchFamily="34" charset="0"/>
+              <a:buChar char="•"/>
+            </a:pPr>
+            <a:r>
+              <a:rPr lang="pt-BR" sz="1600" dirty="0"/>
+              <a:t>O cliente tem a opção de escrever um comentário/feedback sobre a qualidade do produto.</a:t>
+            </a:r>
+          </a:p>
+          <a:p>
+            <a:pPr marL="285750" lvl="0" indent="-285750" eaLnBrk="0" fontAlgn="base" hangingPunct="0">
+              <a:spcBef>
+                <a:spcPct val="0"/>
+              </a:spcBef>
+              <a:spcAft>
+                <a:spcPct val="0"/>
+              </a:spcAft>
+              <a:buFont typeface="Arial" panose="020B0604020202020204" pitchFamily="34" charset="0"/>
+              <a:buChar char="•"/>
+            </a:pPr>
+            <a:endParaRPr lang="pt-BR" sz="1600" dirty="0"/>
+          </a:p>
+          <a:p>
+            <a:pPr marL="285750" lvl="0" indent="-285750" eaLnBrk="0" fontAlgn="base" hangingPunct="0">
+              <a:spcBef>
+                <a:spcPct val="0"/>
+              </a:spcBef>
+              <a:spcAft>
+                <a:spcPct val="0"/>
+              </a:spcAft>
+              <a:buFont typeface="Arial" panose="020B0604020202020204" pitchFamily="34" charset="0"/>
+              <a:buChar char="•"/>
+            </a:pPr>
+            <a:endParaRPr lang="pt-BR" sz="1600" dirty="0"/>
+          </a:p>
+          <a:p>
+            <a:pPr marL="285750" lvl="0" indent="-285750" eaLnBrk="0" fontAlgn="base" hangingPunct="0">
+              <a:spcBef>
+                <a:spcPct val="0"/>
+              </a:spcBef>
+              <a:spcAft>
+                <a:spcPct val="0"/>
+              </a:spcAft>
+              <a:buFont typeface="Arial" panose="020B0604020202020204" pitchFamily="34" charset="0"/>
+              <a:buChar char="•"/>
+            </a:pPr>
+            <a:endParaRPr lang="pt-BR" sz="1600" dirty="0"/>
+          </a:p>
+          <a:p>
+            <a:pPr marL="285750" lvl="0" indent="-285750" eaLnBrk="0" fontAlgn="base" hangingPunct="0">
+              <a:spcBef>
+                <a:spcPct val="0"/>
+              </a:spcBef>
+              <a:spcAft>
+                <a:spcPct val="0"/>
+              </a:spcAft>
+              <a:buFont typeface="Arial" panose="020B0604020202020204" pitchFamily="34" charset="0"/>
+              <a:buChar char="•"/>
+            </a:pPr>
+            <a:endParaRPr lang="pt-BR" sz="1600" dirty="0"/>
+          </a:p>
+          <a:p>
+            <a:pPr lvl="0" eaLnBrk="0" fontAlgn="base" hangingPunct="0">
+              <a:spcBef>
+                <a:spcPct val="0"/>
+              </a:spcBef>
+              <a:spcAft>
+                <a:spcPct val="0"/>
+              </a:spcAft>
+            </a:pPr>
+            <a:endParaRPr lang="pt-BR" sz="1600" dirty="0"/>
+          </a:p>
+          <a:p>
+            <a:pPr marL="285750" lvl="0" indent="-285750" eaLnBrk="0" fontAlgn="base" hangingPunct="0">
+              <a:spcBef>
+                <a:spcPct val="0"/>
+              </a:spcBef>
+              <a:spcAft>
+                <a:spcPct val="0"/>
+              </a:spcAft>
+              <a:buFont typeface="Arial" panose="020B0604020202020204" pitchFamily="34" charset="0"/>
+              <a:buChar char="•"/>
+            </a:pPr>
+            <a:endParaRPr lang="pt-BR" sz="1600" dirty="0"/>
+          </a:p>
+          <a:p>
+            <a:pPr marL="285750" lvl="0" indent="-285750" eaLnBrk="0" fontAlgn="base" hangingPunct="0">
+              <a:spcBef>
+                <a:spcPct val="0"/>
+              </a:spcBef>
+              <a:spcAft>
+                <a:spcPct val="0"/>
+              </a:spcAft>
+              <a:buFont typeface="Arial" panose="020B0604020202020204" pitchFamily="34" charset="0"/>
+              <a:buChar char="•"/>
+            </a:pPr>
+            <a:endParaRPr lang="pt-BR" sz="1600" dirty="0"/>
+          </a:p>
+          <a:p>
+            <a:pPr marL="285750" lvl="0" indent="-285750" eaLnBrk="0" fontAlgn="base" hangingPunct="0">
+              <a:spcBef>
+                <a:spcPct val="0"/>
+              </a:spcBef>
+              <a:spcAft>
+                <a:spcPct val="0"/>
+              </a:spcAft>
+              <a:buFont typeface="Arial" panose="020B0604020202020204" pitchFamily="34" charset="0"/>
+              <a:buChar char="•"/>
+            </a:pPr>
+            <a:endParaRPr lang="pt-BR" sz="1600" dirty="0"/>
+          </a:p>
+          <a:p>
+            <a:pPr marL="285750" lvl="0" indent="-285750" eaLnBrk="0" fontAlgn="base" hangingPunct="0">
+              <a:spcBef>
+                <a:spcPct val="0"/>
+              </a:spcBef>
+              <a:spcAft>
+                <a:spcPct val="0"/>
+              </a:spcAft>
+              <a:buFont typeface="Arial" panose="020B0604020202020204" pitchFamily="34" charset="0"/>
+              <a:buChar char="•"/>
+            </a:pPr>
+            <a:endParaRPr lang="pt-BR" sz="1600" dirty="0"/>
+          </a:p>
+          <a:p>
+            <a:pPr marL="285750" lvl="0" indent="-285750" eaLnBrk="0" fontAlgn="base" hangingPunct="0">
+              <a:spcBef>
+                <a:spcPct val="0"/>
+              </a:spcBef>
+              <a:spcAft>
+                <a:spcPct val="0"/>
+              </a:spcAft>
+              <a:buFont typeface="Arial" panose="020B0604020202020204" pitchFamily="34" charset="0"/>
+              <a:buChar char="•"/>
+            </a:pPr>
+            <a:endParaRPr lang="pt-BR" sz="1600" dirty="0"/>
+          </a:p>
+          <a:p>
+            <a:pPr marL="285750" lvl="0" indent="-285750" eaLnBrk="0" fontAlgn="base" hangingPunct="0">
+              <a:spcBef>
+                <a:spcPct val="0"/>
+              </a:spcBef>
+              <a:spcAft>
+                <a:spcPct val="0"/>
+              </a:spcAft>
+              <a:buFont typeface="Arial" panose="020B0604020202020204" pitchFamily="34" charset="0"/>
+              <a:buChar char="•"/>
+            </a:pPr>
+            <a:endParaRPr lang="pt-BR" sz="1600" dirty="0"/>
+          </a:p>
+          <a:p>
+            <a:pPr marL="285750" lvl="0" indent="-285750" eaLnBrk="0" fontAlgn="base" hangingPunct="0">
+              <a:spcBef>
+                <a:spcPct val="0"/>
+              </a:spcBef>
+              <a:spcAft>
+                <a:spcPct val="0"/>
+              </a:spcAft>
+              <a:buFont typeface="Arial" panose="020B0604020202020204" pitchFamily="34" charset="0"/>
+              <a:buChar char="•"/>
+            </a:pPr>
+            <a:endParaRPr lang="pt-BR" sz="1600" dirty="0"/>
+          </a:p>
+          <a:p>
+            <a:pPr marL="285750" lvl="0" indent="-285750" eaLnBrk="0" fontAlgn="base" hangingPunct="0">
+              <a:spcBef>
+                <a:spcPct val="0"/>
+              </a:spcBef>
+              <a:spcAft>
+                <a:spcPct val="0"/>
+              </a:spcAft>
+              <a:buFont typeface="Arial" panose="020B0604020202020204" pitchFamily="34" charset="0"/>
+              <a:buChar char="•"/>
+            </a:pPr>
+            <a:endParaRPr lang="pt-BR" sz="1600" dirty="0"/>
+          </a:p>
+          <a:p>
+            <a:pPr marL="285750" lvl="0" indent="-285750" eaLnBrk="0" fontAlgn="base" hangingPunct="0">
+              <a:spcBef>
+                <a:spcPct val="0"/>
+              </a:spcBef>
+              <a:spcAft>
+                <a:spcPct val="0"/>
+              </a:spcAft>
+              <a:buFont typeface="Arial" panose="020B0604020202020204" pitchFamily="34" charset="0"/>
+              <a:buChar char="•"/>
+            </a:pPr>
+            <a:endParaRPr lang="pt-BR" sz="1600" dirty="0"/>
+          </a:p>
+          <a:p>
+            <a:pPr lvl="0" eaLnBrk="0" fontAlgn="base" hangingPunct="0">
+              <a:spcBef>
+                <a:spcPct val="0"/>
+              </a:spcBef>
+              <a:spcAft>
+                <a:spcPct val="0"/>
+              </a:spcAft>
+            </a:pPr>
+            <a:endParaRPr kumimoji="0" lang="pt-BR" altLang="pt-BR" sz="1600" b="0" i="0" u="none" strike="noStrike" cap="none" normalizeH="0" baseline="0" dirty="0">
+              <a:ln>
+                <a:noFill/>
+              </a:ln>
+              <a:solidFill>
+                <a:schemeClr val="tx1"/>
+              </a:solidFill>
+              <a:effectLst/>
+              <a:latin typeface="Arial" panose="020B0604020202020204" pitchFamily="34" charset="0"/>
+            </a:endParaRPr>
+          </a:p>
+        </p:txBody>
+      </p:sp>
+    </p:spTree>
+    <p:extLst>
+      <p:ext uri="{BB962C8B-B14F-4D97-AF65-F5344CB8AC3E}">
+        <p14:creationId xmlns:p14="http://schemas.microsoft.com/office/powerpoint/2010/main" val="1466276916"/>
+      </p:ext>
+    </p:extLst>
+  </p:cSld>
+  <p:clrMapOvr>
+    <a:masterClrMapping/>
+  </p:clrMapOvr>
+</p:sld>
+</file>
+
+<file path=ppt/slides/slide18.xml><?xml version="1.0" encoding="utf-8"?>
+<p:sld xmlns:a="http://schemas.openxmlformats.org/drawingml/2006/main" xmlns:r="http://schemas.openxmlformats.org/officeDocument/2006/relationships" xmlns:p="http://schemas.openxmlformats.org/presentationml/2006/main">
+  <p:cSld>
+    <p:spTree>
+      <p:nvGrpSpPr>
+        <p:cNvPr id="1" name="">
+          <a:extLst>
+            <a:ext uri="{FF2B5EF4-FFF2-40B4-BE49-F238E27FC236}">
+              <a16:creationId xmlns:a16="http://schemas.microsoft.com/office/drawing/2014/main" id="{A9F73D6E-FC32-50DA-1CBC-9FDC465B155C}"/>
+            </a:ext>
+          </a:extLst>
+        </p:cNvPr>
+        <p:cNvGrpSpPr/>
+        <p:nvPr/>
+      </p:nvGrpSpPr>
+      <p:grpSpPr>
+        <a:xfrm>
+          <a:off x="0" y="0"/>
+          <a:ext cx="0" cy="0"/>
+          <a:chOff x="0" y="0"/>
+          <a:chExt cx="0" cy="0"/>
+        </a:xfrm>
+      </p:grpSpPr>
+      <p:sp>
+        <p:nvSpPr>
+          <p:cNvPr id="2" name="Título 1">
+            <a:extLst>
+              <a:ext uri="{FF2B5EF4-FFF2-40B4-BE49-F238E27FC236}">
+                <a16:creationId xmlns:a16="http://schemas.microsoft.com/office/drawing/2014/main" id="{7D33F163-C736-9349-5711-22D353FEFD1A}"/>
+              </a:ext>
+            </a:extLst>
+          </p:cNvPr>
+          <p:cNvSpPr>
+            <a:spLocks noGrp="1"/>
+          </p:cNvSpPr>
+          <p:nvPr>
+            <p:ph type="title"/>
+          </p:nvPr>
+        </p:nvSpPr>
+        <p:spPr/>
+        <p:txBody>
+          <a:bodyPr/>
+          <a:lstStyle/>
+          <a:p>
+            <a:endParaRPr lang="pt-BR"/>
+          </a:p>
+        </p:txBody>
+      </p:sp>
+      <p:sp>
+        <p:nvSpPr>
+          <p:cNvPr id="3" name="Espaço Reservado para Conteúdo 2">
+            <a:extLst>
+              <a:ext uri="{FF2B5EF4-FFF2-40B4-BE49-F238E27FC236}">
+                <a16:creationId xmlns:a16="http://schemas.microsoft.com/office/drawing/2014/main" id="{13625611-E7FA-1D72-494A-0AFBC3CF9FB2}"/>
+              </a:ext>
+            </a:extLst>
+          </p:cNvPr>
+          <p:cNvSpPr>
+            <a:spLocks noGrp="1"/>
+          </p:cNvSpPr>
+          <p:nvPr>
+            <p:ph idx="1"/>
+          </p:nvPr>
+        </p:nvSpPr>
+        <p:spPr/>
+        <p:txBody>
+          <a:bodyPr/>
+          <a:lstStyle/>
+          <a:p>
+            <a:endParaRPr lang="pt-BR"/>
+          </a:p>
+        </p:txBody>
+      </p:sp>
+      <p:pic>
+        <p:nvPicPr>
+          <p:cNvPr id="4" name="Imagem 3">
+            <a:extLst>
+              <a:ext uri="{FF2B5EF4-FFF2-40B4-BE49-F238E27FC236}">
+                <a16:creationId xmlns:a16="http://schemas.microsoft.com/office/drawing/2014/main" id="{743371B3-3339-12F0-DD89-453EBF0A0ED8}"/>
+              </a:ext>
+            </a:extLst>
+          </p:cNvPr>
+          <p:cNvPicPr>
+            <a:picLocks noChangeAspect="1"/>
+          </p:cNvPicPr>
+          <p:nvPr/>
+        </p:nvPicPr>
+        <p:blipFill>
+          <a:blip r:embed="rId2">
+            <a:extLst>
+              <a:ext uri="{28A0092B-C50C-407E-A947-70E740481C1C}">
+                <a14:useLocalDpi xmlns:a14="http://schemas.microsoft.com/office/drawing/2010/main" val="0"/>
+              </a:ext>
+            </a:extLst>
+          </a:blip>
+          <a:stretch>
+            <a:fillRect/>
+          </a:stretch>
+        </p:blipFill>
+        <p:spPr>
+          <a:xfrm>
+            <a:off x="0" y="0"/>
+            <a:ext cx="12192000" cy="6858000"/>
+          </a:xfrm>
+          <a:prstGeom prst="rect">
+            <a:avLst/>
+          </a:prstGeom>
+        </p:spPr>
+      </p:pic>
+      <p:sp>
+        <p:nvSpPr>
+          <p:cNvPr id="5" name="CaixaDeTexto 4">
+            <a:extLst>
+              <a:ext uri="{FF2B5EF4-FFF2-40B4-BE49-F238E27FC236}">
+                <a16:creationId xmlns:a16="http://schemas.microsoft.com/office/drawing/2014/main" id="{C30338DA-9061-D8D4-B5A5-66A14A047FD4}"/>
+              </a:ext>
+            </a:extLst>
+          </p:cNvPr>
+          <p:cNvSpPr txBox="1"/>
+          <p:nvPr/>
+        </p:nvSpPr>
+        <p:spPr>
+          <a:xfrm>
+            <a:off x="3924300" y="2413337"/>
+            <a:ext cx="4343400" cy="1938992"/>
+          </a:xfrm>
+          <a:prstGeom prst="rect">
+            <a:avLst/>
+          </a:prstGeom>
+          <a:noFill/>
+        </p:spPr>
+        <p:txBody>
+          <a:bodyPr wrap="square" rtlCol="0">
+            <a:spAutoFit/>
+          </a:bodyPr>
+          <a:lstStyle/>
+          <a:p>
+            <a:pPr algn="ctr"/>
+            <a:r>
+              <a:rPr lang="en-US" sz="6000" dirty="0">
+                <a:solidFill>
+                  <a:schemeClr val="accent5">
+                    <a:lumMod val="75000"/>
+                  </a:schemeClr>
+                </a:solidFill>
+              </a:rPr>
+              <a:t>AULA CONCLUÍDA!</a:t>
+            </a:r>
+            <a:endParaRPr lang="pt-BR" sz="6000" dirty="0">
+              <a:solidFill>
+                <a:schemeClr val="accent5">
+                  <a:lumMod val="75000"/>
+                </a:schemeClr>
+              </a:solidFill>
+            </a:endParaRPr>
+          </a:p>
+        </p:txBody>
+      </p:sp>
+    </p:spTree>
+    <p:extLst>
+      <p:ext uri="{BB962C8B-B14F-4D97-AF65-F5344CB8AC3E}">
+        <p14:creationId xmlns:p14="http://schemas.microsoft.com/office/powerpoint/2010/main" val="3532846639"/>
+      </p:ext>
+    </p:extLst>
+  </p:cSld>
+  <p:clrMapOvr>
+    <a:masterClrMapping/>
+  </p:clrMapOvr>
+</p:sld>
+</file>
+
+<file path=ppt/slides/slide2.xml><?xml version="1.0" encoding="utf-8"?>
+<p:sld xmlns:a="http://schemas.openxmlformats.org/drawingml/2006/main" xmlns:r="http://schemas.openxmlformats.org/officeDocument/2006/relationships" xmlns:p="http://schemas.openxmlformats.org/presentationml/2006/main">
+  <p:cSld>
+    <p:spTree>
+      <p:nvGrpSpPr>
+        <p:cNvPr id="1" name="">
+          <a:extLst>
+            <a:ext uri="{FF2B5EF4-FFF2-40B4-BE49-F238E27FC236}">
+              <a16:creationId xmlns:a16="http://schemas.microsoft.com/office/drawing/2014/main" id="{934F8D7A-1642-EB06-BDDB-8B60A5E42751}"/>
+            </a:ext>
+          </a:extLst>
+        </p:cNvPr>
+        <p:cNvGrpSpPr/>
+        <p:nvPr/>
+      </p:nvGrpSpPr>
+      <p:grpSpPr>
+        <a:xfrm>
+          <a:off x="0" y="0"/>
+          <a:ext cx="0" cy="0"/>
+          <a:chOff x="0" y="0"/>
+          <a:chExt cx="0" cy="0"/>
+        </a:xfrm>
+      </p:grpSpPr>
+      <p:pic>
+        <p:nvPicPr>
+          <p:cNvPr id="5" name="Imagem 4">
+            <a:extLst>
+              <a:ext uri="{FF2B5EF4-FFF2-40B4-BE49-F238E27FC236}">
+                <a16:creationId xmlns:a16="http://schemas.microsoft.com/office/drawing/2014/main" id="{970FE71D-7DA1-A4C0-5066-914290DC9619}"/>
+              </a:ext>
+            </a:extLst>
+          </p:cNvPr>
+          <p:cNvPicPr>
+            <a:picLocks noChangeAspect="1"/>
+          </p:cNvPicPr>
+          <p:nvPr/>
+        </p:nvPicPr>
+        <p:blipFill>
+          <a:blip r:embed="rId2">
+            <a:extLst>
+              <a:ext uri="{28A0092B-C50C-407E-A947-70E740481C1C}">
+                <a14:useLocalDpi xmlns:a14="http://schemas.microsoft.com/office/drawing/2010/main" val="0"/>
+              </a:ext>
+            </a:extLst>
+          </a:blip>
+          <a:stretch>
+            <a:fillRect/>
+          </a:stretch>
+        </p:blipFill>
+        <p:spPr>
+          <a:xfrm>
+            <a:off x="0" y="0"/>
+            <a:ext cx="12192000" cy="6858000"/>
+          </a:xfrm>
+          <a:prstGeom prst="rect">
+            <a:avLst/>
+          </a:prstGeom>
+        </p:spPr>
+      </p:pic>
+      <p:sp>
+        <p:nvSpPr>
+          <p:cNvPr id="2" name="CaixaDeTexto 1">
+            <a:extLst>
+              <a:ext uri="{FF2B5EF4-FFF2-40B4-BE49-F238E27FC236}">
+                <a16:creationId xmlns:a16="http://schemas.microsoft.com/office/drawing/2014/main" id="{6CCE830C-6392-38AE-A9B0-95660C8D02BB}"/>
+              </a:ext>
+            </a:extLst>
+          </p:cNvPr>
+          <p:cNvSpPr txBox="1"/>
+          <p:nvPr/>
+        </p:nvSpPr>
+        <p:spPr>
+          <a:xfrm>
+            <a:off x="4279106" y="162426"/>
+            <a:ext cx="3176771" cy="646331"/>
+          </a:xfrm>
+          <a:prstGeom prst="rect">
+            <a:avLst/>
+          </a:prstGeom>
+          <a:noFill/>
+        </p:spPr>
+        <p:txBody>
+          <a:bodyPr wrap="square" rtlCol="0">
+            <a:spAutoFit/>
+          </a:bodyPr>
+          <a:lstStyle/>
+          <a:p>
+            <a:r>
+              <a:rPr lang="en-US" sz="3600" dirty="0" err="1"/>
+              <a:t>Criando</a:t>
+            </a:r>
+            <a:r>
+              <a:rPr lang="en-US" sz="3600" dirty="0"/>
+              <a:t> Models</a:t>
+            </a:r>
+            <a:endParaRPr lang="pt-BR" sz="3600" dirty="0"/>
+          </a:p>
+        </p:txBody>
+      </p:sp>
+      <p:pic>
+        <p:nvPicPr>
+          <p:cNvPr id="4" name="Imagem 3">
+            <a:extLst>
+              <a:ext uri="{FF2B5EF4-FFF2-40B4-BE49-F238E27FC236}">
+                <a16:creationId xmlns:a16="http://schemas.microsoft.com/office/drawing/2014/main" id="{45978079-0B6A-F01B-9C3A-D405CAD8BCA7}"/>
+              </a:ext>
+            </a:extLst>
+          </p:cNvPr>
+          <p:cNvPicPr>
+            <a:picLocks noChangeAspect="1"/>
+          </p:cNvPicPr>
+          <p:nvPr/>
+        </p:nvPicPr>
+        <p:blipFill>
+          <a:blip r:embed="rId3"/>
+          <a:stretch>
+            <a:fillRect/>
+          </a:stretch>
+        </p:blipFill>
+        <p:spPr>
+          <a:xfrm>
+            <a:off x="380202" y="1119583"/>
+            <a:ext cx="11431595" cy="4829849"/>
+          </a:xfrm>
+          <a:prstGeom prst="rect">
+            <a:avLst/>
+          </a:prstGeom>
+        </p:spPr>
+      </p:pic>
+      <p:sp>
+        <p:nvSpPr>
+          <p:cNvPr id="3" name="Seta: para Baixo 2">
+            <a:extLst>
+              <a:ext uri="{FF2B5EF4-FFF2-40B4-BE49-F238E27FC236}">
+                <a16:creationId xmlns:a16="http://schemas.microsoft.com/office/drawing/2014/main" id="{8363E0D4-DBBD-4DD5-B2DD-30DC528F2AFD}"/>
+              </a:ext>
+            </a:extLst>
+          </p:cNvPr>
+          <p:cNvSpPr/>
+          <p:nvPr/>
+        </p:nvSpPr>
+        <p:spPr>
+          <a:xfrm rot="10800000">
+            <a:off x="3938425" y="3411913"/>
+            <a:ext cx="484632" cy="978408"/>
+          </a:xfrm>
+          <a:prstGeom prst="downArrow">
+            <a:avLst/>
+          </a:prstGeom>
+          <a:solidFill>
+            <a:schemeClr val="accent6">
+              <a:alpha val="50000"/>
+            </a:schemeClr>
+          </a:solidFill>
+          <a:ln>
+            <a:noFill/>
+          </a:ln>
+        </p:spPr>
+        <p:style>
+          <a:lnRef idx="0">
+            <a:scrgbClr r="0" g="0" b="0"/>
+          </a:lnRef>
+          <a:fillRef idx="0">
+            <a:scrgbClr r="0" g="0" b="0"/>
+          </a:fillRef>
+          <a:effectRef idx="0">
+            <a:scrgbClr r="0" g="0" b="0"/>
+          </a:effectRef>
+          <a:fontRef idx="minor">
+            <a:schemeClr val="lt1"/>
+          </a:fontRef>
+        </p:style>
+        <p:txBody>
+          <a:bodyPr rtlCol="0" anchor="ctr"/>
+          <a:lstStyle/>
+          <a:p>
+            <a:pPr algn="ctr"/>
+            <a:endParaRPr lang="pt-BR" b="1">
+              <a:ln w="6600">
+                <a:solidFill>
+                  <a:schemeClr val="accent2"/>
+                </a:solidFill>
+                <a:prstDash val="solid"/>
+              </a:ln>
+              <a:solidFill>
+                <a:srgbClr val="FFFFFF"/>
+              </a:solidFill>
+              <a:effectLst>
+                <a:outerShdw dist="38100" dir="2700000" algn="tl" rotWithShape="0">
+                  <a:schemeClr val="accent2"/>
+                </a:outerShdw>
+              </a:effectLst>
+            </a:endParaRPr>
+          </a:p>
+        </p:txBody>
+      </p:sp>
+    </p:spTree>
+    <p:extLst>
+      <p:ext uri="{BB962C8B-B14F-4D97-AF65-F5344CB8AC3E}">
+        <p14:creationId xmlns:p14="http://schemas.microsoft.com/office/powerpoint/2010/main" val="1027495640"/>
+      </p:ext>
+    </p:extLst>
+  </p:cSld>
+  <p:clrMapOvr>
+    <a:masterClrMapping/>
+  </p:clrMapOvr>
+</p:sld>
+</file>
+
+<file path=ppt/slides/slide3.xml><?xml version="1.0" encoding="utf-8"?>
+<p:sld xmlns:a="http://schemas.openxmlformats.org/drawingml/2006/main" xmlns:r="http://schemas.openxmlformats.org/officeDocument/2006/relationships" xmlns:p="http://schemas.openxmlformats.org/presentationml/2006/main">
+  <p:cSld>
+    <p:spTree>
+      <p:nvGrpSpPr>
+        <p:cNvPr id="1" name="">
+          <a:extLst>
+            <a:ext uri="{FF2B5EF4-FFF2-40B4-BE49-F238E27FC236}">
+              <a16:creationId xmlns:a16="http://schemas.microsoft.com/office/drawing/2014/main" id="{E28391FF-8D9F-8F31-0DF4-6FFAA0DB4A93}"/>
+            </a:ext>
+          </a:extLst>
+        </p:cNvPr>
+        <p:cNvGrpSpPr/>
+        <p:nvPr/>
+      </p:nvGrpSpPr>
+      <p:grpSpPr>
+        <a:xfrm>
+          <a:off x="0" y="0"/>
+          <a:ext cx="0" cy="0"/>
+          <a:chOff x="0" y="0"/>
+          <a:chExt cx="0" cy="0"/>
+        </a:xfrm>
+      </p:grpSpPr>
+      <p:pic>
+        <p:nvPicPr>
+          <p:cNvPr id="5" name="Imagem 4">
+            <a:extLst>
+              <a:ext uri="{FF2B5EF4-FFF2-40B4-BE49-F238E27FC236}">
+                <a16:creationId xmlns:a16="http://schemas.microsoft.com/office/drawing/2014/main" id="{05D0FB5C-151B-24B2-EBEC-73887B8C374B}"/>
+              </a:ext>
+            </a:extLst>
+          </p:cNvPr>
+          <p:cNvPicPr>
+            <a:picLocks noChangeAspect="1"/>
+          </p:cNvPicPr>
+          <p:nvPr/>
+        </p:nvPicPr>
+        <p:blipFill>
+          <a:blip r:embed="rId2">
+            <a:extLst>
+              <a:ext uri="{28A0092B-C50C-407E-A947-70E740481C1C}">
+                <a14:useLocalDpi xmlns:a14="http://schemas.microsoft.com/office/drawing/2010/main" val="0"/>
+              </a:ext>
+            </a:extLst>
+          </a:blip>
+          <a:stretch>
+            <a:fillRect/>
+          </a:stretch>
+        </p:blipFill>
+        <p:spPr>
+          <a:xfrm>
+            <a:off x="0" y="0"/>
+            <a:ext cx="12192000" cy="6858000"/>
+          </a:xfrm>
+          <a:prstGeom prst="rect">
+            <a:avLst/>
+          </a:prstGeom>
+        </p:spPr>
+      </p:pic>
+      <p:sp>
+        <p:nvSpPr>
+          <p:cNvPr id="2" name="CaixaDeTexto 1">
+            <a:extLst>
+              <a:ext uri="{FF2B5EF4-FFF2-40B4-BE49-F238E27FC236}">
+                <a16:creationId xmlns:a16="http://schemas.microsoft.com/office/drawing/2014/main" id="{F01EBD84-9055-F213-8378-27D0A0308941}"/>
+              </a:ext>
+            </a:extLst>
+          </p:cNvPr>
+          <p:cNvSpPr txBox="1"/>
+          <p:nvPr/>
+        </p:nvSpPr>
+        <p:spPr>
+          <a:xfrm>
+            <a:off x="4279106" y="162426"/>
+            <a:ext cx="3176771" cy="646331"/>
+          </a:xfrm>
+          <a:prstGeom prst="rect">
+            <a:avLst/>
+          </a:prstGeom>
+          <a:noFill/>
+        </p:spPr>
+        <p:txBody>
+          <a:bodyPr wrap="square" rtlCol="0">
+            <a:spAutoFit/>
+          </a:bodyPr>
+          <a:lstStyle/>
+          <a:p>
+            <a:r>
+              <a:rPr lang="en-US" sz="3600" dirty="0" err="1"/>
+              <a:t>Criando</a:t>
+            </a:r>
+            <a:r>
+              <a:rPr lang="en-US" sz="3600" dirty="0"/>
+              <a:t> Models</a:t>
+            </a:r>
+            <a:endParaRPr lang="pt-BR" sz="3600" dirty="0"/>
+          </a:p>
+        </p:txBody>
+      </p:sp>
+      <p:pic>
+        <p:nvPicPr>
+          <p:cNvPr id="6" name="Imagem 5">
+            <a:extLst>
+              <a:ext uri="{FF2B5EF4-FFF2-40B4-BE49-F238E27FC236}">
+                <a16:creationId xmlns:a16="http://schemas.microsoft.com/office/drawing/2014/main" id="{75468AA0-5626-93A7-D117-11B2A85FC6D0}"/>
+              </a:ext>
+            </a:extLst>
+          </p:cNvPr>
+          <p:cNvPicPr>
+            <a:picLocks noChangeAspect="1"/>
+          </p:cNvPicPr>
+          <p:nvPr/>
+        </p:nvPicPr>
+        <p:blipFill>
+          <a:blip r:embed="rId3"/>
+          <a:stretch>
+            <a:fillRect/>
+          </a:stretch>
+        </p:blipFill>
+        <p:spPr>
+          <a:xfrm>
+            <a:off x="2332892" y="3158270"/>
+            <a:ext cx="7360310" cy="2653445"/>
+          </a:xfrm>
+          <a:prstGeom prst="rect">
+            <a:avLst/>
+          </a:prstGeom>
+        </p:spPr>
+      </p:pic>
+      <p:sp>
+        <p:nvSpPr>
+          <p:cNvPr id="7" name="CaixaDeTexto 6">
+            <a:extLst>
+              <a:ext uri="{FF2B5EF4-FFF2-40B4-BE49-F238E27FC236}">
+                <a16:creationId xmlns:a16="http://schemas.microsoft.com/office/drawing/2014/main" id="{E4468860-37F1-AFE7-8A4F-131916F2AEC4}"/>
+              </a:ext>
+            </a:extLst>
+          </p:cNvPr>
+          <p:cNvSpPr txBox="1"/>
+          <p:nvPr/>
+        </p:nvSpPr>
+        <p:spPr>
+          <a:xfrm>
+            <a:off x="2987473" y="1317525"/>
+            <a:ext cx="6217053" cy="523220"/>
+          </a:xfrm>
+          <a:prstGeom prst="rect">
+            <a:avLst/>
+          </a:prstGeom>
+          <a:noFill/>
+        </p:spPr>
+        <p:txBody>
+          <a:bodyPr wrap="square" rtlCol="0">
+            <a:spAutoFit/>
+          </a:bodyPr>
+          <a:lstStyle/>
+          <a:p>
+            <a:r>
+              <a:rPr lang="en-US" sz="2800" dirty="0"/>
+              <a:t>Basta </a:t>
+            </a:r>
+            <a:r>
+              <a:rPr lang="en-US" sz="2800" dirty="0" err="1"/>
+              <a:t>clicar</a:t>
+            </a:r>
+            <a:r>
+              <a:rPr lang="en-US" sz="2800" dirty="0"/>
+              <a:t> duas </a:t>
+            </a:r>
+            <a:r>
+              <a:rPr lang="en-US" sz="2800" dirty="0" err="1"/>
+              <a:t>vezes</a:t>
+            </a:r>
+            <a:r>
+              <a:rPr lang="en-US" sz="2800" dirty="0"/>
+              <a:t> </a:t>
+            </a:r>
+            <a:r>
+              <a:rPr lang="en-US" sz="2800" dirty="0" err="1"/>
+              <a:t>em</a:t>
+            </a:r>
+            <a:r>
+              <a:rPr lang="en-US" sz="2800" dirty="0"/>
+              <a:t> “Add Diagram”</a:t>
+            </a:r>
+            <a:endParaRPr lang="pt-BR" sz="2800" dirty="0"/>
+          </a:p>
+        </p:txBody>
+      </p:sp>
+      <p:sp>
+        <p:nvSpPr>
+          <p:cNvPr id="3" name="Seta: para Baixo 2">
+            <a:extLst>
+              <a:ext uri="{FF2B5EF4-FFF2-40B4-BE49-F238E27FC236}">
+                <a16:creationId xmlns:a16="http://schemas.microsoft.com/office/drawing/2014/main" id="{22DF98B3-652F-3B99-EB7B-B75D6D2F19BB}"/>
+              </a:ext>
+            </a:extLst>
+          </p:cNvPr>
+          <p:cNvSpPr/>
+          <p:nvPr/>
+        </p:nvSpPr>
+        <p:spPr>
+          <a:xfrm rot="5400000">
+            <a:off x="7702765" y="4674112"/>
+            <a:ext cx="484632" cy="978408"/>
+          </a:xfrm>
+          <a:prstGeom prst="downArrow">
+            <a:avLst/>
+          </a:prstGeom>
+          <a:solidFill>
+            <a:schemeClr val="accent6">
+              <a:alpha val="50000"/>
+            </a:schemeClr>
+          </a:solidFill>
+          <a:ln>
+            <a:noFill/>
+          </a:ln>
+        </p:spPr>
+        <p:style>
+          <a:lnRef idx="0">
+            <a:scrgbClr r="0" g="0" b="0"/>
+          </a:lnRef>
+          <a:fillRef idx="0">
+            <a:scrgbClr r="0" g="0" b="0"/>
+          </a:fillRef>
+          <a:effectRef idx="0">
+            <a:scrgbClr r="0" g="0" b="0"/>
+          </a:effectRef>
+          <a:fontRef idx="minor">
+            <a:schemeClr val="lt1"/>
+          </a:fontRef>
+        </p:style>
+        <p:txBody>
+          <a:bodyPr rtlCol="0" anchor="ctr"/>
+          <a:lstStyle/>
+          <a:p>
+            <a:pPr algn="ctr"/>
+            <a:endParaRPr lang="pt-BR" b="1">
+              <a:ln w="6600">
+                <a:solidFill>
+                  <a:schemeClr val="accent2"/>
+                </a:solidFill>
+                <a:prstDash val="solid"/>
+              </a:ln>
+              <a:solidFill>
+                <a:srgbClr val="FFFFFF"/>
+              </a:solidFill>
+              <a:effectLst>
+                <a:outerShdw dist="38100" dir="2700000" algn="tl" rotWithShape="0">
+                  <a:schemeClr val="accent2"/>
+                </a:outerShdw>
+              </a:effectLst>
+            </a:endParaRPr>
+          </a:p>
+        </p:txBody>
+      </p:sp>
+    </p:spTree>
+    <p:extLst>
+      <p:ext uri="{BB962C8B-B14F-4D97-AF65-F5344CB8AC3E}">
+        <p14:creationId xmlns:p14="http://schemas.microsoft.com/office/powerpoint/2010/main" val="3689559770"/>
+      </p:ext>
+    </p:extLst>
+  </p:cSld>
+  <p:clrMapOvr>
+    <a:masterClrMapping/>
+  </p:clrMapOvr>
+</p:sld>
+</file>
+
+<file path=ppt/slides/slide4.xml><?xml version="1.0" encoding="utf-8"?>
+<p:sld xmlns:a="http://schemas.openxmlformats.org/drawingml/2006/main" xmlns:r="http://schemas.openxmlformats.org/officeDocument/2006/relationships" xmlns:p="http://schemas.openxmlformats.org/presentationml/2006/main">
+  <p:cSld>
+    <p:spTree>
+      <p:nvGrpSpPr>
+        <p:cNvPr id="1" name="">
+          <a:extLst>
+            <a:ext uri="{FF2B5EF4-FFF2-40B4-BE49-F238E27FC236}">
+              <a16:creationId xmlns:a16="http://schemas.microsoft.com/office/drawing/2014/main" id="{CD223532-CEA2-0128-15E4-9827C4AB206D}"/>
+            </a:ext>
+          </a:extLst>
+        </p:cNvPr>
+        <p:cNvGrpSpPr/>
+        <p:nvPr/>
+      </p:nvGrpSpPr>
+      <p:grpSpPr>
+        <a:xfrm>
+          <a:off x="0" y="0"/>
+          <a:ext cx="0" cy="0"/>
+          <a:chOff x="0" y="0"/>
+          <a:chExt cx="0" cy="0"/>
+        </a:xfrm>
+      </p:grpSpPr>
+      <p:pic>
+        <p:nvPicPr>
+          <p:cNvPr id="5" name="Imagem 4">
+            <a:extLst>
+              <a:ext uri="{FF2B5EF4-FFF2-40B4-BE49-F238E27FC236}">
+                <a16:creationId xmlns:a16="http://schemas.microsoft.com/office/drawing/2014/main" id="{ED4BE225-DAD7-57AF-3D57-9462839767DF}"/>
+              </a:ext>
+            </a:extLst>
+          </p:cNvPr>
+          <p:cNvPicPr>
+            <a:picLocks noChangeAspect="1"/>
+          </p:cNvPicPr>
+          <p:nvPr/>
+        </p:nvPicPr>
+        <p:blipFill>
+          <a:blip r:embed="rId2">
+            <a:extLst>
+              <a:ext uri="{28A0092B-C50C-407E-A947-70E740481C1C}">
+                <a14:useLocalDpi xmlns:a14="http://schemas.microsoft.com/office/drawing/2010/main" val="0"/>
+              </a:ext>
+            </a:extLst>
+          </a:blip>
+          <a:stretch>
+            <a:fillRect/>
+          </a:stretch>
+        </p:blipFill>
+        <p:spPr>
+          <a:xfrm>
+            <a:off x="0" y="0"/>
+            <a:ext cx="12192000" cy="6858000"/>
+          </a:xfrm>
+          <a:prstGeom prst="rect">
+            <a:avLst/>
+          </a:prstGeom>
+        </p:spPr>
+      </p:pic>
+      <p:sp>
+        <p:nvSpPr>
+          <p:cNvPr id="2" name="CaixaDeTexto 1">
+            <a:extLst>
+              <a:ext uri="{FF2B5EF4-FFF2-40B4-BE49-F238E27FC236}">
+                <a16:creationId xmlns:a16="http://schemas.microsoft.com/office/drawing/2014/main" id="{FECE3A78-DACB-84EA-9079-0437F0310D3C}"/>
+              </a:ext>
+            </a:extLst>
+          </p:cNvPr>
+          <p:cNvSpPr txBox="1"/>
+          <p:nvPr/>
+        </p:nvSpPr>
+        <p:spPr>
+          <a:xfrm>
+            <a:off x="4279106" y="162426"/>
+            <a:ext cx="3176771" cy="646331"/>
+          </a:xfrm>
+          <a:prstGeom prst="rect">
+            <a:avLst/>
+          </a:prstGeom>
+          <a:noFill/>
+        </p:spPr>
+        <p:txBody>
+          <a:bodyPr wrap="square" rtlCol="0">
+            <a:spAutoFit/>
+          </a:bodyPr>
+          <a:lstStyle/>
+          <a:p>
+            <a:r>
+              <a:rPr lang="en-US" sz="3600" dirty="0" err="1"/>
+              <a:t>Criando</a:t>
+            </a:r>
+            <a:r>
+              <a:rPr lang="en-US" sz="3600" dirty="0"/>
+              <a:t> Models</a:t>
+            </a:r>
+            <a:endParaRPr lang="pt-BR" sz="3600" dirty="0"/>
+          </a:p>
+        </p:txBody>
+      </p:sp>
+      <p:pic>
+        <p:nvPicPr>
+          <p:cNvPr id="4" name="Imagem 3">
+            <a:extLst>
+              <a:ext uri="{FF2B5EF4-FFF2-40B4-BE49-F238E27FC236}">
+                <a16:creationId xmlns:a16="http://schemas.microsoft.com/office/drawing/2014/main" id="{4313C9DF-AABC-E648-6EFD-B98D207AF9F7}"/>
+              </a:ext>
+            </a:extLst>
+          </p:cNvPr>
+          <p:cNvPicPr>
+            <a:picLocks noChangeAspect="1"/>
+          </p:cNvPicPr>
+          <p:nvPr/>
+        </p:nvPicPr>
+        <p:blipFill>
+          <a:blip r:embed="rId3"/>
+          <a:stretch>
+            <a:fillRect/>
+          </a:stretch>
+        </p:blipFill>
+        <p:spPr>
+          <a:xfrm>
+            <a:off x="799361" y="1156970"/>
+            <a:ext cx="10593278" cy="4777838"/>
+          </a:xfrm>
+          <a:prstGeom prst="rect">
+            <a:avLst/>
+          </a:prstGeom>
+        </p:spPr>
+      </p:pic>
+    </p:spTree>
+    <p:extLst>
+      <p:ext uri="{BB962C8B-B14F-4D97-AF65-F5344CB8AC3E}">
+        <p14:creationId xmlns:p14="http://schemas.microsoft.com/office/powerpoint/2010/main" val="2655663410"/>
+      </p:ext>
+    </p:extLst>
+  </p:cSld>
+  <p:clrMapOvr>
+    <a:masterClrMapping/>
+  </p:clrMapOvr>
+</p:sld>
+</file>
+
+<file path=ppt/slides/slide5.xml><?xml version="1.0" encoding="utf-8"?>
+<p:sld xmlns:a="http://schemas.openxmlformats.org/drawingml/2006/main" xmlns:r="http://schemas.openxmlformats.org/officeDocument/2006/relationships" xmlns:p="http://schemas.openxmlformats.org/presentationml/2006/main">
+  <p:cSld>
+    <p:spTree>
+      <p:nvGrpSpPr>
+        <p:cNvPr id="1" name="">
+          <a:extLst>
+            <a:ext uri="{FF2B5EF4-FFF2-40B4-BE49-F238E27FC236}">
+              <a16:creationId xmlns:a16="http://schemas.microsoft.com/office/drawing/2014/main" id="{579E879A-11AD-0503-9B6C-A9C3078FA3CA}"/>
+            </a:ext>
+          </a:extLst>
+        </p:cNvPr>
+        <p:cNvGrpSpPr/>
+        <p:nvPr/>
+      </p:nvGrpSpPr>
+      <p:grpSpPr>
+        <a:xfrm>
+          <a:off x="0" y="0"/>
+          <a:ext cx="0" cy="0"/>
+          <a:chOff x="0" y="0"/>
+          <a:chExt cx="0" cy="0"/>
+        </a:xfrm>
+      </p:grpSpPr>
+      <p:pic>
+        <p:nvPicPr>
+          <p:cNvPr id="5" name="Imagem 4">
+            <a:extLst>
+              <a:ext uri="{FF2B5EF4-FFF2-40B4-BE49-F238E27FC236}">
+                <a16:creationId xmlns:a16="http://schemas.microsoft.com/office/drawing/2014/main" id="{848280F9-0022-CCAA-06B8-5C84FED028E8}"/>
+              </a:ext>
+            </a:extLst>
+          </p:cNvPr>
+          <p:cNvPicPr>
+            <a:picLocks noChangeAspect="1"/>
+          </p:cNvPicPr>
+          <p:nvPr/>
+        </p:nvPicPr>
+        <p:blipFill>
+          <a:blip r:embed="rId2">
+            <a:extLst>
+              <a:ext uri="{28A0092B-C50C-407E-A947-70E740481C1C}">
+                <a14:useLocalDpi xmlns:a14="http://schemas.microsoft.com/office/drawing/2010/main" val="0"/>
+              </a:ext>
+            </a:extLst>
+          </a:blip>
+          <a:stretch>
+            <a:fillRect/>
+          </a:stretch>
+        </p:blipFill>
+        <p:spPr>
+          <a:xfrm>
+            <a:off x="0" y="0"/>
+            <a:ext cx="12192000" cy="6858000"/>
+          </a:xfrm>
+          <a:prstGeom prst="rect">
+            <a:avLst/>
+          </a:prstGeom>
+        </p:spPr>
+      </p:pic>
+      <p:sp>
+        <p:nvSpPr>
+          <p:cNvPr id="2" name="CaixaDeTexto 1">
+            <a:extLst>
+              <a:ext uri="{FF2B5EF4-FFF2-40B4-BE49-F238E27FC236}">
+                <a16:creationId xmlns:a16="http://schemas.microsoft.com/office/drawing/2014/main" id="{8DADA21E-821B-06E1-C714-A62F16F1F7AA}"/>
+              </a:ext>
+            </a:extLst>
+          </p:cNvPr>
+          <p:cNvSpPr txBox="1"/>
+          <p:nvPr/>
+        </p:nvSpPr>
+        <p:spPr>
+          <a:xfrm>
+            <a:off x="4279106" y="162426"/>
+            <a:ext cx="3176771" cy="646331"/>
+          </a:xfrm>
+          <a:prstGeom prst="rect">
+            <a:avLst/>
+          </a:prstGeom>
+          <a:noFill/>
+        </p:spPr>
+        <p:txBody>
+          <a:bodyPr wrap="square" rtlCol="0">
+            <a:spAutoFit/>
+          </a:bodyPr>
+          <a:lstStyle/>
+          <a:p>
+            <a:r>
+              <a:rPr lang="en-US" sz="3600" dirty="0" err="1"/>
+              <a:t>Criando</a:t>
+            </a:r>
+            <a:r>
+              <a:rPr lang="en-US" sz="3600" dirty="0"/>
+              <a:t> Models</a:t>
+            </a:r>
+            <a:endParaRPr lang="pt-BR" sz="3600" dirty="0"/>
+          </a:p>
+        </p:txBody>
+      </p:sp>
+      <p:pic>
+        <p:nvPicPr>
+          <p:cNvPr id="4" name="Imagem 3">
+            <a:extLst>
+              <a:ext uri="{FF2B5EF4-FFF2-40B4-BE49-F238E27FC236}">
+                <a16:creationId xmlns:a16="http://schemas.microsoft.com/office/drawing/2014/main" id="{014D1385-7E01-0CC1-9435-06F3622CB190}"/>
+              </a:ext>
+            </a:extLst>
+          </p:cNvPr>
+          <p:cNvPicPr>
+            <a:picLocks noChangeAspect="1"/>
+          </p:cNvPicPr>
+          <p:nvPr/>
+        </p:nvPicPr>
+        <p:blipFill>
+          <a:blip r:embed="rId3"/>
+          <a:stretch>
+            <a:fillRect/>
+          </a:stretch>
+        </p:blipFill>
+        <p:spPr>
+          <a:xfrm>
+            <a:off x="1875836" y="1051690"/>
+            <a:ext cx="8440328" cy="5563376"/>
+          </a:xfrm>
+          <a:prstGeom prst="rect">
+            <a:avLst/>
+          </a:prstGeom>
+        </p:spPr>
+      </p:pic>
+      <p:sp>
+        <p:nvSpPr>
+          <p:cNvPr id="3" name="Retângulo 2">
+            <a:extLst>
+              <a:ext uri="{FF2B5EF4-FFF2-40B4-BE49-F238E27FC236}">
+                <a16:creationId xmlns:a16="http://schemas.microsoft.com/office/drawing/2014/main" id="{F1A02265-E790-2906-984D-3E2852EEEBAA}"/>
+              </a:ext>
+            </a:extLst>
+          </p:cNvPr>
+          <p:cNvSpPr/>
+          <p:nvPr/>
+        </p:nvSpPr>
+        <p:spPr>
+          <a:xfrm>
+            <a:off x="7315200" y="3640015"/>
+            <a:ext cx="2505808" cy="334108"/>
+          </a:xfrm>
+          <a:prstGeom prst="rect">
+            <a:avLst/>
+          </a:prstGeom>
+          <a:solidFill>
+            <a:schemeClr val="accent4">
+              <a:alpha val="50000"/>
+            </a:schemeClr>
+          </a:solidFill>
+          <a:ln>
+            <a:noFill/>
+          </a:ln>
+        </p:spPr>
+        <p:style>
+          <a:lnRef idx="0">
+            <a:scrgbClr r="0" g="0" b="0"/>
+          </a:lnRef>
+          <a:fillRef idx="0">
+            <a:scrgbClr r="0" g="0" b="0"/>
+          </a:fillRef>
+          <a:effectRef idx="0">
+            <a:scrgbClr r="0" g="0" b="0"/>
+          </a:effectRef>
+          <a:fontRef idx="minor">
+            <a:schemeClr val="lt1"/>
+          </a:fontRef>
+        </p:style>
+        <p:txBody>
+          <a:bodyPr rtlCol="0" anchor="ctr"/>
+          <a:lstStyle/>
+          <a:p>
+            <a:pPr algn="ctr"/>
+            <a:endParaRPr lang="pt-BR"/>
+          </a:p>
+        </p:txBody>
+      </p:sp>
+      <p:sp>
+        <p:nvSpPr>
+          <p:cNvPr id="6" name="Retângulo 5">
+            <a:extLst>
+              <a:ext uri="{FF2B5EF4-FFF2-40B4-BE49-F238E27FC236}">
+                <a16:creationId xmlns:a16="http://schemas.microsoft.com/office/drawing/2014/main" id="{AA608698-36F9-973C-13CB-3101F8E355F6}"/>
+              </a:ext>
+            </a:extLst>
+          </p:cNvPr>
+          <p:cNvSpPr/>
+          <p:nvPr/>
+        </p:nvSpPr>
+        <p:spPr>
+          <a:xfrm>
+            <a:off x="7315200" y="4717232"/>
+            <a:ext cx="2303585" cy="334108"/>
+          </a:xfrm>
+          <a:prstGeom prst="rect">
+            <a:avLst/>
+          </a:prstGeom>
+          <a:solidFill>
+            <a:schemeClr val="accent4">
+              <a:alpha val="50000"/>
+            </a:schemeClr>
+          </a:solidFill>
+          <a:ln>
+            <a:noFill/>
+          </a:ln>
+        </p:spPr>
+        <p:style>
+          <a:lnRef idx="0">
+            <a:scrgbClr r="0" g="0" b="0"/>
+          </a:lnRef>
+          <a:fillRef idx="0">
+            <a:scrgbClr r="0" g="0" b="0"/>
+          </a:fillRef>
+          <a:effectRef idx="0">
+            <a:scrgbClr r="0" g="0" b="0"/>
+          </a:effectRef>
+          <a:fontRef idx="minor">
+            <a:schemeClr val="lt1"/>
+          </a:fontRef>
+        </p:style>
+        <p:txBody>
+          <a:bodyPr rtlCol="0" anchor="ctr"/>
+          <a:lstStyle/>
+          <a:p>
+            <a:pPr algn="ctr"/>
+            <a:endParaRPr lang="pt-BR"/>
+          </a:p>
+        </p:txBody>
+      </p:sp>
+      <p:sp>
+        <p:nvSpPr>
+          <p:cNvPr id="7" name="Retângulo 6">
+            <a:extLst>
+              <a:ext uri="{FF2B5EF4-FFF2-40B4-BE49-F238E27FC236}">
+                <a16:creationId xmlns:a16="http://schemas.microsoft.com/office/drawing/2014/main" id="{A84640AD-3213-20AA-BAE6-E6EEEE99982A}"/>
+              </a:ext>
+            </a:extLst>
+          </p:cNvPr>
+          <p:cNvSpPr/>
+          <p:nvPr/>
+        </p:nvSpPr>
+        <p:spPr>
+          <a:xfrm>
+            <a:off x="7315200" y="5768922"/>
+            <a:ext cx="2505808" cy="334108"/>
+          </a:xfrm>
+          <a:prstGeom prst="rect">
+            <a:avLst/>
+          </a:prstGeom>
+          <a:solidFill>
+            <a:schemeClr val="accent4">
+              <a:alpha val="50000"/>
+            </a:schemeClr>
+          </a:solidFill>
+          <a:ln>
+            <a:noFill/>
+          </a:ln>
+        </p:spPr>
+        <p:style>
+          <a:lnRef idx="0">
+            <a:scrgbClr r="0" g="0" b="0"/>
+          </a:lnRef>
+          <a:fillRef idx="0">
+            <a:scrgbClr r="0" g="0" b="0"/>
+          </a:fillRef>
+          <a:effectRef idx="0">
+            <a:scrgbClr r="0" g="0" b="0"/>
+          </a:effectRef>
+          <a:fontRef idx="minor">
+            <a:schemeClr val="lt1"/>
+          </a:fontRef>
+        </p:style>
+        <p:txBody>
+          <a:bodyPr rtlCol="0" anchor="ctr"/>
+          <a:lstStyle/>
+          <a:p>
+            <a:pPr algn="ctr"/>
+            <a:endParaRPr lang="pt-BR"/>
+          </a:p>
+        </p:txBody>
+      </p:sp>
+    </p:spTree>
+    <p:extLst>
+      <p:ext uri="{BB962C8B-B14F-4D97-AF65-F5344CB8AC3E}">
+        <p14:creationId xmlns:p14="http://schemas.microsoft.com/office/powerpoint/2010/main" val="1379814034"/>
+      </p:ext>
+    </p:extLst>
+  </p:cSld>
+  <p:clrMapOvr>
+    <a:masterClrMapping/>
+  </p:clrMapOvr>
+</p:sld>
+</file>
+
+<file path=ppt/slides/slide6.xml><?xml version="1.0" encoding="utf-8"?>
+<p:sld xmlns:a="http://schemas.openxmlformats.org/drawingml/2006/main" xmlns:r="http://schemas.openxmlformats.org/officeDocument/2006/relationships" xmlns:p="http://schemas.openxmlformats.org/presentationml/2006/main">
+  <p:cSld>
+    <p:spTree>
+      <p:nvGrpSpPr>
+        <p:cNvPr id="1" name="">
+          <a:extLst>
+            <a:ext uri="{FF2B5EF4-FFF2-40B4-BE49-F238E27FC236}">
+              <a16:creationId xmlns:a16="http://schemas.microsoft.com/office/drawing/2014/main" id="{6CA8BECA-4C3C-99DF-E28B-6B3F90978087}"/>
+            </a:ext>
+          </a:extLst>
+        </p:cNvPr>
+        <p:cNvGrpSpPr/>
+        <p:nvPr/>
+      </p:nvGrpSpPr>
+      <p:grpSpPr>
+        <a:xfrm>
+          <a:off x="0" y="0"/>
+          <a:ext cx="0" cy="0"/>
+          <a:chOff x="0" y="0"/>
+          <a:chExt cx="0" cy="0"/>
+        </a:xfrm>
+      </p:grpSpPr>
+      <p:pic>
+        <p:nvPicPr>
+          <p:cNvPr id="5" name="Imagem 4">
+            <a:extLst>
+              <a:ext uri="{FF2B5EF4-FFF2-40B4-BE49-F238E27FC236}">
+                <a16:creationId xmlns:a16="http://schemas.microsoft.com/office/drawing/2014/main" id="{87CB8BAB-D6EB-CE4A-1CF1-B58D0C090EEA}"/>
+              </a:ext>
+            </a:extLst>
+          </p:cNvPr>
+          <p:cNvPicPr>
+            <a:picLocks noChangeAspect="1"/>
+          </p:cNvPicPr>
+          <p:nvPr/>
+        </p:nvPicPr>
+        <p:blipFill>
+          <a:blip r:embed="rId2">
+            <a:extLst>
+              <a:ext uri="{28A0092B-C50C-407E-A947-70E740481C1C}">
+                <a14:useLocalDpi xmlns:a14="http://schemas.microsoft.com/office/drawing/2010/main" val="0"/>
+              </a:ext>
+            </a:extLst>
+          </a:blip>
+          <a:stretch>
+            <a:fillRect/>
+          </a:stretch>
+        </p:blipFill>
+        <p:spPr>
+          <a:xfrm>
+            <a:off x="0" y="0"/>
+            <a:ext cx="12192000" cy="6858000"/>
+          </a:xfrm>
+          <a:prstGeom prst="rect">
+            <a:avLst/>
+          </a:prstGeom>
+        </p:spPr>
+      </p:pic>
+      <p:sp>
+        <p:nvSpPr>
+          <p:cNvPr id="2" name="CaixaDeTexto 1">
+            <a:extLst>
+              <a:ext uri="{FF2B5EF4-FFF2-40B4-BE49-F238E27FC236}">
+                <a16:creationId xmlns:a16="http://schemas.microsoft.com/office/drawing/2014/main" id="{DD962760-3318-0812-BCDC-A2440EDDB981}"/>
+              </a:ext>
+            </a:extLst>
+          </p:cNvPr>
+          <p:cNvSpPr txBox="1"/>
+          <p:nvPr/>
+        </p:nvSpPr>
+        <p:spPr>
+          <a:xfrm>
+            <a:off x="4410899" y="162426"/>
+            <a:ext cx="3370202" cy="646331"/>
+          </a:xfrm>
+          <a:prstGeom prst="rect">
+            <a:avLst/>
+          </a:prstGeom>
+          <a:noFill/>
+        </p:spPr>
+        <p:txBody>
+          <a:bodyPr wrap="square" rtlCol="0">
+            <a:spAutoFit/>
+          </a:bodyPr>
+          <a:lstStyle/>
+          <a:p>
+            <a:r>
+              <a:rPr lang="en-US" sz="3600" dirty="0" err="1"/>
+              <a:t>Relacionamentos</a:t>
+            </a:r>
+            <a:endParaRPr lang="pt-BR" sz="3600" dirty="0"/>
+          </a:p>
+        </p:txBody>
+      </p:sp>
+      <p:sp>
+        <p:nvSpPr>
+          <p:cNvPr id="6" name="Rectangle 1">
+            <a:extLst>
+              <a:ext uri="{FF2B5EF4-FFF2-40B4-BE49-F238E27FC236}">
+                <a16:creationId xmlns:a16="http://schemas.microsoft.com/office/drawing/2014/main" id="{13E55CD4-CA99-B00F-6B80-E3BE9FF4F0A5}"/>
+              </a:ext>
+            </a:extLst>
+          </p:cNvPr>
+          <p:cNvSpPr>
+            <a:spLocks noChangeArrowheads="1"/>
+          </p:cNvSpPr>
+          <p:nvPr/>
+        </p:nvSpPr>
+        <p:spPr bwMode="auto">
+          <a:xfrm>
+            <a:off x="196361" y="1058914"/>
+            <a:ext cx="11799277" cy="3416320"/>
+          </a:xfrm>
+          <a:prstGeom prst="rect">
+            <a:avLst/>
+          </a:prstGeom>
+          <a:noFill/>
+          <a:ln>
+            <a:noFill/>
+          </a:ln>
+          <a:effectLst/>
+          <a:extLst>
+            <a:ext uri="{909E8E84-426E-40DD-AFC4-6F175D3DCCD1}">
+              <a14:hiddenFill xmlns:a14="http://schemas.microsoft.com/office/drawing/2010/main">
+                <a:solidFill>
+                  <a:schemeClr val="accent1"/>
+                </a:solidFill>
+              </a14:hiddenFill>
+            </a:ext>
+            <a:ext uri="{91240B29-F687-4F45-9708-019B960494DF}">
+              <a14:hiddenLine xmlns:a14="http://schemas.microsoft.com/office/drawing/2010/main" w="9525">
+                <a:solidFill>
+                  <a:schemeClr val="tx1"/>
+                </a:solidFill>
+                <a:miter lim="800000"/>
+                <a:headEnd/>
+                <a:tailEnd/>
+              </a14:hiddenLine>
+            </a:ext>
+            <a:ext uri="{AF507438-7753-43E0-B8FC-AC1667EBCBE1}">
+              <a14:hiddenEffects xmlns:a14="http://schemas.microsoft.com/office/drawing/2010/main">
+                <a:effectLst>
+                  <a:outerShdw dist="35921" dir="2700000" algn="ctr" rotWithShape="0">
+                    <a:schemeClr val="bg2"/>
+                  </a:outerShdw>
+                </a:effectLst>
+              </a14:hiddenEffects>
+            </a:ext>
+          </a:extLst>
+        </p:spPr>
+        <p:txBody>
+          <a:bodyPr vert="horz" wrap="square" lIns="91440" tIns="45720" rIns="91440" bIns="45720" numCol="1" anchor="ctr" anchorCtr="0" compatLnSpc="1">
+            <a:prstTxWarp prst="textNoShape">
+              <a:avLst/>
+            </a:prstTxWarp>
+            <a:spAutoFit/>
+          </a:bodyPr>
+          <a:lstStyle/>
+          <a:p>
+            <a:pPr marL="0" marR="0" lvl="0" indent="0" algn="l" defTabSz="914400" rtl="0" eaLnBrk="0" fontAlgn="base" latinLnBrk="0" hangingPunct="0">
+              <a:lnSpc>
+                <a:spcPct val="100000"/>
+              </a:lnSpc>
+              <a:spcBef>
+                <a:spcPct val="0"/>
+              </a:spcBef>
+              <a:spcAft>
+                <a:spcPct val="0"/>
+              </a:spcAft>
+              <a:buClrTx/>
+              <a:buSzTx/>
+              <a:buFontTx/>
+              <a:buNone/>
+              <a:tabLst/>
+            </a:pPr>
+            <a:r>
               <a:rPr kumimoji="0" lang="pt-BR" altLang="pt-BR" sz="1800" b="1" i="0" u="none" strike="noStrike" cap="none" normalizeH="0" baseline="0" dirty="0">
                 <a:ln>
                   <a:noFill/>
@@ -8743,7 +8368,7 @@
 </p:sld>
 </file>
 
-<file path=ppt/slides/slide8.xml><?xml version="1.0" encoding="utf-8"?>
+<file path=ppt/slides/slide7.xml><?xml version="1.0" encoding="utf-8"?>
 <p:sld xmlns:a="http://schemas.openxmlformats.org/drawingml/2006/main" xmlns:r="http://schemas.openxmlformats.org/officeDocument/2006/relationships" xmlns:p="http://schemas.openxmlformats.org/presentationml/2006/main">
   <p:cSld>
     <p:spTree>
@@ -9227,7 +8852,7 @@
 </p:sld>
 </file>
 
-<file path=ppt/slides/slide9.xml><?xml version="1.0" encoding="utf-8"?>
+<file path=ppt/slides/slide8.xml><?xml version="1.0" encoding="utf-8"?>
 <p:sld xmlns:a="http://schemas.openxmlformats.org/drawingml/2006/main" xmlns:r="http://schemas.openxmlformats.org/officeDocument/2006/relationships" xmlns:p="http://schemas.openxmlformats.org/presentationml/2006/main">
   <p:cSld>
     <p:spTree>
@@ -9721,6 +9346,476 @@
     <p:extLst>
       <p:ext uri="{BB962C8B-B14F-4D97-AF65-F5344CB8AC3E}">
         <p14:creationId xmlns:p14="http://schemas.microsoft.com/office/powerpoint/2010/main" val="3223964768"/>
+      </p:ext>
+    </p:extLst>
+  </p:cSld>
+  <p:clrMapOvr>
+    <a:masterClrMapping/>
+  </p:clrMapOvr>
+</p:sld>
+</file>
+
+<file path=ppt/slides/slide9.xml><?xml version="1.0" encoding="utf-8"?>
+<p:sld xmlns:a="http://schemas.openxmlformats.org/drawingml/2006/main" xmlns:r="http://schemas.openxmlformats.org/officeDocument/2006/relationships" xmlns:p="http://schemas.openxmlformats.org/presentationml/2006/main">
+  <p:cSld>
+    <p:spTree>
+      <p:nvGrpSpPr>
+        <p:cNvPr id="1" name="">
+          <a:extLst>
+            <a:ext uri="{FF2B5EF4-FFF2-40B4-BE49-F238E27FC236}">
+              <a16:creationId xmlns:a16="http://schemas.microsoft.com/office/drawing/2014/main" id="{5948425F-DA5D-C2D7-2C97-DCE26EE59D41}"/>
+            </a:ext>
+          </a:extLst>
+        </p:cNvPr>
+        <p:cNvGrpSpPr/>
+        <p:nvPr/>
+      </p:nvGrpSpPr>
+      <p:grpSpPr>
+        <a:xfrm>
+          <a:off x="0" y="0"/>
+          <a:ext cx="0" cy="0"/>
+          <a:chOff x="0" y="0"/>
+          <a:chExt cx="0" cy="0"/>
+        </a:xfrm>
+      </p:grpSpPr>
+      <p:pic>
+        <p:nvPicPr>
+          <p:cNvPr id="5" name="Imagem 4">
+            <a:extLst>
+              <a:ext uri="{FF2B5EF4-FFF2-40B4-BE49-F238E27FC236}">
+                <a16:creationId xmlns:a16="http://schemas.microsoft.com/office/drawing/2014/main" id="{96F882ED-C128-B266-CAFA-3D37849FFB39}"/>
+              </a:ext>
+            </a:extLst>
+          </p:cNvPr>
+          <p:cNvPicPr>
+            <a:picLocks noChangeAspect="1"/>
+          </p:cNvPicPr>
+          <p:nvPr/>
+        </p:nvPicPr>
+        <p:blipFill>
+          <a:blip r:embed="rId2">
+            <a:extLst>
+              <a:ext uri="{28A0092B-C50C-407E-A947-70E740481C1C}">
+                <a14:useLocalDpi xmlns:a14="http://schemas.microsoft.com/office/drawing/2010/main" val="0"/>
+              </a:ext>
+            </a:extLst>
+          </a:blip>
+          <a:stretch>
+            <a:fillRect/>
+          </a:stretch>
+        </p:blipFill>
+        <p:spPr>
+          <a:xfrm>
+            <a:off x="0" y="0"/>
+            <a:ext cx="12192000" cy="6858000"/>
+          </a:xfrm>
+          <a:prstGeom prst="rect">
+            <a:avLst/>
+          </a:prstGeom>
+        </p:spPr>
+      </p:pic>
+      <p:sp>
+        <p:nvSpPr>
+          <p:cNvPr id="2" name="CaixaDeTexto 1">
+            <a:extLst>
+              <a:ext uri="{FF2B5EF4-FFF2-40B4-BE49-F238E27FC236}">
+                <a16:creationId xmlns:a16="http://schemas.microsoft.com/office/drawing/2014/main" id="{103930E5-80C5-CF41-7EA4-1D94CBB1FE6A}"/>
+              </a:ext>
+            </a:extLst>
+          </p:cNvPr>
+          <p:cNvSpPr txBox="1"/>
+          <p:nvPr/>
+        </p:nvSpPr>
+        <p:spPr>
+          <a:xfrm>
+            <a:off x="4023969" y="162426"/>
+            <a:ext cx="4144062" cy="646331"/>
+          </a:xfrm>
+          <a:prstGeom prst="rect">
+            <a:avLst/>
+          </a:prstGeom>
+          <a:noFill/>
+        </p:spPr>
+        <p:txBody>
+          <a:bodyPr wrap="square" rtlCol="0">
+            <a:spAutoFit/>
+          </a:bodyPr>
+          <a:lstStyle/>
+          <a:p>
+            <a:r>
+              <a:rPr lang="en-US" sz="3600" dirty="0" err="1"/>
+              <a:t>Relacionamento</a:t>
+            </a:r>
+            <a:r>
+              <a:rPr lang="en-US" sz="3600" dirty="0"/>
+              <a:t> 1:N</a:t>
+            </a:r>
+            <a:endParaRPr lang="pt-BR" sz="3600" dirty="0"/>
+          </a:p>
+        </p:txBody>
+      </p:sp>
+      <p:pic>
+        <p:nvPicPr>
+          <p:cNvPr id="4" name="Imagem 3">
+            <a:extLst>
+              <a:ext uri="{FF2B5EF4-FFF2-40B4-BE49-F238E27FC236}">
+                <a16:creationId xmlns:a16="http://schemas.microsoft.com/office/drawing/2014/main" id="{3419D980-8AE0-AF96-D46D-444756087199}"/>
+              </a:ext>
+            </a:extLst>
+          </p:cNvPr>
+          <p:cNvPicPr>
+            <a:picLocks noChangeAspect="1"/>
+          </p:cNvPicPr>
+          <p:nvPr/>
+        </p:nvPicPr>
+        <p:blipFill>
+          <a:blip r:embed="rId3"/>
+          <a:stretch>
+            <a:fillRect/>
+          </a:stretch>
+        </p:blipFill>
+        <p:spPr>
+          <a:xfrm>
+            <a:off x="1839692" y="2603161"/>
+            <a:ext cx="2960907" cy="2879787"/>
+          </a:xfrm>
+          <a:prstGeom prst="rect">
+            <a:avLst/>
+          </a:prstGeom>
+          <a:ln>
+            <a:noFill/>
+          </a:ln>
+          <a:effectLst>
+            <a:outerShdw blurRad="292100" dist="139700" dir="2700000" algn="tl" rotWithShape="0">
+              <a:srgbClr val="333333">
+                <a:alpha val="65000"/>
+              </a:srgbClr>
+            </a:outerShdw>
+          </a:effectLst>
+        </p:spPr>
+      </p:pic>
+      <p:pic>
+        <p:nvPicPr>
+          <p:cNvPr id="7" name="Imagem 6">
+            <a:extLst>
+              <a:ext uri="{FF2B5EF4-FFF2-40B4-BE49-F238E27FC236}">
+                <a16:creationId xmlns:a16="http://schemas.microsoft.com/office/drawing/2014/main" id="{BEE6423D-3ACE-D87B-42B9-88BA9566CD09}"/>
+              </a:ext>
+            </a:extLst>
+          </p:cNvPr>
+          <p:cNvPicPr>
+            <a:picLocks noChangeAspect="1"/>
+          </p:cNvPicPr>
+          <p:nvPr/>
+        </p:nvPicPr>
+        <p:blipFill>
+          <a:blip r:embed="rId4"/>
+          <a:stretch>
+            <a:fillRect/>
+          </a:stretch>
+        </p:blipFill>
+        <p:spPr>
+          <a:xfrm>
+            <a:off x="7348214" y="2603160"/>
+            <a:ext cx="3004094" cy="2879787"/>
+          </a:xfrm>
+          <a:prstGeom prst="rect">
+            <a:avLst/>
+          </a:prstGeom>
+          <a:ln>
+            <a:noFill/>
+          </a:ln>
+          <a:effectLst>
+            <a:outerShdw blurRad="292100" dist="139700" dir="2700000" algn="tl" rotWithShape="0">
+              <a:srgbClr val="333333">
+                <a:alpha val="65000"/>
+              </a:srgbClr>
+            </a:outerShdw>
+          </a:effectLst>
+        </p:spPr>
+      </p:pic>
+      <p:cxnSp>
+        <p:nvCxnSpPr>
+          <p:cNvPr id="9" name="Conector de Seta Reta 8">
+            <a:extLst>
+              <a:ext uri="{FF2B5EF4-FFF2-40B4-BE49-F238E27FC236}">
+                <a16:creationId xmlns:a16="http://schemas.microsoft.com/office/drawing/2014/main" id="{56350EEF-F6CB-E7CC-0D6B-7101B359CABF}"/>
+              </a:ext>
+            </a:extLst>
+          </p:cNvPr>
+          <p:cNvCxnSpPr>
+            <a:cxnSpLocks/>
+          </p:cNvCxnSpPr>
+          <p:nvPr/>
+        </p:nvCxnSpPr>
+        <p:spPr>
+          <a:xfrm flipV="1">
+            <a:off x="5143500" y="4043053"/>
+            <a:ext cx="1776046" cy="1"/>
+          </a:xfrm>
+          <a:prstGeom prst="straightConnector1">
+            <a:avLst/>
+          </a:prstGeom>
+          <a:ln>
+            <a:headEnd type="triangle"/>
+            <a:tailEnd type="triangle"/>
+          </a:ln>
+        </p:spPr>
+        <p:style>
+          <a:lnRef idx="1">
+            <a:schemeClr val="dk1"/>
+          </a:lnRef>
+          <a:fillRef idx="0">
+            <a:schemeClr val="dk1"/>
+          </a:fillRef>
+          <a:effectRef idx="0">
+            <a:schemeClr val="dk1"/>
+          </a:effectRef>
+          <a:fontRef idx="minor">
+            <a:schemeClr val="tx1"/>
+          </a:fontRef>
+        </p:style>
+      </p:cxnSp>
+      <p:sp>
+        <p:nvSpPr>
+          <p:cNvPr id="14" name="CaixaDeTexto 13">
+            <a:extLst>
+              <a:ext uri="{FF2B5EF4-FFF2-40B4-BE49-F238E27FC236}">
+                <a16:creationId xmlns:a16="http://schemas.microsoft.com/office/drawing/2014/main" id="{A6242AC3-E139-1991-AA7B-9CED04A44FD1}"/>
+              </a:ext>
+            </a:extLst>
+          </p:cNvPr>
+          <p:cNvSpPr txBox="1"/>
+          <p:nvPr/>
+        </p:nvSpPr>
+        <p:spPr>
+          <a:xfrm>
+            <a:off x="5143500" y="3613638"/>
+            <a:ext cx="430823" cy="369332"/>
+          </a:xfrm>
+          <a:prstGeom prst="rect">
+            <a:avLst/>
+          </a:prstGeom>
+          <a:noFill/>
+        </p:spPr>
+        <p:txBody>
+          <a:bodyPr wrap="square" rtlCol="0">
+            <a:spAutoFit/>
+          </a:bodyPr>
+          <a:lstStyle/>
+          <a:p>
+            <a:r>
+              <a:rPr lang="en-US" dirty="0"/>
+              <a:t>1</a:t>
+            </a:r>
+            <a:endParaRPr lang="pt-BR" dirty="0"/>
+          </a:p>
+        </p:txBody>
+      </p:sp>
+      <p:sp>
+        <p:nvSpPr>
+          <p:cNvPr id="16" name="CaixaDeTexto 15">
+            <a:extLst>
+              <a:ext uri="{FF2B5EF4-FFF2-40B4-BE49-F238E27FC236}">
+                <a16:creationId xmlns:a16="http://schemas.microsoft.com/office/drawing/2014/main" id="{E36D5E66-5AA1-CA6E-25E3-1E3F5C7A850D}"/>
+              </a:ext>
+            </a:extLst>
+          </p:cNvPr>
+          <p:cNvSpPr txBox="1"/>
+          <p:nvPr/>
+        </p:nvSpPr>
+        <p:spPr>
+          <a:xfrm>
+            <a:off x="6495318" y="4211488"/>
+            <a:ext cx="336305" cy="369332"/>
+          </a:xfrm>
+          <a:prstGeom prst="rect">
+            <a:avLst/>
+          </a:prstGeom>
+          <a:noFill/>
+        </p:spPr>
+        <p:txBody>
+          <a:bodyPr wrap="square">
+            <a:spAutoFit/>
+          </a:bodyPr>
+          <a:lstStyle/>
+          <a:p>
+            <a:r>
+              <a:rPr lang="en-US" dirty="0"/>
+              <a:t>N</a:t>
+            </a:r>
+            <a:endParaRPr lang="pt-BR" dirty="0"/>
+          </a:p>
+        </p:txBody>
+      </p:sp>
+      <p:sp>
+        <p:nvSpPr>
+          <p:cNvPr id="17" name="CaixaDeTexto 16">
+            <a:extLst>
+              <a:ext uri="{FF2B5EF4-FFF2-40B4-BE49-F238E27FC236}">
+                <a16:creationId xmlns:a16="http://schemas.microsoft.com/office/drawing/2014/main" id="{03275981-5F02-CEFA-F683-E77E127E375B}"/>
+              </a:ext>
+            </a:extLst>
+          </p:cNvPr>
+          <p:cNvSpPr txBox="1"/>
+          <p:nvPr/>
+        </p:nvSpPr>
+        <p:spPr>
+          <a:xfrm>
+            <a:off x="1817809" y="971183"/>
+            <a:ext cx="8556381" cy="830997"/>
+          </a:xfrm>
+          <a:prstGeom prst="rect">
+            <a:avLst/>
+          </a:prstGeom>
+          <a:noFill/>
+        </p:spPr>
+        <p:txBody>
+          <a:bodyPr wrap="square" rtlCol="0">
+            <a:spAutoFit/>
+          </a:bodyPr>
+          <a:lstStyle/>
+          <a:p>
+            <a:r>
+              <a:rPr lang="en-US" sz="2400" dirty="0"/>
+              <a:t>Em </a:t>
+            </a:r>
+            <a:r>
+              <a:rPr lang="en-US" sz="2400" dirty="0" err="1"/>
+              <a:t>uma</a:t>
+            </a:r>
+            <a:r>
+              <a:rPr lang="en-US" sz="2400" dirty="0"/>
+              <a:t> </a:t>
+            </a:r>
+            <a:r>
+              <a:rPr lang="en-US" sz="2400" dirty="0" err="1"/>
+              <a:t>relação</a:t>
+            </a:r>
+            <a:r>
+              <a:rPr lang="en-US" sz="2400" dirty="0"/>
+              <a:t> entre </a:t>
+            </a:r>
+            <a:r>
+              <a:rPr lang="en-US" sz="2400" dirty="0" err="1"/>
+              <a:t>Estúdio</a:t>
+            </a:r>
+            <a:r>
+              <a:rPr lang="en-US" sz="2400" dirty="0"/>
+              <a:t> e </a:t>
+            </a:r>
+            <a:r>
+              <a:rPr lang="en-US" sz="2400" dirty="0" err="1"/>
+              <a:t>Jogos</a:t>
+            </a:r>
+            <a:r>
+              <a:rPr lang="en-US" sz="2400" dirty="0"/>
+              <a:t>, </a:t>
+            </a:r>
+            <a:r>
+              <a:rPr lang="en-US" sz="2400" u="sng" dirty="0"/>
+              <a:t>1</a:t>
+            </a:r>
+            <a:r>
+              <a:rPr lang="en-US" sz="2400" dirty="0"/>
+              <a:t> </a:t>
+            </a:r>
+            <a:r>
+              <a:rPr lang="en-US" sz="2400" dirty="0" err="1"/>
+              <a:t>Estúdio</a:t>
+            </a:r>
+            <a:r>
+              <a:rPr lang="en-US" sz="2400" dirty="0"/>
+              <a:t> </a:t>
+            </a:r>
+            <a:r>
+              <a:rPr lang="en-US" sz="2400" dirty="0" err="1"/>
+              <a:t>pode</a:t>
+            </a:r>
+            <a:r>
+              <a:rPr lang="en-US" sz="2400" dirty="0"/>
+              <a:t> </a:t>
+            </a:r>
+            <a:r>
+              <a:rPr lang="en-US" sz="2400" dirty="0" err="1"/>
+              <a:t>desenvolver</a:t>
+            </a:r>
+            <a:r>
+              <a:rPr lang="en-US" sz="2400" dirty="0"/>
+              <a:t> </a:t>
+            </a:r>
+            <a:r>
+              <a:rPr lang="en-US" sz="2400" u="sng" dirty="0"/>
+              <a:t>N</a:t>
+            </a:r>
+            <a:r>
+              <a:rPr lang="en-US" sz="2400" dirty="0"/>
+              <a:t> </a:t>
+            </a:r>
+            <a:r>
+              <a:rPr lang="en-US" sz="2400" dirty="0" err="1"/>
+              <a:t>jogos</a:t>
+            </a:r>
+            <a:r>
+              <a:rPr lang="en-US" sz="2400" dirty="0"/>
+              <a:t>. Mas </a:t>
+            </a:r>
+            <a:r>
+              <a:rPr lang="en-US" sz="2400" dirty="0" err="1"/>
+              <a:t>cada</a:t>
+            </a:r>
+            <a:r>
+              <a:rPr lang="en-US" sz="2400" dirty="0"/>
+              <a:t> </a:t>
+            </a:r>
+            <a:r>
+              <a:rPr lang="en-US" sz="2400" dirty="0" err="1"/>
+              <a:t>jogo</a:t>
+            </a:r>
+            <a:r>
+              <a:rPr lang="en-US" sz="2400" dirty="0"/>
+              <a:t> </a:t>
+            </a:r>
+            <a:r>
+              <a:rPr lang="en-US" sz="2400" dirty="0" err="1"/>
+              <a:t>está</a:t>
+            </a:r>
+            <a:r>
+              <a:rPr lang="en-US" sz="2400" dirty="0"/>
+              <a:t> </a:t>
+            </a:r>
+            <a:r>
+              <a:rPr lang="en-US" sz="2400" dirty="0" err="1"/>
+              <a:t>associado</a:t>
+            </a:r>
+            <a:r>
+              <a:rPr lang="en-US" sz="2400" dirty="0"/>
+              <a:t> a um </a:t>
+            </a:r>
+            <a:r>
+              <a:rPr lang="en-US" sz="2400" dirty="0" err="1"/>
+              <a:t>estúdio</a:t>
+            </a:r>
+            <a:r>
+              <a:rPr lang="en-US" sz="2400" dirty="0"/>
+              <a:t> </a:t>
+            </a:r>
+            <a:r>
+              <a:rPr lang="en-US" sz="2400" dirty="0" err="1"/>
+              <a:t>específico</a:t>
+            </a:r>
+            <a:r>
+              <a:rPr lang="en-US" sz="2400" dirty="0"/>
+              <a:t>.</a:t>
+            </a:r>
+            <a:endParaRPr lang="pt-BR" sz="2400" dirty="0"/>
+          </a:p>
+        </p:txBody>
+      </p:sp>
+    </p:spTree>
+    <p:extLst>
+      <p:ext uri="{BB962C8B-B14F-4D97-AF65-F5344CB8AC3E}">
+        <p14:creationId xmlns:p14="http://schemas.microsoft.com/office/powerpoint/2010/main" val="3290833019"/>
       </p:ext>
     </p:extLst>
   </p:cSld>

--- a/Aula 4/Models.pptx
+++ b/Aula 4/Models.pptx
@@ -20,8 +20,8 @@
     <p:sldId id="267" r:id="rId11"/>
     <p:sldId id="268" r:id="rId12"/>
     <p:sldId id="270" r:id="rId13"/>
-    <p:sldId id="272" r:id="rId14"/>
-    <p:sldId id="271" r:id="rId15"/>
+    <p:sldId id="271" r:id="rId14"/>
+    <p:sldId id="272" r:id="rId15"/>
     <p:sldId id="274" r:id="rId16"/>
     <p:sldId id="277" r:id="rId17"/>
     <p:sldId id="276" r:id="rId18"/>
@@ -214,7 +214,7 @@
           <a:p>
             <a:fld id="{4440A938-EE45-4CF6-9305-556CFB7B5057}" type="datetimeFigureOut">
               <a:rPr lang="pt-BR" smtClean="0"/>
-              <a:t>20/01/2026</a:t>
+              <a:t>23/01/2026</a:t>
             </a:fld>
             <a:endParaRPr lang="pt-BR"/>
           </a:p>
@@ -628,7 +628,7 @@
           <a:p>
             <a:fld id="{E2A3D7A4-D674-4F04-B457-5A75143D3A24}" type="datetimeFigureOut">
               <a:rPr lang="pt-BR" smtClean="0"/>
-              <a:t>20/01/2026</a:t>
+              <a:t>23/01/2026</a:t>
             </a:fld>
             <a:endParaRPr lang="pt-BR"/>
           </a:p>
@@ -826,7 +826,7 @@
           <a:p>
             <a:fld id="{E2A3D7A4-D674-4F04-B457-5A75143D3A24}" type="datetimeFigureOut">
               <a:rPr lang="pt-BR" smtClean="0"/>
-              <a:t>20/01/2026</a:t>
+              <a:t>23/01/2026</a:t>
             </a:fld>
             <a:endParaRPr lang="pt-BR"/>
           </a:p>
@@ -1034,7 +1034,7 @@
           <a:p>
             <a:fld id="{E2A3D7A4-D674-4F04-B457-5A75143D3A24}" type="datetimeFigureOut">
               <a:rPr lang="pt-BR" smtClean="0"/>
-              <a:t>20/01/2026</a:t>
+              <a:t>23/01/2026</a:t>
             </a:fld>
             <a:endParaRPr lang="pt-BR"/>
           </a:p>
@@ -1232,7 +1232,7 @@
           <a:p>
             <a:fld id="{E2A3D7A4-D674-4F04-B457-5A75143D3A24}" type="datetimeFigureOut">
               <a:rPr lang="pt-BR" smtClean="0"/>
-              <a:t>20/01/2026</a:t>
+              <a:t>23/01/2026</a:t>
             </a:fld>
             <a:endParaRPr lang="pt-BR"/>
           </a:p>
@@ -1507,7 +1507,7 @@
           <a:p>
             <a:fld id="{E2A3D7A4-D674-4F04-B457-5A75143D3A24}" type="datetimeFigureOut">
               <a:rPr lang="pt-BR" smtClean="0"/>
-              <a:t>20/01/2026</a:t>
+              <a:t>23/01/2026</a:t>
             </a:fld>
             <a:endParaRPr lang="pt-BR"/>
           </a:p>
@@ -1772,7 +1772,7 @@
           <a:p>
             <a:fld id="{E2A3D7A4-D674-4F04-B457-5A75143D3A24}" type="datetimeFigureOut">
               <a:rPr lang="pt-BR" smtClean="0"/>
-              <a:t>20/01/2026</a:t>
+              <a:t>23/01/2026</a:t>
             </a:fld>
             <a:endParaRPr lang="pt-BR"/>
           </a:p>
@@ -2184,7 +2184,7 @@
           <a:p>
             <a:fld id="{E2A3D7A4-D674-4F04-B457-5A75143D3A24}" type="datetimeFigureOut">
               <a:rPr lang="pt-BR" smtClean="0"/>
-              <a:t>20/01/2026</a:t>
+              <a:t>23/01/2026</a:t>
             </a:fld>
             <a:endParaRPr lang="pt-BR"/>
           </a:p>
@@ -2325,7 +2325,7 @@
           <a:p>
             <a:fld id="{E2A3D7A4-D674-4F04-B457-5A75143D3A24}" type="datetimeFigureOut">
               <a:rPr lang="pt-BR" smtClean="0"/>
-              <a:t>20/01/2026</a:t>
+              <a:t>23/01/2026</a:t>
             </a:fld>
             <a:endParaRPr lang="pt-BR"/>
           </a:p>
@@ -2438,7 +2438,7 @@
           <a:p>
             <a:fld id="{E2A3D7A4-D674-4F04-B457-5A75143D3A24}" type="datetimeFigureOut">
               <a:rPr lang="pt-BR" smtClean="0"/>
-              <a:t>20/01/2026</a:t>
+              <a:t>23/01/2026</a:t>
             </a:fld>
             <a:endParaRPr lang="pt-BR"/>
           </a:p>
@@ -2749,7 +2749,7 @@
           <a:p>
             <a:fld id="{E2A3D7A4-D674-4F04-B457-5A75143D3A24}" type="datetimeFigureOut">
               <a:rPr lang="pt-BR" smtClean="0"/>
-              <a:t>20/01/2026</a:t>
+              <a:t>23/01/2026</a:t>
             </a:fld>
             <a:endParaRPr lang="pt-BR"/>
           </a:p>
@@ -3037,7 +3037,7 @@
           <a:p>
             <a:fld id="{E2A3D7A4-D674-4F04-B457-5A75143D3A24}" type="datetimeFigureOut">
               <a:rPr lang="pt-BR" smtClean="0"/>
-              <a:t>20/01/2026</a:t>
+              <a:t>23/01/2026</a:t>
             </a:fld>
             <a:endParaRPr lang="pt-BR"/>
           </a:p>
@@ -3278,7 +3278,7 @@
           <a:p>
             <a:fld id="{E2A3D7A4-D674-4F04-B457-5A75143D3A24}" type="datetimeFigureOut">
               <a:rPr lang="pt-BR" smtClean="0"/>
-              <a:t>20/01/2026</a:t>
+              <a:t>23/01/2026</a:t>
             </a:fld>
             <a:endParaRPr lang="pt-BR"/>
           </a:p>
@@ -5049,6 +5049,108 @@
         <p:cNvPr id="1" name="">
           <a:extLst>
             <a:ext uri="{FF2B5EF4-FFF2-40B4-BE49-F238E27FC236}">
+              <a16:creationId xmlns:a16="http://schemas.microsoft.com/office/drawing/2014/main" id="{4D5CAF60-821D-41B0-1321-DD12AD3E57C4}"/>
+            </a:ext>
+          </a:extLst>
+        </p:cNvPr>
+        <p:cNvGrpSpPr/>
+        <p:nvPr/>
+      </p:nvGrpSpPr>
+      <p:grpSpPr>
+        <a:xfrm>
+          <a:off x="0" y="0"/>
+          <a:ext cx="0" cy="0"/>
+          <a:chOff x="0" y="0"/>
+          <a:chExt cx="0" cy="0"/>
+        </a:xfrm>
+      </p:grpSpPr>
+      <p:pic>
+        <p:nvPicPr>
+          <p:cNvPr id="5" name="Imagem 4">
+            <a:extLst>
+              <a:ext uri="{FF2B5EF4-FFF2-40B4-BE49-F238E27FC236}">
+                <a16:creationId xmlns:a16="http://schemas.microsoft.com/office/drawing/2014/main" id="{F7610CA9-A525-DEF8-EFD5-D3278795D9E9}"/>
+              </a:ext>
+            </a:extLst>
+          </p:cNvPr>
+          <p:cNvPicPr>
+            <a:picLocks noChangeAspect="1"/>
+          </p:cNvPicPr>
+          <p:nvPr/>
+        </p:nvPicPr>
+        <p:blipFill>
+          <a:blip r:embed="rId2">
+            <a:extLst>
+              <a:ext uri="{28A0092B-C50C-407E-A947-70E740481C1C}">
+                <a14:useLocalDpi xmlns:a14="http://schemas.microsoft.com/office/drawing/2010/main" val="0"/>
+              </a:ext>
+            </a:extLst>
+          </a:blip>
+          <a:stretch>
+            <a:fillRect/>
+          </a:stretch>
+        </p:blipFill>
+        <p:spPr>
+          <a:xfrm>
+            <a:off x="0" y="0"/>
+            <a:ext cx="12192000" cy="6858000"/>
+          </a:xfrm>
+          <a:prstGeom prst="rect">
+            <a:avLst/>
+          </a:prstGeom>
+        </p:spPr>
+      </p:pic>
+      <p:pic>
+        <p:nvPicPr>
+          <p:cNvPr id="3" name="Imagem 2">
+            <a:extLst>
+              <a:ext uri="{FF2B5EF4-FFF2-40B4-BE49-F238E27FC236}">
+                <a16:creationId xmlns:a16="http://schemas.microsoft.com/office/drawing/2014/main" id="{42BC9A07-F41E-C7CA-21D9-EBDF1B10FA58}"/>
+              </a:ext>
+            </a:extLst>
+          </p:cNvPr>
+          <p:cNvPicPr>
+            <a:picLocks noChangeAspect="1"/>
+          </p:cNvPicPr>
+          <p:nvPr/>
+        </p:nvPicPr>
+        <p:blipFill>
+          <a:blip r:embed="rId3"/>
+          <a:stretch>
+            <a:fillRect/>
+          </a:stretch>
+        </p:blipFill>
+        <p:spPr>
+          <a:xfrm>
+            <a:off x="561202" y="623496"/>
+            <a:ext cx="11069595" cy="5611008"/>
+          </a:xfrm>
+          <a:prstGeom prst="rect">
+            <a:avLst/>
+          </a:prstGeom>
+        </p:spPr>
+      </p:pic>
+    </p:spTree>
+    <p:extLst>
+      <p:ext uri="{BB962C8B-B14F-4D97-AF65-F5344CB8AC3E}">
+        <p14:creationId xmlns:p14="http://schemas.microsoft.com/office/powerpoint/2010/main" val="2124319770"/>
+      </p:ext>
+    </p:extLst>
+  </p:cSld>
+  <p:clrMapOvr>
+    <a:masterClrMapping/>
+  </p:clrMapOvr>
+</p:sld>
+</file>
+
+<file path=ppt/slides/slide14.xml><?xml version="1.0" encoding="utf-8"?>
+<p:sld xmlns:a="http://schemas.openxmlformats.org/drawingml/2006/main" xmlns:r="http://schemas.openxmlformats.org/officeDocument/2006/relationships" xmlns:p="http://schemas.openxmlformats.org/presentationml/2006/main">
+  <p:cSld>
+    <p:spTree>
+      <p:nvGrpSpPr>
+        <p:cNvPr id="1" name="">
+          <a:extLst>
+            <a:ext uri="{FF2B5EF4-FFF2-40B4-BE49-F238E27FC236}">
               <a16:creationId xmlns:a16="http://schemas.microsoft.com/office/drawing/2014/main" id="{70CC0F05-0A0D-2A30-D252-18EF80FB3A4D}"/>
             </a:ext>
           </a:extLst>
@@ -5134,108 +5236,6 @@
     <p:extLst>
       <p:ext uri="{BB962C8B-B14F-4D97-AF65-F5344CB8AC3E}">
         <p14:creationId xmlns:p14="http://schemas.microsoft.com/office/powerpoint/2010/main" val="3536223735"/>
-      </p:ext>
-    </p:extLst>
-  </p:cSld>
-  <p:clrMapOvr>
-    <a:masterClrMapping/>
-  </p:clrMapOvr>
-</p:sld>
-</file>
-
-<file path=ppt/slides/slide14.xml><?xml version="1.0" encoding="utf-8"?>
-<p:sld xmlns:a="http://schemas.openxmlformats.org/drawingml/2006/main" xmlns:r="http://schemas.openxmlformats.org/officeDocument/2006/relationships" xmlns:p="http://schemas.openxmlformats.org/presentationml/2006/main">
-  <p:cSld>
-    <p:spTree>
-      <p:nvGrpSpPr>
-        <p:cNvPr id="1" name="">
-          <a:extLst>
-            <a:ext uri="{FF2B5EF4-FFF2-40B4-BE49-F238E27FC236}">
-              <a16:creationId xmlns:a16="http://schemas.microsoft.com/office/drawing/2014/main" id="{4D5CAF60-821D-41B0-1321-DD12AD3E57C4}"/>
-            </a:ext>
-          </a:extLst>
-        </p:cNvPr>
-        <p:cNvGrpSpPr/>
-        <p:nvPr/>
-      </p:nvGrpSpPr>
-      <p:grpSpPr>
-        <a:xfrm>
-          <a:off x="0" y="0"/>
-          <a:ext cx="0" cy="0"/>
-          <a:chOff x="0" y="0"/>
-          <a:chExt cx="0" cy="0"/>
-        </a:xfrm>
-      </p:grpSpPr>
-      <p:pic>
-        <p:nvPicPr>
-          <p:cNvPr id="5" name="Imagem 4">
-            <a:extLst>
-              <a:ext uri="{FF2B5EF4-FFF2-40B4-BE49-F238E27FC236}">
-                <a16:creationId xmlns:a16="http://schemas.microsoft.com/office/drawing/2014/main" id="{F7610CA9-A525-DEF8-EFD5-D3278795D9E9}"/>
-              </a:ext>
-            </a:extLst>
-          </p:cNvPr>
-          <p:cNvPicPr>
-            <a:picLocks noChangeAspect="1"/>
-          </p:cNvPicPr>
-          <p:nvPr/>
-        </p:nvPicPr>
-        <p:blipFill>
-          <a:blip r:embed="rId2">
-            <a:extLst>
-              <a:ext uri="{28A0092B-C50C-407E-A947-70E740481C1C}">
-                <a14:useLocalDpi xmlns:a14="http://schemas.microsoft.com/office/drawing/2010/main" val="0"/>
-              </a:ext>
-            </a:extLst>
-          </a:blip>
-          <a:stretch>
-            <a:fillRect/>
-          </a:stretch>
-        </p:blipFill>
-        <p:spPr>
-          <a:xfrm>
-            <a:off x="0" y="0"/>
-            <a:ext cx="12192000" cy="6858000"/>
-          </a:xfrm>
-          <a:prstGeom prst="rect">
-            <a:avLst/>
-          </a:prstGeom>
-        </p:spPr>
-      </p:pic>
-      <p:pic>
-        <p:nvPicPr>
-          <p:cNvPr id="3" name="Imagem 2">
-            <a:extLst>
-              <a:ext uri="{FF2B5EF4-FFF2-40B4-BE49-F238E27FC236}">
-                <a16:creationId xmlns:a16="http://schemas.microsoft.com/office/drawing/2014/main" id="{42BC9A07-F41E-C7CA-21D9-EBDF1B10FA58}"/>
-              </a:ext>
-            </a:extLst>
-          </p:cNvPr>
-          <p:cNvPicPr>
-            <a:picLocks noChangeAspect="1"/>
-          </p:cNvPicPr>
-          <p:nvPr/>
-        </p:nvPicPr>
-        <p:blipFill>
-          <a:blip r:embed="rId3"/>
-          <a:stretch>
-            <a:fillRect/>
-          </a:stretch>
-        </p:blipFill>
-        <p:spPr>
-          <a:xfrm>
-            <a:off x="561202" y="623496"/>
-            <a:ext cx="11069595" cy="5611008"/>
-          </a:xfrm>
-          <a:prstGeom prst="rect">
-            <a:avLst/>
-          </a:prstGeom>
-        </p:spPr>
-      </p:pic>
-    </p:spTree>
-    <p:extLst>
-      <p:ext uri="{BB962C8B-B14F-4D97-AF65-F5344CB8AC3E}">
-        <p14:creationId xmlns:p14="http://schemas.microsoft.com/office/powerpoint/2010/main" val="2124319770"/>
       </p:ext>
     </p:extLst>
   </p:cSld>

--- a/Aula 4/Models.pptx
+++ b/Aula 4/Models.pptx
@@ -214,7 +214,7 @@
           <a:p>
             <a:fld id="{4440A938-EE45-4CF6-9305-556CFB7B5057}" type="datetimeFigureOut">
               <a:rPr lang="pt-BR" smtClean="0"/>
-              <a:t>23/01/2026</a:t>
+              <a:t>10/02/2026</a:t>
             </a:fld>
             <a:endParaRPr lang="pt-BR"/>
           </a:p>
@@ -628,7 +628,7 @@
           <a:p>
             <a:fld id="{E2A3D7A4-D674-4F04-B457-5A75143D3A24}" type="datetimeFigureOut">
               <a:rPr lang="pt-BR" smtClean="0"/>
-              <a:t>23/01/2026</a:t>
+              <a:t>10/02/2026</a:t>
             </a:fld>
             <a:endParaRPr lang="pt-BR"/>
           </a:p>
@@ -826,7 +826,7 @@
           <a:p>
             <a:fld id="{E2A3D7A4-D674-4F04-B457-5A75143D3A24}" type="datetimeFigureOut">
               <a:rPr lang="pt-BR" smtClean="0"/>
-              <a:t>23/01/2026</a:t>
+              <a:t>10/02/2026</a:t>
             </a:fld>
             <a:endParaRPr lang="pt-BR"/>
           </a:p>
@@ -1034,7 +1034,7 @@
           <a:p>
             <a:fld id="{E2A3D7A4-D674-4F04-B457-5A75143D3A24}" type="datetimeFigureOut">
               <a:rPr lang="pt-BR" smtClean="0"/>
-              <a:t>23/01/2026</a:t>
+              <a:t>10/02/2026</a:t>
             </a:fld>
             <a:endParaRPr lang="pt-BR"/>
           </a:p>
@@ -1232,7 +1232,7 @@
           <a:p>
             <a:fld id="{E2A3D7A4-D674-4F04-B457-5A75143D3A24}" type="datetimeFigureOut">
               <a:rPr lang="pt-BR" smtClean="0"/>
-              <a:t>23/01/2026</a:t>
+              <a:t>10/02/2026</a:t>
             </a:fld>
             <a:endParaRPr lang="pt-BR"/>
           </a:p>
@@ -1507,7 +1507,7 @@
           <a:p>
             <a:fld id="{E2A3D7A4-D674-4F04-B457-5A75143D3A24}" type="datetimeFigureOut">
               <a:rPr lang="pt-BR" smtClean="0"/>
-              <a:t>23/01/2026</a:t>
+              <a:t>10/02/2026</a:t>
             </a:fld>
             <a:endParaRPr lang="pt-BR"/>
           </a:p>
@@ -1772,7 +1772,7 @@
           <a:p>
             <a:fld id="{E2A3D7A4-D674-4F04-B457-5A75143D3A24}" type="datetimeFigureOut">
               <a:rPr lang="pt-BR" smtClean="0"/>
-              <a:t>23/01/2026</a:t>
+              <a:t>10/02/2026</a:t>
             </a:fld>
             <a:endParaRPr lang="pt-BR"/>
           </a:p>
@@ -2184,7 +2184,7 @@
           <a:p>
             <a:fld id="{E2A3D7A4-D674-4F04-B457-5A75143D3A24}" type="datetimeFigureOut">
               <a:rPr lang="pt-BR" smtClean="0"/>
-              <a:t>23/01/2026</a:t>
+              <a:t>10/02/2026</a:t>
             </a:fld>
             <a:endParaRPr lang="pt-BR"/>
           </a:p>
@@ -2325,7 +2325,7 @@
           <a:p>
             <a:fld id="{E2A3D7A4-D674-4F04-B457-5A75143D3A24}" type="datetimeFigureOut">
               <a:rPr lang="pt-BR" smtClean="0"/>
-              <a:t>23/01/2026</a:t>
+              <a:t>10/02/2026</a:t>
             </a:fld>
             <a:endParaRPr lang="pt-BR"/>
           </a:p>
@@ -2438,7 +2438,7 @@
           <a:p>
             <a:fld id="{E2A3D7A4-D674-4F04-B457-5A75143D3A24}" type="datetimeFigureOut">
               <a:rPr lang="pt-BR" smtClean="0"/>
-              <a:t>23/01/2026</a:t>
+              <a:t>10/02/2026</a:t>
             </a:fld>
             <a:endParaRPr lang="pt-BR"/>
           </a:p>
@@ -2749,7 +2749,7 @@
           <a:p>
             <a:fld id="{E2A3D7A4-D674-4F04-B457-5A75143D3A24}" type="datetimeFigureOut">
               <a:rPr lang="pt-BR" smtClean="0"/>
-              <a:t>23/01/2026</a:t>
+              <a:t>10/02/2026</a:t>
             </a:fld>
             <a:endParaRPr lang="pt-BR"/>
           </a:p>
@@ -3037,7 +3037,7 @@
           <a:p>
             <a:fld id="{E2A3D7A4-D674-4F04-B457-5A75143D3A24}" type="datetimeFigureOut">
               <a:rPr lang="pt-BR" smtClean="0"/>
-              <a:t>23/01/2026</a:t>
+              <a:t>10/02/2026</a:t>
             </a:fld>
             <a:endParaRPr lang="pt-BR"/>
           </a:p>
@@ -3278,7 +3278,7 @@
           <a:p>
             <a:fld id="{E2A3D7A4-D674-4F04-B457-5A75143D3A24}" type="datetimeFigureOut">
               <a:rPr lang="pt-BR" smtClean="0"/>
-              <a:t>23/01/2026</a:t>
+              <a:t>10/02/2026</a:t>
             </a:fld>
             <a:endParaRPr lang="pt-BR"/>
           </a:p>
@@ -4455,7 +4455,7 @@
         <p:spPr>
           <a:xfrm>
             <a:off x="1989992" y="1332258"/>
-            <a:ext cx="8212016" cy="1015663"/>
+            <a:ext cx="8212016" cy="1200329"/>
           </a:xfrm>
           <a:prstGeom prst="rect">
             <a:avLst/>
@@ -4468,137 +4468,139 @@
           </a:bodyPr>
           <a:lstStyle/>
           <a:p>
-            <a:r>
-              <a:rPr lang="en-US" sz="2000" dirty="0"/>
+            <a:pPr algn="ctr"/>
+            <a:r>
+              <a:rPr lang="en-US" sz="2400" dirty="0"/>
               <a:t>Em um </a:t>
             </a:r>
             <a:r>
-              <a:rPr lang="en-US" sz="2000" dirty="0" err="1"/>
+              <a:rPr lang="en-US" sz="2400" dirty="0" err="1"/>
               <a:t>jogo</a:t>
             </a:r>
             <a:r>
-              <a:rPr lang="en-US" sz="2000" dirty="0"/>
+              <a:rPr lang="en-US" sz="2400" dirty="0"/>
               <a:t>, qual a </a:t>
             </a:r>
             <a:r>
-              <a:rPr lang="en-US" sz="2000" dirty="0" err="1"/>
+              <a:rPr lang="en-US" sz="2400" dirty="0" err="1"/>
               <a:t>relação</a:t>
             </a:r>
             <a:r>
-              <a:rPr lang="en-US" sz="2000" dirty="0"/>
+              <a:rPr lang="en-US" sz="2400" dirty="0"/>
               <a:t> entre um </a:t>
             </a:r>
             <a:r>
-              <a:rPr lang="en-US" sz="2000" dirty="0" err="1"/>
+              <a:rPr lang="en-US" sz="2400" dirty="0" err="1"/>
               <a:t>Personagem</a:t>
             </a:r>
             <a:r>
-              <a:rPr lang="en-US" sz="2000" dirty="0"/>
+              <a:rPr lang="en-US" sz="2400" dirty="0"/>
               <a:t> e um Item?</a:t>
             </a:r>
           </a:p>
           <a:p>
-            <a:r>
-              <a:rPr lang="en-US" sz="2000" dirty="0"/>
+            <a:pPr algn="ctr"/>
+            <a:r>
+              <a:rPr lang="en-US" sz="2400" dirty="0"/>
               <a:t>Um </a:t>
             </a:r>
             <a:r>
-              <a:rPr lang="en-US" sz="2000" dirty="0" err="1"/>
+              <a:rPr lang="en-US" sz="2400" dirty="0" err="1"/>
               <a:t>Personagem</a:t>
             </a:r>
             <a:r>
-              <a:rPr lang="en-US" sz="2000" dirty="0"/>
+              <a:rPr lang="en-US" sz="2400" dirty="0"/>
               <a:t> </a:t>
             </a:r>
             <a:r>
-              <a:rPr lang="en-US" sz="2000" dirty="0" err="1"/>
+              <a:rPr lang="en-US" sz="2400" dirty="0" err="1"/>
               <a:t>pode</a:t>
             </a:r>
             <a:r>
-              <a:rPr lang="en-US" sz="2000" dirty="0"/>
+              <a:rPr lang="en-US" sz="2400" dirty="0"/>
               <a:t> </a:t>
             </a:r>
             <a:r>
-              <a:rPr lang="en-US" sz="2000" dirty="0" err="1"/>
+              <a:rPr lang="en-US" sz="2400" dirty="0" err="1"/>
               <a:t>ter</a:t>
             </a:r>
             <a:r>
-              <a:rPr lang="en-US" sz="2000" dirty="0"/>
+              <a:rPr lang="en-US" sz="2400" dirty="0"/>
               <a:t> </a:t>
             </a:r>
             <a:r>
-              <a:rPr lang="en-US" sz="2000" dirty="0" err="1"/>
+              <a:rPr lang="en-US" sz="2400" dirty="0" err="1"/>
               <a:t>vários</a:t>
             </a:r>
             <a:r>
-              <a:rPr lang="en-US" sz="2000" dirty="0"/>
+              <a:rPr lang="en-US" sz="2400" dirty="0"/>
               <a:t> </a:t>
             </a:r>
             <a:r>
-              <a:rPr lang="en-US" sz="2000" dirty="0" err="1"/>
+              <a:rPr lang="en-US" sz="2400" dirty="0" err="1"/>
               <a:t>Itens</a:t>
             </a:r>
             <a:r>
-              <a:rPr lang="en-US" sz="2000" dirty="0"/>
+              <a:rPr lang="en-US" sz="2400" dirty="0"/>
               <a:t>(M), mas </a:t>
             </a:r>
             <a:r>
-              <a:rPr lang="en-US" sz="2000" dirty="0" err="1"/>
+              <a:rPr lang="en-US" sz="2400" dirty="0" err="1"/>
               <a:t>os</a:t>
             </a:r>
             <a:r>
-              <a:rPr lang="en-US" sz="2000" dirty="0"/>
+              <a:rPr lang="en-US" sz="2400" dirty="0"/>
               <a:t> </a:t>
             </a:r>
             <a:r>
-              <a:rPr lang="en-US" sz="2000" dirty="0" err="1"/>
+              <a:rPr lang="en-US" sz="2400" dirty="0" err="1"/>
               <a:t>Itens</a:t>
             </a:r>
             <a:r>
-              <a:rPr lang="en-US" sz="2000" dirty="0"/>
+              <a:rPr lang="en-US" sz="2400" dirty="0"/>
               <a:t> </a:t>
             </a:r>
             <a:r>
-              <a:rPr lang="en-US" sz="2000" dirty="0" err="1"/>
+              <a:rPr lang="en-US" sz="2400" dirty="0" err="1"/>
               <a:t>podem</a:t>
             </a:r>
             <a:r>
-              <a:rPr lang="en-US" sz="2000" dirty="0"/>
+              <a:rPr lang="en-US" sz="2400" dirty="0"/>
               <a:t> ser </a:t>
             </a:r>
             <a:r>
-              <a:rPr lang="en-US" sz="2000" dirty="0" err="1"/>
+              <a:rPr lang="en-US" sz="2400" dirty="0" err="1"/>
               <a:t>equipados</a:t>
             </a:r>
             <a:r>
-              <a:rPr lang="en-US" sz="2000" dirty="0"/>
+              <a:rPr lang="en-US" sz="2400" dirty="0"/>
               <a:t> </a:t>
             </a:r>
             <a:r>
-              <a:rPr lang="en-US" sz="2000" dirty="0" err="1"/>
+              <a:rPr lang="en-US" sz="2400" dirty="0" err="1"/>
               <a:t>por</a:t>
             </a:r>
             <a:r>
-              <a:rPr lang="en-US" sz="2000" dirty="0"/>
+              <a:rPr lang="en-US" sz="2400" dirty="0"/>
               <a:t> </a:t>
             </a:r>
             <a:r>
-              <a:rPr lang="en-US" sz="2000" dirty="0" err="1"/>
+              <a:rPr lang="en-US" sz="2400" dirty="0" err="1"/>
               <a:t>Personagens</a:t>
             </a:r>
             <a:r>
-              <a:rPr lang="en-US" sz="2000" dirty="0"/>
+              <a:rPr lang="en-US" sz="2400" dirty="0"/>
               <a:t> </a:t>
             </a:r>
             <a:r>
-              <a:rPr lang="en-US" sz="2000" dirty="0" err="1"/>
+              <a:rPr lang="en-US" sz="2400" dirty="0" err="1"/>
               <a:t>distintos</a:t>
             </a:r>
             <a:r>
-              <a:rPr lang="en-US" sz="2000" dirty="0"/>
+              <a:rPr lang="en-US" sz="2400" dirty="0"/>
               <a:t>(N)</a:t>
             </a:r>
-            <a:endParaRPr lang="pt-BR" sz="2000" dirty="0"/>
+            <a:endParaRPr lang="pt-BR" sz="2400" dirty="0"/>
           </a:p>
         </p:txBody>
       </p:sp>
@@ -4758,8 +4760,8 @@
         </p:nvSpPr>
         <p:spPr>
           <a:xfrm>
-            <a:off x="1858108" y="4741963"/>
-            <a:ext cx="8475784" cy="1200329"/>
+            <a:off x="492368" y="4785924"/>
+            <a:ext cx="11207263" cy="1569660"/>
           </a:xfrm>
           <a:prstGeom prst="rect">
             <a:avLst/>
@@ -4773,258 +4775,258 @@
           <a:lstStyle/>
           <a:p>
             <a:r>
-              <a:rPr lang="en-US" dirty="0"/>
+              <a:rPr lang="en-US" sz="2400" dirty="0"/>
               <a:t>Nesse </a:t>
             </a:r>
             <a:r>
-              <a:rPr lang="en-US" dirty="0" err="1"/>
+              <a:rPr lang="en-US" sz="2400" dirty="0" err="1"/>
               <a:t>caso</a:t>
             </a:r>
             <a:r>
-              <a:rPr lang="en-US" dirty="0"/>
+              <a:rPr lang="en-US" sz="2400" dirty="0"/>
               <a:t>, é </a:t>
             </a:r>
             <a:r>
-              <a:rPr lang="en-US" dirty="0" err="1"/>
+              <a:rPr lang="en-US" sz="2400" dirty="0" err="1"/>
               <a:t>preciso</a:t>
             </a:r>
             <a:r>
-              <a:rPr lang="en-US" dirty="0"/>
+              <a:rPr lang="en-US" sz="2400" dirty="0"/>
               <a:t> </a:t>
             </a:r>
             <a:r>
-              <a:rPr lang="en-US" dirty="0" err="1"/>
+              <a:rPr lang="en-US" sz="2400" dirty="0" err="1"/>
               <a:t>criar</a:t>
             </a:r>
             <a:r>
-              <a:rPr lang="en-US" dirty="0"/>
+              <a:rPr lang="en-US" sz="2400" dirty="0"/>
               <a:t> </a:t>
             </a:r>
             <a:r>
-              <a:rPr lang="en-US" dirty="0" err="1"/>
+              <a:rPr lang="en-US" sz="2400" dirty="0" err="1"/>
               <a:t>uma</a:t>
             </a:r>
             <a:r>
-              <a:rPr lang="en-US" dirty="0"/>
+              <a:rPr lang="en-US" sz="2400" dirty="0"/>
               <a:t> </a:t>
             </a:r>
             <a:r>
-              <a:rPr lang="en-US" dirty="0" err="1"/>
+              <a:rPr lang="en-US" sz="2400" dirty="0" err="1"/>
               <a:t>tabela</a:t>
             </a:r>
             <a:r>
-              <a:rPr lang="en-US" dirty="0"/>
+              <a:rPr lang="en-US" sz="2400" dirty="0"/>
               <a:t> </a:t>
             </a:r>
             <a:r>
-              <a:rPr lang="en-US" dirty="0" err="1"/>
+              <a:rPr lang="en-US" sz="2400" dirty="0" err="1"/>
               <a:t>intermediária</a:t>
             </a:r>
             <a:r>
-              <a:rPr lang="en-US" dirty="0"/>
+              <a:rPr lang="en-US" sz="2400" dirty="0"/>
               <a:t>(o model </a:t>
             </a:r>
             <a:r>
-              <a:rPr lang="en-US" dirty="0" err="1"/>
+              <a:rPr lang="en-US" sz="2400" dirty="0" err="1"/>
               <a:t>cria</a:t>
             </a:r>
             <a:r>
-              <a:rPr lang="en-US" dirty="0"/>
+              <a:rPr lang="en-US" sz="2400" dirty="0"/>
               <a:t> </a:t>
             </a:r>
             <a:r>
-              <a:rPr lang="en-US" dirty="0" err="1"/>
+              <a:rPr lang="en-US" sz="2400" dirty="0" err="1"/>
               <a:t>automaticamente</a:t>
             </a:r>
             <a:r>
-              <a:rPr lang="en-US" dirty="0"/>
+              <a:rPr lang="en-US" sz="2400" dirty="0"/>
               <a:t>, mas no Script é </a:t>
             </a:r>
             <a:r>
-              <a:rPr lang="en-US" dirty="0" err="1"/>
+              <a:rPr lang="en-US" sz="2400" dirty="0" err="1"/>
               <a:t>necessária</a:t>
             </a:r>
             <a:r>
-              <a:rPr lang="en-US" dirty="0"/>
+              <a:rPr lang="en-US" sz="2400" dirty="0"/>
               <a:t> </a:t>
             </a:r>
             <a:r>
-              <a:rPr lang="en-US" dirty="0" err="1"/>
+              <a:rPr lang="en-US" sz="2400" dirty="0" err="1"/>
               <a:t>sua</a:t>
             </a:r>
             <a:r>
-              <a:rPr lang="en-US" dirty="0"/>
+              <a:rPr lang="en-US" sz="2400" dirty="0"/>
               <a:t> </a:t>
             </a:r>
             <a:r>
-              <a:rPr lang="en-US" dirty="0" err="1"/>
+              <a:rPr lang="en-US" sz="2400" dirty="0" err="1"/>
               <a:t>implementação</a:t>
             </a:r>
             <a:r>
-              <a:rPr lang="en-US" dirty="0"/>
+              <a:rPr lang="en-US" sz="2400" dirty="0"/>
               <a:t>). As </a:t>
             </a:r>
             <a:r>
-              <a:rPr lang="en-US" dirty="0" err="1"/>
+              <a:rPr lang="en-US" sz="2400" dirty="0" err="1"/>
               <a:t>chaves</a:t>
             </a:r>
             <a:r>
-              <a:rPr lang="en-US" dirty="0"/>
+              <a:rPr lang="en-US" sz="2400" dirty="0"/>
               <a:t> </a:t>
             </a:r>
             <a:r>
-              <a:rPr lang="en-US" dirty="0" err="1"/>
+              <a:rPr lang="en-US" sz="2400" dirty="0" err="1"/>
               <a:t>primárias</a:t>
             </a:r>
             <a:r>
-              <a:rPr lang="en-US" dirty="0"/>
+              <a:rPr lang="en-US" sz="2400" dirty="0"/>
               <a:t> de </a:t>
             </a:r>
             <a:r>
-              <a:rPr lang="en-US" dirty="0" err="1"/>
+              <a:rPr lang="en-US" sz="2400" dirty="0" err="1"/>
               <a:t>cada</a:t>
             </a:r>
             <a:r>
-              <a:rPr lang="en-US" dirty="0"/>
+              <a:rPr lang="en-US" sz="2400" dirty="0"/>
               <a:t> </a:t>
             </a:r>
             <a:r>
-              <a:rPr lang="en-US" dirty="0" err="1"/>
+              <a:rPr lang="en-US" sz="2400" dirty="0" err="1"/>
               <a:t>uma</a:t>
             </a:r>
             <a:r>
-              <a:rPr lang="en-US" dirty="0"/>
+              <a:rPr lang="en-US" sz="2400" dirty="0"/>
               <a:t> das </a:t>
             </a:r>
             <a:r>
-              <a:rPr lang="en-US" dirty="0" err="1"/>
+              <a:rPr lang="en-US" sz="2400" dirty="0" err="1"/>
               <a:t>entidades</a:t>
             </a:r>
             <a:r>
-              <a:rPr lang="en-US" dirty="0"/>
+              <a:rPr lang="en-US" sz="2400" dirty="0"/>
               <a:t> </a:t>
             </a:r>
             <a:r>
-              <a:rPr lang="en-US" dirty="0" err="1"/>
+              <a:rPr lang="en-US" sz="2400" dirty="0" err="1"/>
               <a:t>vira</a:t>
             </a:r>
             <a:r>
-              <a:rPr lang="en-US" dirty="0"/>
+              <a:rPr lang="en-US" sz="2400" dirty="0"/>
               <a:t> </a:t>
             </a:r>
             <a:r>
-              <a:rPr lang="en-US" dirty="0" err="1"/>
+              <a:rPr lang="en-US" sz="2400" dirty="0" err="1"/>
               <a:t>uma</a:t>
             </a:r>
             <a:r>
-              <a:rPr lang="en-US" dirty="0"/>
+              <a:rPr lang="en-US" sz="2400" dirty="0"/>
               <a:t> das </a:t>
             </a:r>
             <a:r>
-              <a:rPr lang="en-US" dirty="0" err="1"/>
+              <a:rPr lang="en-US" sz="2400" dirty="0" err="1"/>
               <a:t>chaves</a:t>
             </a:r>
             <a:r>
-              <a:rPr lang="en-US" dirty="0"/>
+              <a:rPr lang="en-US" sz="2400" dirty="0"/>
               <a:t> </a:t>
             </a:r>
             <a:r>
-              <a:rPr lang="en-US" dirty="0" err="1"/>
+              <a:rPr lang="en-US" sz="2400" dirty="0" err="1"/>
               <a:t>entrangeiras</a:t>
             </a:r>
             <a:r>
-              <a:rPr lang="en-US" dirty="0"/>
+              <a:rPr lang="en-US" sz="2400" dirty="0"/>
               <a:t> dessa </a:t>
             </a:r>
             <a:r>
-              <a:rPr lang="en-US" dirty="0" err="1"/>
+              <a:rPr lang="en-US" sz="2400" dirty="0" err="1"/>
               <a:t>tabela</a:t>
             </a:r>
             <a:r>
-              <a:rPr lang="en-US" dirty="0"/>
+              <a:rPr lang="en-US" sz="2400" dirty="0"/>
               <a:t> </a:t>
             </a:r>
             <a:r>
-              <a:rPr lang="en-US" dirty="0" err="1"/>
+              <a:rPr lang="en-US" sz="2400" dirty="0" err="1"/>
               <a:t>intermediária</a:t>
             </a:r>
             <a:r>
-              <a:rPr lang="en-US" dirty="0"/>
+              <a:rPr lang="en-US" sz="2400" dirty="0"/>
               <a:t>. É </a:t>
             </a:r>
             <a:r>
-              <a:rPr lang="en-US" dirty="0" err="1"/>
+              <a:rPr lang="en-US" sz="2400" dirty="0" err="1"/>
               <a:t>possível</a:t>
             </a:r>
             <a:r>
-              <a:rPr lang="en-US" dirty="0"/>
+              <a:rPr lang="en-US" sz="2400" dirty="0"/>
               <a:t> </a:t>
             </a:r>
             <a:r>
-              <a:rPr lang="en-US" dirty="0" err="1"/>
+              <a:rPr lang="en-US" sz="2400" dirty="0" err="1"/>
               <a:t>inserir</a:t>
             </a:r>
             <a:r>
-              <a:rPr lang="en-US" dirty="0"/>
+              <a:rPr lang="en-US" sz="2400" dirty="0"/>
               <a:t> </a:t>
             </a:r>
             <a:r>
-              <a:rPr lang="en-US" dirty="0" err="1"/>
+              <a:rPr lang="en-US" sz="2400" dirty="0" err="1"/>
               <a:t>atributos</a:t>
             </a:r>
             <a:r>
-              <a:rPr lang="en-US" dirty="0"/>
+              <a:rPr lang="en-US" sz="2400" dirty="0"/>
               <a:t> </a:t>
             </a:r>
             <a:r>
-              <a:rPr lang="en-US" dirty="0" err="1"/>
+              <a:rPr lang="en-US" sz="2400" dirty="0" err="1"/>
               <a:t>nesta</a:t>
             </a:r>
             <a:r>
-              <a:rPr lang="en-US" dirty="0"/>
+              <a:rPr lang="en-US" sz="2400" dirty="0"/>
               <a:t> </a:t>
             </a:r>
             <a:r>
-              <a:rPr lang="en-US" dirty="0" err="1"/>
+              <a:rPr lang="en-US" sz="2400" dirty="0" err="1"/>
               <a:t>tabela</a:t>
             </a:r>
             <a:r>
-              <a:rPr lang="en-US" dirty="0"/>
+              <a:rPr lang="en-US" sz="2400" dirty="0"/>
               <a:t> nova, </a:t>
             </a:r>
             <a:r>
-              <a:rPr lang="en-US" dirty="0" err="1"/>
+              <a:rPr lang="en-US" sz="2400" dirty="0" err="1"/>
               <a:t>como</a:t>
             </a:r>
             <a:r>
-              <a:rPr lang="en-US" dirty="0"/>
+              <a:rPr lang="en-US" sz="2400" dirty="0"/>
               <a:t> </a:t>
             </a:r>
             <a:r>
-              <a:rPr lang="en-US" dirty="0" err="1"/>
+              <a:rPr lang="en-US" sz="2400" dirty="0" err="1"/>
               <a:t>foi</a:t>
             </a:r>
             <a:r>
-              <a:rPr lang="en-US" dirty="0"/>
+              <a:rPr lang="en-US" sz="2400" dirty="0"/>
               <a:t> </a:t>
             </a:r>
             <a:r>
-              <a:rPr lang="en-US" dirty="0" err="1"/>
+              <a:rPr lang="en-US" sz="2400" dirty="0" err="1"/>
               <a:t>feito</a:t>
             </a:r>
             <a:r>
-              <a:rPr lang="en-US" dirty="0"/>
+              <a:rPr lang="en-US" sz="2400" dirty="0"/>
               <a:t> com “</a:t>
             </a:r>
             <a:r>
-              <a:rPr lang="en-US" dirty="0" err="1"/>
+              <a:rPr lang="en-US" sz="2400" dirty="0" err="1"/>
               <a:t>capArmazenamento</a:t>
             </a:r>
             <a:r>
-              <a:rPr lang="en-US" dirty="0"/>
+              <a:rPr lang="en-US" sz="2400" dirty="0"/>
               <a:t>”.</a:t>
             </a:r>
-            <a:endParaRPr lang="pt-BR" dirty="0"/>
+            <a:endParaRPr lang="pt-BR" sz="2400" dirty="0"/>
           </a:p>
         </p:txBody>
       </p:sp>
@@ -7967,8 +7969,8 @@
         </p:nvSpPr>
         <p:spPr bwMode="auto">
           <a:xfrm>
-            <a:off x="196361" y="1058914"/>
-            <a:ext cx="11799277" cy="3416320"/>
+            <a:off x="196361" y="971183"/>
+            <a:ext cx="11799277" cy="4955203"/>
           </a:xfrm>
           <a:prstGeom prst="rect">
             <a:avLst/>
@@ -8033,7 +8035,7 @@
               <a:tabLst/>
             </a:pPr>
             <a:r>
-              <a:rPr kumimoji="0" lang="pt-BR" altLang="pt-BR" sz="1800" b="1" i="0" u="none" strike="noStrike" cap="none" normalizeH="0" baseline="0" dirty="0">
+              <a:rPr kumimoji="0" lang="pt-BR" altLang="pt-BR" sz="2800" b="1" i="0" u="none" strike="noStrike" cap="none" normalizeH="0" baseline="0" dirty="0">
                 <a:ln>
                   <a:noFill/>
                 </a:ln>
@@ -8046,7 +8048,7 @@
               <a:t>Conexões lógicas entre entidades</a:t>
             </a:r>
             <a:r>
-              <a:rPr kumimoji="0" lang="pt-BR" altLang="pt-BR" sz="1800" b="0" i="0" u="none" strike="noStrike" cap="none" normalizeH="0" baseline="0" dirty="0">
+              <a:rPr kumimoji="0" lang="pt-BR" altLang="pt-BR" sz="2800" b="0" i="0" u="none" strike="noStrike" cap="none" normalizeH="0" baseline="0" dirty="0">
                 <a:ln>
                   <a:noFill/>
                 </a:ln>
@@ -8077,7 +8079,7 @@
               <a:tabLst/>
             </a:pPr>
             <a:r>
-              <a:rPr kumimoji="0" lang="pt-BR" altLang="pt-BR" sz="1800" b="0" i="0" u="none" strike="noStrike" cap="none" normalizeH="0" baseline="0" dirty="0">
+              <a:rPr kumimoji="0" lang="pt-BR" altLang="pt-BR" sz="2800" b="0" i="0" u="none" strike="noStrike" cap="none" normalizeH="0" baseline="0" dirty="0">
                 <a:ln>
                   <a:noFill/>
                 </a:ln>
@@ -8090,7 +8092,7 @@
               <a:t>No modelo relacional, </a:t>
             </a:r>
             <a:r>
-              <a:rPr kumimoji="0" lang="pt-BR" altLang="pt-BR" sz="1800" b="1" i="0" u="none" strike="noStrike" cap="none" normalizeH="0" baseline="0" dirty="0">
+              <a:rPr kumimoji="0" lang="pt-BR" altLang="pt-BR" sz="2800" b="1" i="0" u="none" strike="noStrike" cap="none" normalizeH="0" baseline="0" dirty="0">
                 <a:ln>
                   <a:noFill/>
                 </a:ln>
@@ -8103,7 +8105,7 @@
               <a:t>relacionamentos</a:t>
             </a:r>
             <a:r>
-              <a:rPr kumimoji="0" lang="pt-BR" altLang="pt-BR" sz="1800" b="0" i="0" u="none" strike="noStrike" cap="none" normalizeH="0" baseline="0" dirty="0">
+              <a:rPr kumimoji="0" lang="pt-BR" altLang="pt-BR" sz="2800" b="0" i="0" u="none" strike="noStrike" cap="none" normalizeH="0" baseline="0" dirty="0">
                 <a:ln>
                   <a:noFill/>
                 </a:ln>
@@ -8116,7 +8118,7 @@
               <a:t> ajudam a manter a </a:t>
             </a:r>
             <a:r>
-              <a:rPr kumimoji="0" lang="pt-BR" altLang="pt-BR" sz="1800" b="1" i="0" u="none" strike="noStrike" cap="none" normalizeH="0" baseline="0" dirty="0">
+              <a:rPr kumimoji="0" lang="pt-BR" altLang="pt-BR" sz="2800" b="1" i="0" u="none" strike="noStrike" cap="none" normalizeH="0" baseline="0" dirty="0">
                 <a:ln>
                   <a:noFill/>
                 </a:ln>
@@ -8129,7 +8131,7 @@
               <a:t>integridade referencial</a:t>
             </a:r>
             <a:r>
-              <a:rPr kumimoji="0" lang="pt-BR" altLang="pt-BR" sz="1800" b="0" i="0" u="none" strike="noStrike" cap="none" normalizeH="0" baseline="0" dirty="0">
+              <a:rPr kumimoji="0" lang="pt-BR" altLang="pt-BR" sz="2800" b="0" i="0" u="none" strike="noStrike" cap="none" normalizeH="0" baseline="0" dirty="0">
                 <a:ln>
                   <a:noFill/>
                 </a:ln>
@@ -8159,7 +8161,7 @@
               <a:buNone/>
               <a:tabLst/>
             </a:pPr>
-            <a:endParaRPr lang="pt-BR" altLang="pt-BR" dirty="0">
+            <a:endParaRPr lang="pt-BR" altLang="pt-BR" sz="2800" dirty="0">
               <a:latin typeface="Arial" panose="020B0604020202020204" pitchFamily="34" charset="0"/>
             </a:endParaRPr>
           </a:p>
@@ -8181,7 +8183,7 @@
               <a:tabLst/>
             </a:pPr>
             <a:r>
-              <a:rPr kumimoji="0" lang="pt-BR" altLang="pt-BR" sz="1800" b="0" i="0" u="none" strike="noStrike" cap="none" normalizeH="0" baseline="0" dirty="0">
+              <a:rPr kumimoji="0" lang="pt-BR" altLang="pt-BR" sz="2800" b="0" i="0" u="none" strike="noStrike" cap="none" normalizeH="0" baseline="0" dirty="0">
                 <a:ln>
                   <a:noFill/>
                 </a:ln>
@@ -8211,7 +8213,7 @@
               <a:buNone/>
               <a:tabLst/>
             </a:pPr>
-            <a:endParaRPr lang="pt-BR" altLang="pt-BR" dirty="0">
+            <a:endParaRPr lang="pt-BR" altLang="pt-BR" sz="2800" dirty="0">
               <a:latin typeface="Arial" panose="020B0604020202020204" pitchFamily="34" charset="0"/>
             </a:endParaRPr>
           </a:p>
@@ -8233,7 +8235,7 @@
               <a:tabLst/>
             </a:pPr>
             <a:r>
-              <a:rPr lang="pt-BR" altLang="pt-BR" dirty="0">
+              <a:rPr lang="pt-BR" altLang="pt-BR" sz="2800" dirty="0">
                 <a:latin typeface="Arial" panose="020B0604020202020204" pitchFamily="34" charset="0"/>
               </a:rPr>
               <a:t>1:1</a:t>
@@ -8257,7 +8259,7 @@
               <a:tabLst/>
             </a:pPr>
             <a:r>
-              <a:rPr kumimoji="0" lang="pt-BR" altLang="pt-BR" sz="1800" b="0" i="0" u="none" strike="noStrike" cap="none" normalizeH="0" baseline="0" dirty="0">
+              <a:rPr kumimoji="0" lang="pt-BR" altLang="pt-BR" sz="2800" b="0" i="0" u="none" strike="noStrike" cap="none" normalizeH="0" baseline="0" dirty="0">
                 <a:ln>
                   <a:noFill/>
                 </a:ln>
@@ -8288,12 +8290,12 @@
               <a:tabLst/>
             </a:pPr>
             <a:r>
-              <a:rPr lang="pt-BR" altLang="pt-BR" dirty="0">
+              <a:rPr lang="pt-BR" altLang="pt-BR" sz="2800" dirty="0">
                 <a:latin typeface="Arial" panose="020B0604020202020204" pitchFamily="34" charset="0"/>
               </a:rPr>
               <a:t>N:M</a:t>
             </a:r>
-            <a:endParaRPr kumimoji="0" lang="pt-BR" altLang="pt-BR" sz="1800" b="0" i="0" u="none" strike="noStrike" cap="none" normalizeH="0" baseline="0" dirty="0">
+            <a:endParaRPr kumimoji="0" lang="pt-BR" altLang="pt-BR" sz="2800" b="0" i="0" u="none" strike="noStrike" cap="none" normalizeH="0" baseline="0" dirty="0">
               <a:ln>
                 <a:noFill/>
               </a:ln>
@@ -8603,8 +8605,8 @@
         </p:nvSpPr>
         <p:spPr>
           <a:xfrm>
-            <a:off x="1870832" y="1384084"/>
-            <a:ext cx="8450336" cy="1015663"/>
+            <a:off x="1070231" y="1338097"/>
+            <a:ext cx="10051537" cy="1569660"/>
           </a:xfrm>
           <a:prstGeom prst="rect">
             <a:avLst/>
@@ -8617,153 +8619,155 @@
           </a:bodyPr>
           <a:lstStyle/>
           <a:p>
-            <a:r>
-              <a:rPr lang="en-US" sz="2000" dirty="0"/>
+            <a:pPr algn="ctr"/>
+            <a:r>
+              <a:rPr lang="en-US" sz="2400" dirty="0"/>
               <a:t>Em </a:t>
             </a:r>
             <a:r>
-              <a:rPr lang="en-US" sz="2000" dirty="0" err="1"/>
+              <a:rPr lang="en-US" sz="2400" dirty="0" err="1"/>
               <a:t>questão</a:t>
             </a:r>
             <a:r>
-              <a:rPr lang="en-US" sz="2000" dirty="0"/>
+              <a:rPr lang="en-US" sz="2400" dirty="0"/>
               <a:t> de </a:t>
             </a:r>
             <a:r>
-              <a:rPr lang="en-US" sz="2000" dirty="0" err="1"/>
+              <a:rPr lang="en-US" sz="2400" dirty="0" err="1"/>
               <a:t>documentos</a:t>
             </a:r>
             <a:r>
-              <a:rPr lang="en-US" sz="2000" dirty="0"/>
+              <a:rPr lang="en-US" sz="2400" dirty="0"/>
               <a:t>, qual a </a:t>
             </a:r>
             <a:r>
-              <a:rPr lang="en-US" sz="2000" dirty="0" err="1"/>
+              <a:rPr lang="en-US" sz="2400" dirty="0" err="1"/>
               <a:t>relação</a:t>
             </a:r>
             <a:r>
-              <a:rPr lang="en-US" sz="2000" dirty="0"/>
+              <a:rPr lang="en-US" sz="2400" dirty="0"/>
               <a:t> de </a:t>
             </a:r>
             <a:r>
-              <a:rPr lang="en-US" sz="2000" dirty="0" err="1"/>
+              <a:rPr lang="en-US" sz="2400" dirty="0" err="1"/>
               <a:t>uma</a:t>
             </a:r>
             <a:r>
-              <a:rPr lang="en-US" sz="2000" dirty="0"/>
+              <a:rPr lang="en-US" sz="2400" dirty="0"/>
               <a:t> </a:t>
             </a:r>
             <a:r>
-              <a:rPr lang="en-US" sz="2000" dirty="0" err="1"/>
+              <a:rPr lang="en-US" sz="2400" dirty="0" err="1"/>
               <a:t>pessoa</a:t>
             </a:r>
             <a:r>
-              <a:rPr lang="en-US" sz="2000" dirty="0"/>
+              <a:rPr lang="en-US" sz="2400" dirty="0"/>
               <a:t> com um </a:t>
             </a:r>
             <a:r>
-              <a:rPr lang="en-US" sz="2000" dirty="0" err="1"/>
+              <a:rPr lang="en-US" sz="2400" dirty="0" err="1"/>
               <a:t>passaporte</a:t>
             </a:r>
             <a:r>
-              <a:rPr lang="en-US" sz="2000" dirty="0"/>
+              <a:rPr lang="en-US" sz="2400" dirty="0"/>
               <a:t>?</a:t>
             </a:r>
           </a:p>
           <a:p>
-            <a:r>
-              <a:rPr lang="en-US" sz="2000" dirty="0"/>
+            <a:pPr algn="ctr"/>
+            <a:r>
+              <a:rPr lang="en-US" sz="2400" dirty="0"/>
               <a:t>Uma </a:t>
             </a:r>
             <a:r>
-              <a:rPr lang="en-US" sz="2000" dirty="0" err="1"/>
+              <a:rPr lang="en-US" sz="2400" dirty="0" err="1"/>
               <a:t>pessoa</a:t>
             </a:r>
             <a:r>
-              <a:rPr lang="en-US" sz="2000" dirty="0"/>
+              <a:rPr lang="en-US" sz="2400" dirty="0"/>
               <a:t> </a:t>
             </a:r>
             <a:r>
-              <a:rPr lang="en-US" sz="2000" dirty="0" err="1"/>
+              <a:rPr lang="en-US" sz="2400" dirty="0" err="1"/>
               <a:t>tem</a:t>
             </a:r>
             <a:r>
-              <a:rPr lang="en-US" sz="2000" dirty="0"/>
+              <a:rPr lang="en-US" sz="2400" dirty="0"/>
               <a:t> </a:t>
             </a:r>
             <a:r>
-              <a:rPr lang="en-US" sz="2000" u="sng" dirty="0"/>
+              <a:rPr lang="en-US" sz="2400" u="sng" dirty="0"/>
               <a:t>1</a:t>
             </a:r>
             <a:r>
-              <a:rPr lang="en-US" sz="2000" dirty="0"/>
+              <a:rPr lang="en-US" sz="2400" dirty="0"/>
               <a:t> </a:t>
             </a:r>
             <a:r>
-              <a:rPr lang="en-US" sz="2000" dirty="0" err="1"/>
+              <a:rPr lang="en-US" sz="2400" dirty="0" err="1"/>
               <a:t>passaporte</a:t>
             </a:r>
             <a:r>
-              <a:rPr lang="en-US" sz="2000" dirty="0"/>
+              <a:rPr lang="en-US" sz="2400" dirty="0"/>
               <a:t> </a:t>
             </a:r>
             <a:r>
-              <a:rPr lang="en-US" sz="2000" dirty="0" err="1"/>
+              <a:rPr lang="en-US" sz="2400" dirty="0" err="1"/>
               <a:t>exclusivo</a:t>
             </a:r>
             <a:r>
-              <a:rPr lang="en-US" sz="2000" dirty="0"/>
+              <a:rPr lang="en-US" sz="2400" dirty="0"/>
               <a:t> e </a:t>
             </a:r>
             <a:r>
-              <a:rPr lang="en-US" sz="2000" u="sng" dirty="0"/>
+              <a:rPr lang="en-US" sz="2400" u="sng" dirty="0"/>
               <a:t>1</a:t>
             </a:r>
             <a:r>
-              <a:rPr lang="en-US" sz="2000" dirty="0"/>
+              <a:rPr lang="en-US" sz="2400" dirty="0"/>
               <a:t> </a:t>
             </a:r>
             <a:r>
-              <a:rPr lang="en-US" sz="2000" dirty="0" err="1"/>
+              <a:rPr lang="en-US" sz="2400" dirty="0" err="1"/>
               <a:t>passaporte</a:t>
             </a:r>
             <a:r>
-              <a:rPr lang="en-US" sz="2000" dirty="0"/>
+              <a:rPr lang="en-US" sz="2400" dirty="0"/>
               <a:t> </a:t>
             </a:r>
             <a:r>
-              <a:rPr lang="en-US" sz="2000" dirty="0" err="1"/>
+              <a:rPr lang="en-US" sz="2400" dirty="0" err="1"/>
               <a:t>pertence</a:t>
             </a:r>
             <a:r>
-              <a:rPr lang="en-US" sz="2000" dirty="0"/>
+              <a:rPr lang="en-US" sz="2400" dirty="0"/>
               <a:t> a </a:t>
             </a:r>
             <a:r>
-              <a:rPr lang="en-US" sz="2000" dirty="0" err="1"/>
+              <a:rPr lang="en-US" sz="2400" dirty="0" err="1"/>
               <a:t>uma</a:t>
             </a:r>
             <a:r>
-              <a:rPr lang="en-US" sz="2000" dirty="0"/>
+              <a:rPr lang="en-US" sz="2400" dirty="0"/>
               <a:t> </a:t>
             </a:r>
             <a:r>
-              <a:rPr lang="en-US" sz="2000" dirty="0" err="1"/>
+              <a:rPr lang="en-US" sz="2400" dirty="0" err="1"/>
               <a:t>única</a:t>
             </a:r>
             <a:r>
-              <a:rPr lang="en-US" sz="2000" dirty="0"/>
+              <a:rPr lang="en-US" sz="2400" dirty="0"/>
               <a:t> </a:t>
             </a:r>
             <a:r>
-              <a:rPr lang="en-US" sz="2000" dirty="0" err="1"/>
+              <a:rPr lang="en-US" sz="2400" dirty="0" err="1"/>
               <a:t>pessoa</a:t>
             </a:r>
             <a:r>
-              <a:rPr lang="en-US" sz="2000" dirty="0"/>
+              <a:rPr lang="en-US" sz="2400" dirty="0"/>
               <a:t>.</a:t>
             </a:r>
-            <a:endParaRPr lang="pt-BR" sz="2000" dirty="0"/>
+            <a:endParaRPr lang="pt-BR" sz="2400" dirty="0"/>
           </a:p>
         </p:txBody>
       </p:sp>
@@ -8989,8 +8993,8 @@
         </p:nvSpPr>
         <p:spPr>
           <a:xfrm>
-            <a:off x="1538654" y="4736630"/>
-            <a:ext cx="8475784" cy="1200329"/>
+            <a:off x="838199" y="4901454"/>
+            <a:ext cx="10515600" cy="1569660"/>
           </a:xfrm>
           <a:prstGeom prst="rect">
             <a:avLst/>
@@ -9004,262 +9008,262 @@
           <a:lstStyle/>
           <a:p>
             <a:r>
-              <a:rPr lang="en-US" dirty="0"/>
+              <a:rPr lang="en-US" sz="2400" dirty="0"/>
               <a:t>Ao </a:t>
             </a:r>
             <a:r>
-              <a:rPr lang="en-US" dirty="0" err="1"/>
+              <a:rPr lang="en-US" sz="2400" dirty="0" err="1"/>
               <a:t>associar</a:t>
             </a:r>
             <a:r>
-              <a:rPr lang="en-US" dirty="0"/>
+              <a:rPr lang="en-US" sz="2400" dirty="0"/>
               <a:t> duas </a:t>
             </a:r>
             <a:r>
-              <a:rPr lang="en-US" dirty="0" err="1"/>
+              <a:rPr lang="en-US" sz="2400" dirty="0" err="1"/>
               <a:t>entidades</a:t>
             </a:r>
             <a:r>
-              <a:rPr lang="en-US" dirty="0"/>
+              <a:rPr lang="en-US" sz="2400" dirty="0"/>
               <a:t>(</a:t>
             </a:r>
             <a:r>
-              <a:rPr lang="en-US" dirty="0" err="1"/>
+              <a:rPr lang="en-US" sz="2400" dirty="0" err="1"/>
               <a:t>tabelas</a:t>
             </a:r>
             <a:r>
-              <a:rPr lang="en-US" dirty="0"/>
+              <a:rPr lang="en-US" sz="2400" dirty="0"/>
               <a:t>), é </a:t>
             </a:r>
             <a:r>
-              <a:rPr lang="en-US" dirty="0" err="1"/>
+              <a:rPr lang="en-US" sz="2400" dirty="0" err="1"/>
               <a:t>gerada</a:t>
             </a:r>
             <a:r>
-              <a:rPr lang="en-US" dirty="0"/>
+              <a:rPr lang="en-US" sz="2400" dirty="0"/>
               <a:t> </a:t>
             </a:r>
             <a:r>
-              <a:rPr lang="en-US" dirty="0" err="1"/>
+              <a:rPr lang="en-US" sz="2400" dirty="0" err="1"/>
               <a:t>em</a:t>
             </a:r>
             <a:r>
-              <a:rPr lang="en-US" dirty="0"/>
+              <a:rPr lang="en-US" sz="2400" dirty="0"/>
               <a:t> </a:t>
             </a:r>
             <a:r>
-              <a:rPr lang="en-US" dirty="0" err="1"/>
+              <a:rPr lang="en-US" sz="2400" dirty="0" err="1"/>
               <a:t>uma</a:t>
             </a:r>
             <a:r>
-              <a:rPr lang="en-US" dirty="0"/>
+              <a:rPr lang="en-US" sz="2400" dirty="0"/>
               <a:t> delas </a:t>
             </a:r>
             <a:r>
-              <a:rPr lang="en-US" dirty="0" err="1"/>
+              <a:rPr lang="en-US" sz="2400" dirty="0" err="1"/>
               <a:t>uma</a:t>
             </a:r>
             <a:r>
-              <a:rPr lang="en-US" dirty="0"/>
+              <a:rPr lang="en-US" sz="2400" dirty="0"/>
               <a:t> </a:t>
             </a:r>
             <a:r>
-              <a:rPr lang="en-US" u="sng" dirty="0" err="1"/>
+              <a:rPr lang="en-US" sz="2400" u="sng" dirty="0" err="1"/>
               <a:t>chave</a:t>
             </a:r>
             <a:r>
-              <a:rPr lang="en-US" u="sng" dirty="0"/>
+              <a:rPr lang="en-US" sz="2400" u="sng" dirty="0"/>
               <a:t> </a:t>
             </a:r>
             <a:r>
-              <a:rPr lang="en-US" u="sng" dirty="0" err="1"/>
+              <a:rPr lang="en-US" sz="2400" u="sng" dirty="0" err="1"/>
               <a:t>estrangeira</a:t>
             </a:r>
             <a:r>
-              <a:rPr lang="en-US" u="sng" dirty="0"/>
+              <a:rPr lang="en-US" sz="2400" u="sng" dirty="0"/>
               <a:t>(FK) </a:t>
             </a:r>
             <a:r>
-              <a:rPr lang="en-US" dirty="0"/>
+              <a:rPr lang="en-US" sz="2400" dirty="0"/>
               <a:t>que é </a:t>
             </a:r>
             <a:r>
-              <a:rPr lang="en-US" dirty="0" err="1"/>
+              <a:rPr lang="en-US" sz="2400" dirty="0" err="1"/>
               <a:t>usada</a:t>
             </a:r>
             <a:r>
-              <a:rPr lang="en-US" dirty="0"/>
+              <a:rPr lang="en-US" sz="2400" dirty="0"/>
               <a:t> </a:t>
             </a:r>
             <a:r>
-              <a:rPr lang="en-US" dirty="0" err="1"/>
+              <a:rPr lang="en-US" sz="2400" dirty="0" err="1"/>
               <a:t>pra</a:t>
             </a:r>
             <a:r>
-              <a:rPr lang="en-US" dirty="0"/>
+              <a:rPr lang="en-US" sz="2400" dirty="0"/>
               <a:t> </a:t>
             </a:r>
             <a:r>
-              <a:rPr lang="en-US" dirty="0" err="1"/>
+              <a:rPr lang="en-US" sz="2400" dirty="0" err="1"/>
               <a:t>conectá</a:t>
             </a:r>
             <a:r>
-              <a:rPr lang="en-US" dirty="0"/>
+              <a:rPr lang="en-US" sz="2400" dirty="0"/>
               <a:t>-las. Essa </a:t>
             </a:r>
             <a:r>
-              <a:rPr lang="en-US" i="1" dirty="0"/>
+              <a:rPr lang="en-US" sz="2400" i="1" dirty="0"/>
               <a:t>Foreign Key</a:t>
             </a:r>
             <a:r>
-              <a:rPr lang="en-US" dirty="0"/>
+              <a:rPr lang="en-US" sz="2400" dirty="0"/>
               <a:t> </a:t>
             </a:r>
             <a:r>
-              <a:rPr lang="en-US" dirty="0" err="1"/>
+              <a:rPr lang="en-US" sz="2400" dirty="0" err="1"/>
               <a:t>pode</a:t>
             </a:r>
             <a:r>
-              <a:rPr lang="en-US" dirty="0"/>
+              <a:rPr lang="en-US" sz="2400" dirty="0"/>
               <a:t> ser </a:t>
             </a:r>
             <a:r>
-              <a:rPr lang="en-US" dirty="0" err="1"/>
+              <a:rPr lang="en-US" sz="2400" dirty="0" err="1"/>
               <a:t>colocada</a:t>
             </a:r>
             <a:r>
-              <a:rPr lang="en-US" dirty="0"/>
+              <a:rPr lang="en-US" sz="2400" dirty="0"/>
               <a:t> </a:t>
             </a:r>
             <a:r>
-              <a:rPr lang="en-US" dirty="0" err="1"/>
+              <a:rPr lang="en-US" sz="2400" dirty="0" err="1"/>
               <a:t>em</a:t>
             </a:r>
             <a:r>
-              <a:rPr lang="en-US" dirty="0"/>
+              <a:rPr lang="en-US" sz="2400" dirty="0"/>
               <a:t> </a:t>
             </a:r>
             <a:r>
-              <a:rPr lang="en-US" dirty="0" err="1"/>
+              <a:rPr lang="en-US" sz="2400" dirty="0" err="1"/>
               <a:t>qualquer</a:t>
             </a:r>
             <a:r>
-              <a:rPr lang="en-US" dirty="0"/>
+              <a:rPr lang="en-US" sz="2400" dirty="0"/>
               <a:t> um dos </a:t>
             </a:r>
             <a:r>
-              <a:rPr lang="en-US" dirty="0" err="1"/>
+              <a:rPr lang="en-US" sz="2400" dirty="0" err="1"/>
               <a:t>lados</a:t>
             </a:r>
             <a:r>
-              <a:rPr lang="en-US" dirty="0"/>
+              <a:rPr lang="en-US" sz="2400" dirty="0"/>
               <a:t> </a:t>
             </a:r>
             <a:r>
-              <a:rPr lang="en-US" dirty="0" err="1"/>
+              <a:rPr lang="en-US" sz="2400" dirty="0" err="1"/>
               <a:t>em</a:t>
             </a:r>
             <a:r>
-              <a:rPr lang="en-US" dirty="0"/>
+              <a:rPr lang="en-US" sz="2400" dirty="0"/>
               <a:t> </a:t>
             </a:r>
             <a:r>
-              <a:rPr lang="en-US" dirty="0" err="1"/>
+              <a:rPr lang="en-US" sz="2400" dirty="0" err="1"/>
               <a:t>uma</a:t>
             </a:r>
             <a:r>
-              <a:rPr lang="en-US" dirty="0"/>
+              <a:rPr lang="en-US" sz="2400" dirty="0"/>
               <a:t> </a:t>
             </a:r>
             <a:r>
-              <a:rPr lang="en-US" dirty="0" err="1"/>
+              <a:rPr lang="en-US" sz="2400" dirty="0" err="1"/>
               <a:t>relação</a:t>
             </a:r>
             <a:r>
-              <a:rPr lang="en-US" dirty="0"/>
+              <a:rPr lang="en-US" sz="2400" dirty="0"/>
               <a:t> 1:1, mas </a:t>
             </a:r>
             <a:r>
-              <a:rPr lang="en-US" dirty="0" err="1"/>
+              <a:rPr lang="en-US" sz="2400" dirty="0" err="1"/>
               <a:t>em</a:t>
             </a:r>
             <a:r>
-              <a:rPr lang="en-US" dirty="0"/>
+              <a:rPr lang="en-US" sz="2400" dirty="0"/>
               <a:t> </a:t>
             </a:r>
             <a:r>
-              <a:rPr lang="en-US" dirty="0" err="1"/>
+              <a:rPr lang="en-US" sz="2400" dirty="0" err="1"/>
               <a:t>casos</a:t>
             </a:r>
             <a:r>
-              <a:rPr lang="en-US" dirty="0"/>
+              <a:rPr lang="en-US" sz="2400" dirty="0"/>
               <a:t> </a:t>
             </a:r>
             <a:r>
-              <a:rPr lang="en-US" dirty="0" err="1"/>
+              <a:rPr lang="en-US" sz="2400" dirty="0" err="1"/>
               <a:t>em</a:t>
             </a:r>
             <a:r>
-              <a:rPr lang="en-US" dirty="0"/>
+              <a:rPr lang="en-US" sz="2400" dirty="0"/>
               <a:t> que </a:t>
             </a:r>
             <a:r>
-              <a:rPr lang="en-US" dirty="0" err="1"/>
+              <a:rPr lang="en-US" sz="2400" dirty="0" err="1"/>
               <a:t>há</a:t>
             </a:r>
             <a:r>
-              <a:rPr lang="en-US" dirty="0"/>
+              <a:rPr lang="en-US" sz="2400" dirty="0"/>
               <a:t> </a:t>
             </a:r>
             <a:r>
-              <a:rPr lang="en-US" dirty="0" err="1"/>
+              <a:rPr lang="en-US" sz="2400" dirty="0" err="1"/>
               <a:t>entidades</a:t>
             </a:r>
             <a:r>
-              <a:rPr lang="en-US" dirty="0"/>
+              <a:rPr lang="en-US" sz="2400" dirty="0"/>
               <a:t> fracas, a </a:t>
             </a:r>
             <a:r>
-              <a:rPr lang="en-US" dirty="0" err="1"/>
+              <a:rPr lang="en-US" sz="2400" dirty="0" err="1"/>
               <a:t>chave</a:t>
             </a:r>
             <a:r>
-              <a:rPr lang="en-US" dirty="0"/>
+              <a:rPr lang="en-US" sz="2400" dirty="0"/>
               <a:t> </a:t>
             </a:r>
             <a:r>
-              <a:rPr lang="en-US" dirty="0" err="1"/>
+              <a:rPr lang="en-US" sz="2400" dirty="0" err="1"/>
               <a:t>deve</a:t>
             </a:r>
             <a:r>
-              <a:rPr lang="en-US" dirty="0"/>
+              <a:rPr lang="en-US" sz="2400" dirty="0"/>
               <a:t> ser </a:t>
             </a:r>
             <a:r>
-              <a:rPr lang="en-US" dirty="0" err="1"/>
+              <a:rPr lang="en-US" sz="2400" dirty="0" err="1"/>
               <a:t>alocada</a:t>
             </a:r>
             <a:r>
-              <a:rPr lang="en-US" dirty="0"/>
+              <a:rPr lang="en-US" sz="2400" dirty="0"/>
               <a:t> no </a:t>
             </a:r>
             <a:r>
-              <a:rPr lang="en-US" dirty="0" err="1"/>
+              <a:rPr lang="en-US" sz="2400" dirty="0" err="1"/>
               <a:t>lado</a:t>
             </a:r>
             <a:r>
-              <a:rPr lang="en-US" dirty="0"/>
+              <a:rPr lang="en-US" sz="2400" dirty="0"/>
               <a:t> da </a:t>
             </a:r>
             <a:r>
-              <a:rPr lang="en-US" dirty="0" err="1"/>
+              <a:rPr lang="en-US" sz="2400" dirty="0" err="1"/>
               <a:t>mesma</a:t>
             </a:r>
             <a:r>
-              <a:rPr lang="en-US" dirty="0"/>
+              <a:rPr lang="en-US" sz="2400" dirty="0"/>
               <a:t>.</a:t>
             </a:r>
-            <a:endParaRPr lang="pt-BR" u="sng" dirty="0"/>
+            <a:endParaRPr lang="pt-BR" sz="2400" u="sng" dirty="0"/>
           </a:p>
         </p:txBody>
       </p:sp>
@@ -9662,7 +9666,7 @@
         </p:nvSpPr>
         <p:spPr>
           <a:xfrm>
-            <a:off x="1817809" y="971183"/>
+            <a:off x="1817809" y="1116349"/>
             <a:ext cx="8556381" cy="830997"/>
           </a:xfrm>
           <a:prstGeom prst="rect">
